--- a/iDigBio Data Ingestion - CYWG 2014.pptx
+++ b/iDigBio Data Ingestion - CYWG 2014.pptx
@@ -1,6 +1,6 @@
 
 <file path=ppt/presentation.xml><?xml version="1.0" encoding="utf-8"?>
-<p:presentation xmlns:a="http://schemas.openxmlformats.org/drawingml/2006/main" xmlns:r="http://schemas.openxmlformats.org/officeDocument/2006/relationships" xmlns:mc="http://schemas.openxmlformats.org/markup-compatibility/2006" xmlns:mv="urn:schemas-microsoft-com:mac:vml" xmlns:p="http://schemas.openxmlformats.org/presentationml/2006/main" xmlns:c="http://schemas.openxmlformats.org/drawingml/2006/chart" xmlns:dgm="http://schemas.openxmlformats.org/drawingml/2006/diagram" xmlns:o="urn:schemas-microsoft-com:office:office" xmlns:v="urn:schemas-microsoft-com:vml" xmlns:pvml="urn:schemas-microsoft-com:office:powerpoint" xmlns:com="http://schemas.openxmlformats.org/drawingml/2006/compatibility" xmlns:p14="http://schemas.microsoft.com/office/powerpoint/2010/main" saveSubsetFonts="1" autoCompressPictures="0" strictFirstAndLastChars="0" showSpecialPlsOnTitleSld="0" firstSlideNum="0">
+<p:presentation xmlns:a="http://schemas.openxmlformats.org/drawingml/2006/main" xmlns:r="http://schemas.openxmlformats.org/officeDocument/2006/relationships" xmlns:mc="http://schemas.openxmlformats.org/markup-compatibility/2006" xmlns:mv="urn:schemas-microsoft-com:mac:vml" xmlns:p="http://schemas.openxmlformats.org/presentationml/2006/main" xmlns:c="http://schemas.openxmlformats.org/drawingml/2006/chart" xmlns:dgm="http://schemas.openxmlformats.org/drawingml/2006/diagram" xmlns:o="urn:schemas-microsoft-com:office:office" xmlns:v="urn:schemas-microsoft-com:vml" xmlns:pvml="urn:schemas-microsoft-com:office:powerpoint" xmlns:com="http://schemas.openxmlformats.org/drawingml/2006/compatibility" xmlns:p14="http://schemas.microsoft.com/office/powerpoint/2010/main" saveSubsetFonts="1" autoCompressPictures="0" strictFirstAndLastChars="0">
   <p:sldMasterIdLst>
     <p:sldMasterId id="2147483665" r:id="rId4"/>
     <p:sldMasterId id="2147483666" r:id="rId5"/>
@@ -32,6 +32,9 @@
     <p:sldId id="276" r:id="rId27"/>
     <p:sldId id="277" r:id="rId28"/>
     <p:sldId id="278" r:id="rId29"/>
+    <p:sldId id="279" r:id="rId30"/>
+    <p:sldId id="280" r:id="rId31"/>
+    <p:sldId id="281" r:id="rId32"/>
   </p:sldIdLst>
   <p:sldSz cy="6858000" cx="9144000"/>
   <p:notesSz cy="9144000" cx="6858000"/>
@@ -718,7 +721,7 @@
   <p:cSld>
     <p:spTree>
       <p:nvGrpSpPr>
-        <p:cNvPr id="208" name="Shape 208"/>
+        <p:cNvPr id="209" name="Shape 209"/>
         <p:cNvGrpSpPr/>
         <p:nvPr/>
       </p:nvGrpSpPr>
@@ -732,7 +735,7 @@
       </p:grpSpPr>
       <p:sp>
         <p:nvSpPr>
-          <p:cNvPr id="209" name="Shape 209"/>
+          <p:cNvPr id="210" name="Shape 210"/>
           <p:cNvSpPr/>
           <p:nvPr>
             <p:ph idx="2" type="sldImg"/>
@@ -776,7 +779,7 @@
       </p:sp>
       <p:sp>
         <p:nvSpPr>
-          <p:cNvPr id="210" name="Shape 210"/>
+          <p:cNvPr id="211" name="Shape 211"/>
           <p:cNvSpPr txBox="1"/>
           <p:nvPr>
             <p:ph idx="1" type="body"/>
@@ -928,7 +931,7 @@
   <p:cSld>
     <p:spTree>
       <p:nvGrpSpPr>
-        <p:cNvPr id="222" name="Shape 222"/>
+        <p:cNvPr id="221" name="Shape 221"/>
         <p:cNvGrpSpPr/>
         <p:nvPr/>
       </p:nvGrpSpPr>
@@ -942,7 +945,7 @@
       </p:grpSpPr>
       <p:sp>
         <p:nvSpPr>
-          <p:cNvPr id="223" name="Shape 223"/>
+          <p:cNvPr id="222" name="Shape 222"/>
           <p:cNvSpPr/>
           <p:nvPr>
             <p:ph idx="2" type="sldImg"/>
@@ -986,7 +989,7 @@
       </p:sp>
       <p:sp>
         <p:nvSpPr>
-          <p:cNvPr id="224" name="Shape 224"/>
+          <p:cNvPr id="223" name="Shape 223"/>
           <p:cNvSpPr txBox="1"/>
           <p:nvPr>
             <p:ph idx="1" type="body"/>
@@ -1033,7 +1036,7 @@
   <p:cSld>
     <p:spTree>
       <p:nvGrpSpPr>
-        <p:cNvPr id="231" name="Shape 231"/>
+        <p:cNvPr id="228" name="Shape 228"/>
         <p:cNvGrpSpPr/>
         <p:nvPr/>
       </p:nvGrpSpPr>
@@ -1047,7 +1050,7 @@
       </p:grpSpPr>
       <p:sp>
         <p:nvSpPr>
-          <p:cNvPr id="232" name="Shape 232"/>
+          <p:cNvPr id="229" name="Shape 229"/>
           <p:cNvSpPr/>
           <p:nvPr>
             <p:ph idx="2" type="sldImg"/>
@@ -1091,7 +1094,7 @@
       </p:sp>
       <p:sp>
         <p:nvSpPr>
-          <p:cNvPr id="233" name="Shape 233"/>
+          <p:cNvPr id="230" name="Shape 230"/>
           <p:cNvSpPr txBox="1"/>
           <p:nvPr>
             <p:ph idx="1" type="body"/>
@@ -1138,7 +1141,7 @@
   <p:cSld>
     <p:spTree>
       <p:nvGrpSpPr>
-        <p:cNvPr id="241" name="Shape 241"/>
+        <p:cNvPr id="235" name="Shape 235"/>
         <p:cNvGrpSpPr/>
         <p:nvPr/>
       </p:nvGrpSpPr>
@@ -1152,7 +1155,7 @@
       </p:grpSpPr>
       <p:sp>
         <p:nvSpPr>
-          <p:cNvPr id="242" name="Shape 242"/>
+          <p:cNvPr id="236" name="Shape 236"/>
           <p:cNvSpPr/>
           <p:nvPr>
             <p:ph idx="2" type="sldImg"/>
@@ -1196,7 +1199,7 @@
       </p:sp>
       <p:sp>
         <p:nvSpPr>
-          <p:cNvPr id="243" name="Shape 243"/>
+          <p:cNvPr id="237" name="Shape 237"/>
           <p:cNvSpPr txBox="1"/>
           <p:nvPr>
             <p:ph idx="1" type="body"/>
@@ -1217,16 +1220,16 @@
           </a:bodyPr>
           <a:lstStyle/>
           <a:p>
-            <a:pPr rtl="0" lvl="0">
-              <a:spcBef>
-                <a:spcPts val="0"/>
-              </a:spcBef>
-              <a:buNone/>
-            </a:pPr>
-            <a:r>
-              <a:rPr lang="en"/>
-              <a:t>Here is a note</a:t>
-            </a:r>
+            <a:pPr>
+              <a:spcBef>
+                <a:spcPts val="0"/>
+              </a:spcBef>
+              <a:buNone/>
+            </a:pPr>
+            <a:r>
+              <a:t/>
+            </a:r>
+            <a:endParaRPr/>
           </a:p>
         </p:txBody>
       </p:sp>
@@ -1243,7 +1246,7 @@
   <p:cSld>
     <p:spTree>
       <p:nvGrpSpPr>
-        <p:cNvPr id="247" name="Shape 247"/>
+        <p:cNvPr id="244" name="Shape 244"/>
         <p:cNvGrpSpPr/>
         <p:nvPr/>
       </p:nvGrpSpPr>
@@ -1257,7 +1260,7 @@
       </p:grpSpPr>
       <p:sp>
         <p:nvSpPr>
-          <p:cNvPr id="248" name="Shape 248"/>
+          <p:cNvPr id="245" name="Shape 245"/>
           <p:cNvSpPr/>
           <p:nvPr>
             <p:ph idx="2" type="sldImg"/>
@@ -1301,7 +1304,7 @@
       </p:sp>
       <p:sp>
         <p:nvSpPr>
-          <p:cNvPr id="249" name="Shape 249"/>
+          <p:cNvPr id="246" name="Shape 246"/>
           <p:cNvSpPr txBox="1"/>
           <p:nvPr>
             <p:ph idx="1" type="body"/>
@@ -1348,7 +1351,7 @@
   <p:cSld>
     <p:spTree>
       <p:nvGrpSpPr>
-        <p:cNvPr id="253" name="Shape 253"/>
+        <p:cNvPr id="252" name="Shape 252"/>
         <p:cNvGrpSpPr/>
         <p:nvPr/>
       </p:nvGrpSpPr>
@@ -1362,7 +1365,7 @@
       </p:grpSpPr>
       <p:sp>
         <p:nvSpPr>
-          <p:cNvPr id="254" name="Shape 254"/>
+          <p:cNvPr id="253" name="Shape 253"/>
           <p:cNvSpPr/>
           <p:nvPr>
             <p:ph idx="2" type="sldImg"/>
@@ -1406,7 +1409,7 @@
       </p:sp>
       <p:sp>
         <p:nvSpPr>
-          <p:cNvPr id="255" name="Shape 255"/>
+          <p:cNvPr id="254" name="Shape 254"/>
           <p:cNvSpPr txBox="1"/>
           <p:nvPr>
             <p:ph idx="1" type="body"/>
@@ -1453,7 +1456,7 @@
   <p:cSld>
     <p:spTree>
       <p:nvGrpSpPr>
-        <p:cNvPr id="259" name="Shape 259"/>
+        <p:cNvPr id="262" name="Shape 262"/>
         <p:cNvGrpSpPr/>
         <p:nvPr/>
       </p:nvGrpSpPr>
@@ -1467,7 +1470,7 @@
       </p:grpSpPr>
       <p:sp>
         <p:nvSpPr>
-          <p:cNvPr id="260" name="Shape 260"/>
+          <p:cNvPr id="263" name="Shape 263"/>
           <p:cNvSpPr/>
           <p:nvPr>
             <p:ph idx="2" type="sldImg"/>
@@ -1511,7 +1514,7 @@
       </p:sp>
       <p:sp>
         <p:nvSpPr>
-          <p:cNvPr id="261" name="Shape 261"/>
+          <p:cNvPr id="264" name="Shape 264"/>
           <p:cNvSpPr txBox="1"/>
           <p:nvPr>
             <p:ph idx="1" type="body"/>
@@ -1532,16 +1535,16 @@
           </a:bodyPr>
           <a:lstStyle/>
           <a:p>
-            <a:pPr>
-              <a:spcBef>
-                <a:spcPts val="0"/>
-              </a:spcBef>
-              <a:buNone/>
-            </a:pPr>
-            <a:r>
-              <a:t/>
-            </a:r>
-            <a:endParaRPr/>
+            <a:pPr rtl="0" lvl="0">
+              <a:spcBef>
+                <a:spcPts val="0"/>
+              </a:spcBef>
+              <a:buNone/>
+            </a:pPr>
+            <a:r>
+              <a:rPr lang="en"/>
+              <a:t>Here is a note</a:t>
+            </a:r>
           </a:p>
         </p:txBody>
       </p:sp>
@@ -1663,7 +1666,7 @@
   <p:cSld>
     <p:spTree>
       <p:nvGrpSpPr>
-        <p:cNvPr id="265" name="Shape 265"/>
+        <p:cNvPr id="268" name="Shape 268"/>
         <p:cNvGrpSpPr/>
         <p:nvPr/>
       </p:nvGrpSpPr>
@@ -1677,7 +1680,7 @@
       </p:grpSpPr>
       <p:sp>
         <p:nvSpPr>
-          <p:cNvPr id="266" name="Shape 266"/>
+          <p:cNvPr id="269" name="Shape 269"/>
           <p:cNvSpPr/>
           <p:nvPr>
             <p:ph idx="2" type="sldImg"/>
@@ -1721,7 +1724,7 @@
       </p:sp>
       <p:sp>
         <p:nvSpPr>
-          <p:cNvPr id="267" name="Shape 267"/>
+          <p:cNvPr id="270" name="Shape 270"/>
           <p:cNvSpPr txBox="1"/>
           <p:nvPr>
             <p:ph idx="1" type="body"/>
@@ -1768,7 +1771,7 @@
   <p:cSld>
     <p:spTree>
       <p:nvGrpSpPr>
-        <p:cNvPr id="271" name="Shape 271"/>
+        <p:cNvPr id="274" name="Shape 274"/>
         <p:cNvGrpSpPr/>
         <p:nvPr/>
       </p:nvGrpSpPr>
@@ -1782,7 +1785,7 @@
       </p:grpSpPr>
       <p:sp>
         <p:nvSpPr>
-          <p:cNvPr id="272" name="Shape 272"/>
+          <p:cNvPr id="275" name="Shape 275"/>
           <p:cNvSpPr/>
           <p:nvPr>
             <p:ph idx="2" type="sldImg"/>
@@ -1826,7 +1829,7 @@
       </p:sp>
       <p:sp>
         <p:nvSpPr>
-          <p:cNvPr id="273" name="Shape 273"/>
+          <p:cNvPr id="276" name="Shape 276"/>
           <p:cNvSpPr txBox="1"/>
           <p:nvPr>
             <p:ph idx="1" type="body"/>
@@ -1873,7 +1876,7 @@
   <p:cSld>
     <p:spTree>
       <p:nvGrpSpPr>
-        <p:cNvPr id="276" name="Shape 276"/>
+        <p:cNvPr id="280" name="Shape 280"/>
         <p:cNvGrpSpPr/>
         <p:nvPr/>
       </p:nvGrpSpPr>
@@ -1887,7 +1890,7 @@
       </p:grpSpPr>
       <p:sp>
         <p:nvSpPr>
-          <p:cNvPr id="277" name="Shape 277"/>
+          <p:cNvPr id="281" name="Shape 281"/>
           <p:cNvSpPr/>
           <p:nvPr>
             <p:ph idx="2" type="sldImg"/>
@@ -1895,8 +1898,8 @@
         </p:nvSpPr>
         <p:spPr>
           <a:xfrm>
-            <a:off y="685800" x="1143000"/>
-            <a:ext cy="3429000" cx="4572000"/>
+            <a:off y="685800" x="1143225"/>
+            <a:ext cy="3429000" cx="4572299"/>
           </a:xfrm>
           <a:custGeom>
             <a:pathLst>
@@ -1931,7 +1934,7 @@
       </p:sp>
       <p:sp>
         <p:nvSpPr>
-          <p:cNvPr id="278" name="Shape 278"/>
+          <p:cNvPr id="282" name="Shape 282"/>
           <p:cNvSpPr txBox="1"/>
           <p:nvPr>
             <p:ph idx="1" type="body"/>
@@ -1947,7 +1950,7 @@
           </a:prstGeom>
         </p:spPr>
         <p:txBody>
-          <a:bodyPr bIns="91425" rIns="91425" lIns="91425" tIns="91425" anchor="ctr" anchorCtr="0">
+          <a:bodyPr bIns="91425" rIns="91425" lIns="91425" tIns="91425" anchor="t" anchorCtr="0">
             <a:noAutofit/>
           </a:bodyPr>
           <a:lstStyle/>
@@ -1978,7 +1981,7 @@
   <p:cSld>
     <p:spTree>
       <p:nvGrpSpPr>
-        <p:cNvPr id="281" name="Shape 281"/>
+        <p:cNvPr id="286" name="Shape 286"/>
         <p:cNvGrpSpPr/>
         <p:nvPr/>
       </p:nvGrpSpPr>
@@ -1992,7 +1995,7 @@
       </p:grpSpPr>
       <p:sp>
         <p:nvSpPr>
-          <p:cNvPr id="282" name="Shape 282"/>
+          <p:cNvPr id="287" name="Shape 287"/>
           <p:cNvSpPr/>
           <p:nvPr>
             <p:ph idx="2" type="sldImg"/>
@@ -2036,7 +2039,7 @@
       </p:sp>
       <p:sp>
         <p:nvSpPr>
-          <p:cNvPr id="283" name="Shape 283"/>
+          <p:cNvPr id="288" name="Shape 288"/>
           <p:cNvSpPr txBox="1"/>
           <p:nvPr>
             <p:ph idx="1" type="body"/>
@@ -2078,12 +2081,12 @@
 </p:notes>
 </file>
 
-<file path=ppt/notesSlides/notesSlide3.xml><?xml version="1.0" encoding="utf-8"?>
+<file path=ppt/notesSlides/notesSlide24.xml><?xml version="1.0" encoding="utf-8"?>
 <p:notes xmlns:a="http://schemas.openxmlformats.org/drawingml/2006/main" xmlns:r="http://schemas.openxmlformats.org/officeDocument/2006/relationships" xmlns:mc="http://schemas.openxmlformats.org/markup-compatibility/2006" xmlns:mv="urn:schemas-microsoft-com:mac:vml" xmlns:p="http://schemas.openxmlformats.org/presentationml/2006/main" xmlns:c="http://schemas.openxmlformats.org/drawingml/2006/chart" xmlns:dgm="http://schemas.openxmlformats.org/drawingml/2006/diagram" xmlns:o="urn:schemas-microsoft-com:office:office" xmlns:v="urn:schemas-microsoft-com:vml" xmlns:pvml="urn:schemas-microsoft-com:office:powerpoint" xmlns:com="http://schemas.openxmlformats.org/drawingml/2006/compatibility" xmlns:p14="http://schemas.microsoft.com/office/powerpoint/2010/main" showMasterSp="0" showMasterPhAnim="0">
   <p:cSld>
     <p:spTree>
       <p:nvGrpSpPr>
-        <p:cNvPr id="154" name="Shape 154"/>
+        <p:cNvPr id="292" name="Shape 292"/>
         <p:cNvGrpSpPr/>
         <p:nvPr/>
       </p:nvGrpSpPr>
@@ -2097,7 +2100,7 @@
       </p:grpSpPr>
       <p:sp>
         <p:nvSpPr>
-          <p:cNvPr id="155" name="Shape 155"/>
+          <p:cNvPr id="293" name="Shape 293"/>
           <p:cNvSpPr/>
           <p:nvPr>
             <p:ph idx="2" type="sldImg"/>
@@ -2141,7 +2144,7 @@
       </p:sp>
       <p:sp>
         <p:nvSpPr>
-          <p:cNvPr id="156" name="Shape 156"/>
+          <p:cNvPr id="294" name="Shape 294"/>
           <p:cNvSpPr txBox="1"/>
           <p:nvPr>
             <p:ph idx="1" type="body"/>
@@ -2183,12 +2186,12 @@
 </p:notes>
 </file>
 
-<file path=ppt/notesSlides/notesSlide4.xml><?xml version="1.0" encoding="utf-8"?>
+<file path=ppt/notesSlides/notesSlide25.xml><?xml version="1.0" encoding="utf-8"?>
 <p:notes xmlns:a="http://schemas.openxmlformats.org/drawingml/2006/main" xmlns:r="http://schemas.openxmlformats.org/officeDocument/2006/relationships" xmlns:mc="http://schemas.openxmlformats.org/markup-compatibility/2006" xmlns:mv="urn:schemas-microsoft-com:mac:vml" xmlns:p="http://schemas.openxmlformats.org/presentationml/2006/main" xmlns:c="http://schemas.openxmlformats.org/drawingml/2006/chart" xmlns:dgm="http://schemas.openxmlformats.org/drawingml/2006/diagram" xmlns:o="urn:schemas-microsoft-com:office:office" xmlns:v="urn:schemas-microsoft-com:vml" xmlns:pvml="urn:schemas-microsoft-com:office:powerpoint" xmlns:com="http://schemas.openxmlformats.org/drawingml/2006/compatibility" xmlns:p14="http://schemas.microsoft.com/office/powerpoint/2010/main" showMasterSp="0" showMasterPhAnim="0">
   <p:cSld>
     <p:spTree>
       <p:nvGrpSpPr>
-        <p:cNvPr id="162" name="Shape 162"/>
+        <p:cNvPr id="297" name="Shape 297"/>
         <p:cNvGrpSpPr/>
         <p:nvPr/>
       </p:nvGrpSpPr>
@@ -2202,7 +2205,7 @@
       </p:grpSpPr>
       <p:sp>
         <p:nvSpPr>
-          <p:cNvPr id="163" name="Shape 163"/>
+          <p:cNvPr id="298" name="Shape 298"/>
           <p:cNvSpPr/>
           <p:nvPr>
             <p:ph idx="2" type="sldImg"/>
@@ -2210,8 +2213,8 @@
         </p:nvSpPr>
         <p:spPr>
           <a:xfrm>
-            <a:off y="685800" x="1143225"/>
-            <a:ext cy="3429000" cx="4572299"/>
+            <a:off y="685800" x="1143000"/>
+            <a:ext cy="3429000" cx="4572000"/>
           </a:xfrm>
           <a:custGeom>
             <a:pathLst>
@@ -2246,7 +2249,7 @@
       </p:sp>
       <p:sp>
         <p:nvSpPr>
-          <p:cNvPr id="164" name="Shape 164"/>
+          <p:cNvPr id="299" name="Shape 299"/>
           <p:cNvSpPr txBox="1"/>
           <p:nvPr>
             <p:ph idx="1" type="body"/>
@@ -2262,7 +2265,7 @@
           </a:prstGeom>
         </p:spPr>
         <p:txBody>
-          <a:bodyPr bIns="91425" rIns="91425" lIns="91425" tIns="91425" anchor="t" anchorCtr="0">
+          <a:bodyPr bIns="91425" rIns="91425" lIns="91425" tIns="91425" anchor="ctr" anchorCtr="0">
             <a:noAutofit/>
           </a:bodyPr>
           <a:lstStyle/>
@@ -2288,12 +2291,12 @@
 </p:notes>
 </file>
 
-<file path=ppt/notesSlides/notesSlide5.xml><?xml version="1.0" encoding="utf-8"?>
+<file path=ppt/notesSlides/notesSlide26.xml><?xml version="1.0" encoding="utf-8"?>
 <p:notes xmlns:a="http://schemas.openxmlformats.org/drawingml/2006/main" xmlns:r="http://schemas.openxmlformats.org/officeDocument/2006/relationships" xmlns:mc="http://schemas.openxmlformats.org/markup-compatibility/2006" xmlns:mv="urn:schemas-microsoft-com:mac:vml" xmlns:p="http://schemas.openxmlformats.org/presentationml/2006/main" xmlns:c="http://schemas.openxmlformats.org/drawingml/2006/chart" xmlns:dgm="http://schemas.openxmlformats.org/drawingml/2006/diagram" xmlns:o="urn:schemas-microsoft-com:office:office" xmlns:v="urn:schemas-microsoft-com:vml" xmlns:pvml="urn:schemas-microsoft-com:office:powerpoint" xmlns:com="http://schemas.openxmlformats.org/drawingml/2006/compatibility" xmlns:p14="http://schemas.microsoft.com/office/powerpoint/2010/main" showMasterSp="0" showMasterPhAnim="0">
   <p:cSld>
     <p:spTree>
       <p:nvGrpSpPr>
-        <p:cNvPr id="167" name="Shape 167"/>
+        <p:cNvPr id="302" name="Shape 302"/>
         <p:cNvGrpSpPr/>
         <p:nvPr/>
       </p:nvGrpSpPr>
@@ -2307,7 +2310,7 @@
       </p:grpSpPr>
       <p:sp>
         <p:nvSpPr>
-          <p:cNvPr id="168" name="Shape 168"/>
+          <p:cNvPr id="303" name="Shape 303"/>
           <p:cNvSpPr/>
           <p:nvPr>
             <p:ph idx="2" type="sldImg"/>
@@ -2351,7 +2354,7 @@
       </p:sp>
       <p:sp>
         <p:nvSpPr>
-          <p:cNvPr id="169" name="Shape 169"/>
+          <p:cNvPr id="304" name="Shape 304"/>
           <p:cNvSpPr txBox="1"/>
           <p:nvPr>
             <p:ph idx="1" type="body"/>
@@ -2393,12 +2396,12 @@
 </p:notes>
 </file>
 
-<file path=ppt/notesSlides/notesSlide6.xml><?xml version="1.0" encoding="utf-8"?>
+<file path=ppt/notesSlides/notesSlide3.xml><?xml version="1.0" encoding="utf-8"?>
 <p:notes xmlns:a="http://schemas.openxmlformats.org/drawingml/2006/main" xmlns:r="http://schemas.openxmlformats.org/officeDocument/2006/relationships" xmlns:mc="http://schemas.openxmlformats.org/markup-compatibility/2006" xmlns:mv="urn:schemas-microsoft-com:mac:vml" xmlns:p="http://schemas.openxmlformats.org/presentationml/2006/main" xmlns:c="http://schemas.openxmlformats.org/drawingml/2006/chart" xmlns:dgm="http://schemas.openxmlformats.org/drawingml/2006/diagram" xmlns:o="urn:schemas-microsoft-com:office:office" xmlns:v="urn:schemas-microsoft-com:vml" xmlns:pvml="urn:schemas-microsoft-com:office:powerpoint" xmlns:com="http://schemas.openxmlformats.org/drawingml/2006/compatibility" xmlns:p14="http://schemas.microsoft.com/office/powerpoint/2010/main" showMasterSp="0" showMasterPhAnim="0">
   <p:cSld>
     <p:spTree>
       <p:nvGrpSpPr>
-        <p:cNvPr id="172" name="Shape 172"/>
+        <p:cNvPr id="154" name="Shape 154"/>
         <p:cNvGrpSpPr/>
         <p:nvPr/>
       </p:nvGrpSpPr>
@@ -2412,7 +2415,7 @@
       </p:grpSpPr>
       <p:sp>
         <p:nvSpPr>
-          <p:cNvPr id="173" name="Shape 173"/>
+          <p:cNvPr id="155" name="Shape 155"/>
           <p:cNvSpPr/>
           <p:nvPr>
             <p:ph idx="2" type="sldImg"/>
@@ -2456,7 +2459,7 @@
       </p:sp>
       <p:sp>
         <p:nvSpPr>
-          <p:cNvPr id="174" name="Shape 174"/>
+          <p:cNvPr id="156" name="Shape 156"/>
           <p:cNvSpPr txBox="1"/>
           <p:nvPr>
             <p:ph idx="1" type="body"/>
@@ -2498,12 +2501,12 @@
 </p:notes>
 </file>
 
-<file path=ppt/notesSlides/notesSlide7.xml><?xml version="1.0" encoding="utf-8"?>
+<file path=ppt/notesSlides/notesSlide4.xml><?xml version="1.0" encoding="utf-8"?>
 <p:notes xmlns:a="http://schemas.openxmlformats.org/drawingml/2006/main" xmlns:r="http://schemas.openxmlformats.org/officeDocument/2006/relationships" xmlns:mc="http://schemas.openxmlformats.org/markup-compatibility/2006" xmlns:mv="urn:schemas-microsoft-com:mac:vml" xmlns:p="http://schemas.openxmlformats.org/presentationml/2006/main" xmlns:c="http://schemas.openxmlformats.org/drawingml/2006/chart" xmlns:dgm="http://schemas.openxmlformats.org/drawingml/2006/diagram" xmlns:o="urn:schemas-microsoft-com:office:office" xmlns:v="urn:schemas-microsoft-com:vml" xmlns:pvml="urn:schemas-microsoft-com:office:powerpoint" xmlns:com="http://schemas.openxmlformats.org/drawingml/2006/compatibility" xmlns:p14="http://schemas.microsoft.com/office/powerpoint/2010/main" showMasterSp="0" showMasterPhAnim="0">
   <p:cSld>
     <p:spTree>
       <p:nvGrpSpPr>
-        <p:cNvPr id="177" name="Shape 177"/>
+        <p:cNvPr id="162" name="Shape 162"/>
         <p:cNvGrpSpPr/>
         <p:nvPr/>
       </p:nvGrpSpPr>
@@ -2517,7 +2520,7 @@
       </p:grpSpPr>
       <p:sp>
         <p:nvSpPr>
-          <p:cNvPr id="178" name="Shape 178"/>
+          <p:cNvPr id="163" name="Shape 163"/>
           <p:cNvSpPr/>
           <p:nvPr>
             <p:ph idx="2" type="sldImg"/>
@@ -2561,7 +2564,7 @@
       </p:sp>
       <p:sp>
         <p:nvSpPr>
-          <p:cNvPr id="179" name="Shape 179"/>
+          <p:cNvPr id="164" name="Shape 164"/>
           <p:cNvSpPr txBox="1"/>
           <p:nvPr>
             <p:ph idx="1" type="body"/>
@@ -2603,12 +2606,12 @@
 </p:notes>
 </file>
 
-<file path=ppt/notesSlides/notesSlide8.xml><?xml version="1.0" encoding="utf-8"?>
+<file path=ppt/notesSlides/notesSlide5.xml><?xml version="1.0" encoding="utf-8"?>
 <p:notes xmlns:a="http://schemas.openxmlformats.org/drawingml/2006/main" xmlns:r="http://schemas.openxmlformats.org/officeDocument/2006/relationships" xmlns:mc="http://schemas.openxmlformats.org/markup-compatibility/2006" xmlns:mv="urn:schemas-microsoft-com:mac:vml" xmlns:p="http://schemas.openxmlformats.org/presentationml/2006/main" xmlns:c="http://schemas.openxmlformats.org/drawingml/2006/chart" xmlns:dgm="http://schemas.openxmlformats.org/drawingml/2006/diagram" xmlns:o="urn:schemas-microsoft-com:office:office" xmlns:v="urn:schemas-microsoft-com:vml" xmlns:pvml="urn:schemas-microsoft-com:office:powerpoint" xmlns:com="http://schemas.openxmlformats.org/drawingml/2006/compatibility" xmlns:p14="http://schemas.microsoft.com/office/powerpoint/2010/main" showMasterSp="0" showMasterPhAnim="0">
   <p:cSld>
     <p:spTree>
       <p:nvGrpSpPr>
-        <p:cNvPr id="183" name="Shape 183"/>
+        <p:cNvPr id="167" name="Shape 167"/>
         <p:cNvGrpSpPr/>
         <p:nvPr/>
       </p:nvGrpSpPr>
@@ -2622,7 +2625,7 @@
       </p:grpSpPr>
       <p:sp>
         <p:nvSpPr>
-          <p:cNvPr id="184" name="Shape 184"/>
+          <p:cNvPr id="168" name="Shape 168"/>
           <p:cNvSpPr/>
           <p:nvPr>
             <p:ph idx="2" type="sldImg"/>
@@ -2666,7 +2669,7 @@
       </p:sp>
       <p:sp>
         <p:nvSpPr>
-          <p:cNvPr id="185" name="Shape 185"/>
+          <p:cNvPr id="169" name="Shape 169"/>
           <p:cNvSpPr txBox="1"/>
           <p:nvPr>
             <p:ph idx="1" type="body"/>
@@ -2708,12 +2711,12 @@
 </p:notes>
 </file>
 
-<file path=ppt/notesSlides/notesSlide9.xml><?xml version="1.0" encoding="utf-8"?>
+<file path=ppt/notesSlides/notesSlide6.xml><?xml version="1.0" encoding="utf-8"?>
 <p:notes xmlns:a="http://schemas.openxmlformats.org/drawingml/2006/main" xmlns:r="http://schemas.openxmlformats.org/officeDocument/2006/relationships" xmlns:mc="http://schemas.openxmlformats.org/markup-compatibility/2006" xmlns:mv="urn:schemas-microsoft-com:mac:vml" xmlns:p="http://schemas.openxmlformats.org/presentationml/2006/main" xmlns:c="http://schemas.openxmlformats.org/drawingml/2006/chart" xmlns:dgm="http://schemas.openxmlformats.org/drawingml/2006/diagram" xmlns:o="urn:schemas-microsoft-com:office:office" xmlns:v="urn:schemas-microsoft-com:vml" xmlns:pvml="urn:schemas-microsoft-com:office:powerpoint" xmlns:com="http://schemas.openxmlformats.org/drawingml/2006/compatibility" xmlns:p14="http://schemas.microsoft.com/office/powerpoint/2010/main" showMasterSp="0" showMasterPhAnim="0">
   <p:cSld>
     <p:spTree>
       <p:nvGrpSpPr>
-        <p:cNvPr id="189" name="Shape 189"/>
+        <p:cNvPr id="172" name="Shape 172"/>
         <p:cNvGrpSpPr/>
         <p:nvPr/>
       </p:nvGrpSpPr>
@@ -2727,7 +2730,7 @@
       </p:grpSpPr>
       <p:sp>
         <p:nvSpPr>
-          <p:cNvPr id="190" name="Shape 190"/>
+          <p:cNvPr id="173" name="Shape 173"/>
           <p:cNvSpPr/>
           <p:nvPr>
             <p:ph idx="2" type="sldImg"/>
@@ -2771,7 +2774,322 @@
       </p:sp>
       <p:sp>
         <p:nvSpPr>
+          <p:cNvPr id="174" name="Shape 174"/>
+          <p:cNvSpPr txBox="1"/>
+          <p:nvPr>
+            <p:ph idx="1" type="body"/>
+          </p:nvPr>
+        </p:nvSpPr>
+        <p:spPr>
+          <a:xfrm>
+            <a:off y="4343400" x="685800"/>
+            <a:ext cy="4114800" cx="5486399"/>
+          </a:xfrm>
+          <a:prstGeom prst="rect">
+            <a:avLst/>
+          </a:prstGeom>
+        </p:spPr>
+        <p:txBody>
+          <a:bodyPr bIns="91425" rIns="91425" lIns="91425" tIns="91425" anchor="t" anchorCtr="0">
+            <a:noAutofit/>
+          </a:bodyPr>
+          <a:lstStyle/>
+          <a:p>
+            <a:pPr>
+              <a:spcBef>
+                <a:spcPts val="0"/>
+              </a:spcBef>
+              <a:buNone/>
+            </a:pPr>
+            <a:r>
+              <a:t/>
+            </a:r>
+            <a:endParaRPr/>
+          </a:p>
+        </p:txBody>
+      </p:sp>
+    </p:spTree>
+  </p:cSld>
+  <p:clrMapOvr>
+    <a:masterClrMapping/>
+  </p:clrMapOvr>
+</p:notes>
+</file>
+
+<file path=ppt/notesSlides/notesSlide7.xml><?xml version="1.0" encoding="utf-8"?>
+<p:notes xmlns:a="http://schemas.openxmlformats.org/drawingml/2006/main" xmlns:r="http://schemas.openxmlformats.org/officeDocument/2006/relationships" xmlns:mc="http://schemas.openxmlformats.org/markup-compatibility/2006" xmlns:mv="urn:schemas-microsoft-com:mac:vml" xmlns:p="http://schemas.openxmlformats.org/presentationml/2006/main" xmlns:c="http://schemas.openxmlformats.org/drawingml/2006/chart" xmlns:dgm="http://schemas.openxmlformats.org/drawingml/2006/diagram" xmlns:o="urn:schemas-microsoft-com:office:office" xmlns:v="urn:schemas-microsoft-com:vml" xmlns:pvml="urn:schemas-microsoft-com:office:powerpoint" xmlns:com="http://schemas.openxmlformats.org/drawingml/2006/compatibility" xmlns:p14="http://schemas.microsoft.com/office/powerpoint/2010/main" showMasterSp="0" showMasterPhAnim="0">
+  <p:cSld>
+    <p:spTree>
+      <p:nvGrpSpPr>
+        <p:cNvPr id="177" name="Shape 177"/>
+        <p:cNvGrpSpPr/>
+        <p:nvPr/>
+      </p:nvGrpSpPr>
+      <p:grpSpPr>
+        <a:xfrm>
+          <a:off y="0" x="0"/>
+          <a:ext cy="0" cx="0"/>
+          <a:chOff y="0" x="0"/>
+          <a:chExt cy="0" cx="0"/>
+        </a:xfrm>
+      </p:grpSpPr>
+      <p:sp>
+        <p:nvSpPr>
+          <p:cNvPr id="178" name="Shape 178"/>
+          <p:cNvSpPr/>
+          <p:nvPr>
+            <p:ph idx="2" type="sldImg"/>
+          </p:nvPr>
+        </p:nvSpPr>
+        <p:spPr>
+          <a:xfrm>
+            <a:off y="685800" x="1143225"/>
+            <a:ext cy="3429000" cx="4572299"/>
+          </a:xfrm>
+          <a:custGeom>
+            <a:pathLst>
+              <a:path w="120000" extrusionOk="0" h="120000">
+                <a:moveTo>
+                  <a:pt y="0" x="0"/>
+                </a:moveTo>
+                <a:lnTo>
+                  <a:pt y="0" x="120000"/>
+                </a:lnTo>
+                <a:lnTo>
+                  <a:pt y="120000" x="120000"/>
+                </a:lnTo>
+                <a:lnTo>
+                  <a:pt y="120000" x="0"/>
+                </a:lnTo>
+                <a:close/>
+              </a:path>
+            </a:pathLst>
+          </a:custGeom>
+          <a:noFill/>
+          <a:ln w="9525" cap="flat">
+            <a:solidFill>
+              <a:srgbClr val="000000"/>
+            </a:solidFill>
+            <a:prstDash val="solid"/>
+            <a:round/>
+            <a:headEnd w="med" len="med" type="none"/>
+            <a:tailEnd w="med" len="med" type="none"/>
+          </a:ln>
+        </p:spPr>
+      </p:sp>
+      <p:sp>
+        <p:nvSpPr>
+          <p:cNvPr id="179" name="Shape 179"/>
+          <p:cNvSpPr txBox="1"/>
+          <p:nvPr>
+            <p:ph idx="1" type="body"/>
+          </p:nvPr>
+        </p:nvSpPr>
+        <p:spPr>
+          <a:xfrm>
+            <a:off y="4343400" x="685800"/>
+            <a:ext cy="4114800" cx="5486399"/>
+          </a:xfrm>
+          <a:prstGeom prst="rect">
+            <a:avLst/>
+          </a:prstGeom>
+        </p:spPr>
+        <p:txBody>
+          <a:bodyPr bIns="91425" rIns="91425" lIns="91425" tIns="91425" anchor="t" anchorCtr="0">
+            <a:noAutofit/>
+          </a:bodyPr>
+          <a:lstStyle/>
+          <a:p>
+            <a:pPr>
+              <a:spcBef>
+                <a:spcPts val="0"/>
+              </a:spcBef>
+              <a:buNone/>
+            </a:pPr>
+            <a:r>
+              <a:t/>
+            </a:r>
+            <a:endParaRPr/>
+          </a:p>
+        </p:txBody>
+      </p:sp>
+    </p:spTree>
+  </p:cSld>
+  <p:clrMapOvr>
+    <a:masterClrMapping/>
+  </p:clrMapOvr>
+</p:notes>
+</file>
+
+<file path=ppt/notesSlides/notesSlide8.xml><?xml version="1.0" encoding="utf-8"?>
+<p:notes xmlns:a="http://schemas.openxmlformats.org/drawingml/2006/main" xmlns:r="http://schemas.openxmlformats.org/officeDocument/2006/relationships" xmlns:mc="http://schemas.openxmlformats.org/markup-compatibility/2006" xmlns:mv="urn:schemas-microsoft-com:mac:vml" xmlns:p="http://schemas.openxmlformats.org/presentationml/2006/main" xmlns:c="http://schemas.openxmlformats.org/drawingml/2006/chart" xmlns:dgm="http://schemas.openxmlformats.org/drawingml/2006/diagram" xmlns:o="urn:schemas-microsoft-com:office:office" xmlns:v="urn:schemas-microsoft-com:vml" xmlns:pvml="urn:schemas-microsoft-com:office:powerpoint" xmlns:com="http://schemas.openxmlformats.org/drawingml/2006/compatibility" xmlns:p14="http://schemas.microsoft.com/office/powerpoint/2010/main" showMasterSp="0" showMasterPhAnim="0">
+  <p:cSld>
+    <p:spTree>
+      <p:nvGrpSpPr>
+        <p:cNvPr id="184" name="Shape 184"/>
+        <p:cNvGrpSpPr/>
+        <p:nvPr/>
+      </p:nvGrpSpPr>
+      <p:grpSpPr>
+        <a:xfrm>
+          <a:off y="0" x="0"/>
+          <a:ext cy="0" cx="0"/>
+          <a:chOff y="0" x="0"/>
+          <a:chExt cy="0" cx="0"/>
+        </a:xfrm>
+      </p:grpSpPr>
+      <p:sp>
+        <p:nvSpPr>
+          <p:cNvPr id="185" name="Shape 185"/>
+          <p:cNvSpPr/>
+          <p:nvPr>
+            <p:ph idx="2" type="sldImg"/>
+          </p:nvPr>
+        </p:nvSpPr>
+        <p:spPr>
+          <a:xfrm>
+            <a:off y="685800" x="1143225"/>
+            <a:ext cy="3429000" cx="4572299"/>
+          </a:xfrm>
+          <a:custGeom>
+            <a:pathLst>
+              <a:path w="120000" extrusionOk="0" h="120000">
+                <a:moveTo>
+                  <a:pt y="0" x="0"/>
+                </a:moveTo>
+                <a:lnTo>
+                  <a:pt y="0" x="120000"/>
+                </a:lnTo>
+                <a:lnTo>
+                  <a:pt y="120000" x="120000"/>
+                </a:lnTo>
+                <a:lnTo>
+                  <a:pt y="120000" x="0"/>
+                </a:lnTo>
+                <a:close/>
+              </a:path>
+            </a:pathLst>
+          </a:custGeom>
+          <a:noFill/>
+          <a:ln w="9525" cap="flat">
+            <a:solidFill>
+              <a:srgbClr val="000000"/>
+            </a:solidFill>
+            <a:prstDash val="solid"/>
+            <a:round/>
+            <a:headEnd w="med" len="med" type="none"/>
+            <a:tailEnd w="med" len="med" type="none"/>
+          </a:ln>
+        </p:spPr>
+      </p:sp>
+      <p:sp>
+        <p:nvSpPr>
+          <p:cNvPr id="186" name="Shape 186"/>
+          <p:cNvSpPr txBox="1"/>
+          <p:nvPr>
+            <p:ph idx="1" type="body"/>
+          </p:nvPr>
+        </p:nvSpPr>
+        <p:spPr>
+          <a:xfrm>
+            <a:off y="4343400" x="685800"/>
+            <a:ext cy="4114800" cx="5486399"/>
+          </a:xfrm>
+          <a:prstGeom prst="rect">
+            <a:avLst/>
+          </a:prstGeom>
+        </p:spPr>
+        <p:txBody>
+          <a:bodyPr bIns="91425" rIns="91425" lIns="91425" tIns="91425" anchor="t" anchorCtr="0">
+            <a:noAutofit/>
+          </a:bodyPr>
+          <a:lstStyle/>
+          <a:p>
+            <a:pPr>
+              <a:spcBef>
+                <a:spcPts val="0"/>
+              </a:spcBef>
+              <a:buNone/>
+            </a:pPr>
+            <a:r>
+              <a:t/>
+            </a:r>
+            <a:endParaRPr/>
+          </a:p>
+        </p:txBody>
+      </p:sp>
+    </p:spTree>
+  </p:cSld>
+  <p:clrMapOvr>
+    <a:masterClrMapping/>
+  </p:clrMapOvr>
+</p:notes>
+</file>
+
+<file path=ppt/notesSlides/notesSlide9.xml><?xml version="1.0" encoding="utf-8"?>
+<p:notes xmlns:a="http://schemas.openxmlformats.org/drawingml/2006/main" xmlns:r="http://schemas.openxmlformats.org/officeDocument/2006/relationships" xmlns:mc="http://schemas.openxmlformats.org/markup-compatibility/2006" xmlns:mv="urn:schemas-microsoft-com:mac:vml" xmlns:p="http://schemas.openxmlformats.org/presentationml/2006/main" xmlns:c="http://schemas.openxmlformats.org/drawingml/2006/chart" xmlns:dgm="http://schemas.openxmlformats.org/drawingml/2006/diagram" xmlns:o="urn:schemas-microsoft-com:office:office" xmlns:v="urn:schemas-microsoft-com:vml" xmlns:pvml="urn:schemas-microsoft-com:office:powerpoint" xmlns:com="http://schemas.openxmlformats.org/drawingml/2006/compatibility" xmlns:p14="http://schemas.microsoft.com/office/powerpoint/2010/main" showMasterSp="0" showMasterPhAnim="0">
+  <p:cSld>
+    <p:spTree>
+      <p:nvGrpSpPr>
+        <p:cNvPr id="190" name="Shape 190"/>
+        <p:cNvGrpSpPr/>
+        <p:nvPr/>
+      </p:nvGrpSpPr>
+      <p:grpSpPr>
+        <a:xfrm>
+          <a:off y="0" x="0"/>
+          <a:ext cy="0" cx="0"/>
+          <a:chOff y="0" x="0"/>
+          <a:chExt cy="0" cx="0"/>
+        </a:xfrm>
+      </p:grpSpPr>
+      <p:sp>
+        <p:nvSpPr>
           <p:cNvPr id="191" name="Shape 191"/>
+          <p:cNvSpPr/>
+          <p:nvPr>
+            <p:ph idx="2" type="sldImg"/>
+          </p:nvPr>
+        </p:nvSpPr>
+        <p:spPr>
+          <a:xfrm>
+            <a:off y="685800" x="1143225"/>
+            <a:ext cy="3429000" cx="4572299"/>
+          </a:xfrm>
+          <a:custGeom>
+            <a:pathLst>
+              <a:path w="120000" extrusionOk="0" h="120000">
+                <a:moveTo>
+                  <a:pt y="0" x="0"/>
+                </a:moveTo>
+                <a:lnTo>
+                  <a:pt y="0" x="120000"/>
+                </a:lnTo>
+                <a:lnTo>
+                  <a:pt y="120000" x="120000"/>
+                </a:lnTo>
+                <a:lnTo>
+                  <a:pt y="120000" x="0"/>
+                </a:lnTo>
+                <a:close/>
+              </a:path>
+            </a:pathLst>
+          </a:custGeom>
+          <a:noFill/>
+          <a:ln w="9525" cap="flat">
+            <a:solidFill>
+              <a:srgbClr val="000000"/>
+            </a:solidFill>
+            <a:prstDash val="solid"/>
+            <a:round/>
+            <a:headEnd w="med" len="med" type="none"/>
+            <a:tailEnd w="med" len="med" type="none"/>
+          </a:ln>
+        </p:spPr>
+      </p:sp>
+      <p:sp>
+        <p:nvSpPr>
+          <p:cNvPr id="192" name="Shape 192"/>
           <p:cNvSpPr txBox="1"/>
           <p:nvPr>
             <p:ph idx="1" type="body"/>
@@ -10330,6 +10648,7 @@
     <p:sldLayoutId id="2147483652" r:id="rId5"/>
     <p:sldLayoutId id="2147483653" r:id="rId6"/>
   </p:sldLayoutIdLst>
+  <p:hf dt="0" ftr="0" sldNum="0" hdr="0"/>
   <p:txStyles>
     <p:titleStyle>
       <a:defPPr algn="l" rtl="0" marR="0">
@@ -11246,6 +11565,7 @@
     <p:sldLayoutId id="2147483663" r:id="rId11"/>
     <p:sldLayoutId id="2147483664" r:id="rId12"/>
   </p:sldLayoutIdLst>
+  <p:hf dt="0" ftr="0" sldNum="0" hdr="0"/>
   <p:txStyles>
     <p:titleStyle>
       <a:defPPr algn="l" rtl="0" marR="0">
@@ -12116,7 +12436,7 @@
   <p:cSld>
     <p:spTree>
       <p:nvGrpSpPr>
-        <p:cNvPr id="192" name="Shape 192"/>
+        <p:cNvPr id="193" name="Shape 193"/>
         <p:cNvGrpSpPr/>
         <p:nvPr/>
       </p:nvGrpSpPr>
@@ -12130,7 +12450,7 @@
       </p:grpSpPr>
       <p:sp>
         <p:nvSpPr>
-          <p:cNvPr id="193" name="Shape 193"/>
+          <p:cNvPr id="194" name="Shape 194"/>
           <p:cNvSpPr txBox="1"/>
           <p:nvPr>
             <p:ph type="title"/>
@@ -12155,35 +12475,26 @@
               <a:spcBef>
                 <a:spcPts val="0"/>
               </a:spcBef>
-              <a:buClr>
-                <a:schemeClr val="dk1"/>
-              </a:buClr>
-              <a:buSzPct val="45833"/>
-              <a:buFont typeface="Arial"/>
-              <a:buNone/>
-            </a:pPr>
-            <a:r>
-              <a:rPr sz="2400" lang="en"/>
-              <a:t>Darwin Core Archive / DwC-A</a:t>
-            </a:r>
-          </a:p>
-          <a:p>
-            <a:pPr lvl="0">
-              <a:spcBef>
-                <a:spcPts val="0"/>
-              </a:spcBef>
-              <a:buNone/>
-            </a:pPr>
-            <a:r>
-              <a:rPr sz="2400" lang="en"/>
-              <a:t>http://rs.tdwg.org/dwc/terms/guides/text/</a:t>
+              <a:buNone/>
+            </a:pPr>
+            <a:r>
+              <a:rPr sz="2800" lang="en">
+                <a:solidFill>
+                  <a:schemeClr val="dk1"/>
+                </a:solidFill>
+                <a:latin typeface="Calibri"/>
+                <a:ea typeface="Calibri"/>
+                <a:cs typeface="Calibri"/>
+                <a:sym typeface="Calibri"/>
+              </a:rPr>
+              <a:t>Three types of data publishing technologies currently being consumed by iDigBio:</a:t>
             </a:r>
           </a:p>
         </p:txBody>
       </p:sp>
       <p:sp>
         <p:nvSpPr>
-          <p:cNvPr id="194" name="Shape 194"/>
+          <p:cNvPr id="195" name="Shape 195"/>
           <p:cNvSpPr txBox="1"/>
           <p:nvPr>
             <p:ph idx="1" type="body"/>
@@ -12191,8 +12502,8 @@
         </p:nvSpPr>
         <p:spPr>
           <a:xfrm>
-            <a:off y="2054675" x="457200"/>
-            <a:ext cy="4355099" cx="8229600"/>
+            <a:off y="2109200" x="457200"/>
+            <a:ext cy="4300500" cx="8229600"/>
           </a:xfrm>
           <a:prstGeom prst="rect">
             <a:avLst/>
@@ -12204,56 +12515,171 @@
           </a:bodyPr>
           <a:lstStyle/>
           <a:p>
-            <a:pPr lvl="0">
-              <a:spcBef>
-                <a:spcPts val="0"/>
-              </a:spcBef>
-              <a:buClr>
-                <a:schemeClr val="dk1"/>
-              </a:buClr>
-              <a:buSzPct val="61111"/>
-              <a:buFont typeface="Arial"/>
-              <a:buNone/>
-            </a:pPr>
-            <a:r>
-              <a:rPr sz="1800" lang="en">
+            <a:pPr rtl="0" lvl="0">
+              <a:spcBef>
+                <a:spcPts val="0"/>
+              </a:spcBef>
+              <a:buNone/>
+            </a:pPr>
+            <a:r>
+              <a:rPr b="1" sz="2400" lang="en">
                 <a:solidFill>
                   <a:schemeClr val="dk1"/>
                 </a:solidFill>
               </a:rPr>
-              <a:t>A Darwin Core Archive is a zip file that includes metadata about the dataset, the data itself, and any optional extension data.</a:t>
+              <a:t>GBIF Integrated Publishing Toolkit (IPT)</a:t>
+            </a:r>
+            <a:r>
+              <a:rPr sz="2400" lang="en">
+                <a:solidFill>
+                  <a:schemeClr val="dk1"/>
+                </a:solidFill>
+              </a:rPr>
+              <a:t> - a Java tool used to publish and share biodiversity datasets</a:t>
+            </a:r>
+          </a:p>
+          <a:p>
+            <a:pPr rtl="0" lvl="0" indent="0">
+              <a:spcBef>
+                <a:spcPts val="0"/>
+              </a:spcBef>
+              <a:buClr>
+                <a:schemeClr val="dk1"/>
+              </a:buClr>
+              <a:buSzPct val="25000"/>
+              <a:buFont typeface="Arial"/>
+              <a:buChar char="l"/>
+            </a:pPr>
+            <a:r>
+              <a:rPr sz="2400" lang="en">
+                <a:solidFill>
+                  <a:schemeClr val="dk1"/>
+                </a:solidFill>
+                <a:hlinkClick r:id="rId3"/>
+              </a:rPr>
+              <a:t>http://www.gbif.org/ipt</a:t>
+            </a:r>
+            <a:r>
+              <a:rPr sz="2400" lang="en">
+                <a:solidFill>
+                  <a:schemeClr val="dk1"/>
+                </a:solidFill>
+              </a:rPr>
+              <a:t>/</a:t>
+            </a:r>
+          </a:p>
+          <a:p>
+            <a:pPr rtl="0" lvl="0" indent="28575">
+              <a:spcBef>
+                <a:spcPts val="0"/>
+              </a:spcBef>
+              <a:buClr>
+                <a:schemeClr val="dk1"/>
+              </a:buClr>
+              <a:buFont typeface="Arial"/>
+              <a:buNone/>
+            </a:pPr>
+            <a:r>
+              <a:t/>
+            </a:r>
+            <a:endParaRPr sz="1800">
+              <a:solidFill>
+                <a:schemeClr val="dk1"/>
+              </a:solidFill>
+            </a:endParaRPr>
+          </a:p>
+          <a:p>
+            <a:pPr rtl="0" lvl="0">
+              <a:spcBef>
+                <a:spcPts val="0"/>
+              </a:spcBef>
+              <a:buNone/>
+            </a:pPr>
+            <a:r>
+              <a:rPr b="1" sz="2400" lang="en">
+                <a:solidFill>
+                  <a:schemeClr val="dk1"/>
+                </a:solidFill>
+              </a:rPr>
+              <a:t>Symbiota </a:t>
+            </a:r>
+            <a:r>
+              <a:rPr sz="2400" lang="en">
+                <a:solidFill>
+                  <a:schemeClr val="dk1"/>
+                </a:solidFill>
+              </a:rPr>
+              <a:t>– web-based collection management software</a:t>
+            </a:r>
+          </a:p>
+          <a:p>
+            <a:pPr rtl="0" lvl="0" indent="0">
+              <a:spcBef>
+                <a:spcPts val="0"/>
+              </a:spcBef>
+              <a:buClr>
+                <a:schemeClr val="dk1"/>
+              </a:buClr>
+              <a:buSzPct val="25000"/>
+              <a:buFont typeface="Arial"/>
+              <a:buChar char="l"/>
+            </a:pPr>
+            <a:r>
+              <a:rPr sz="2400" lang="en">
+                <a:solidFill>
+                  <a:schemeClr val="dk1"/>
+                </a:solidFill>
+                <a:hlinkClick r:id="rId4"/>
+              </a:rPr>
+              <a:t>http://symbiota.org/</a:t>
+            </a:r>
+          </a:p>
+          <a:p>
+            <a:pPr rtl="0" lvl="0" indent="0">
+              <a:spcBef>
+                <a:spcPts val="0"/>
+              </a:spcBef>
+              <a:buClr>
+                <a:schemeClr val="dk1"/>
+              </a:buClr>
+              <a:buFont typeface="Arial"/>
+              <a:buChar char="l"/>
+            </a:pPr>
+            <a:r>
+              <a:t/>
+            </a:r>
+            <a:endParaRPr sz="1800">
+              <a:solidFill>
+                <a:schemeClr val="dk1"/>
+              </a:solidFill>
+            </a:endParaRPr>
+          </a:p>
+          <a:p>
+            <a:pPr rtl="0" lvl="0">
+              <a:spcBef>
+                <a:spcPts val="0"/>
+              </a:spcBef>
+              <a:buNone/>
+            </a:pPr>
+            <a:r>
+              <a:rPr b="1" sz="2400" lang="en">
+                <a:solidFill>
+                  <a:schemeClr val="dk1"/>
+                </a:solidFill>
+              </a:rPr>
+              <a:t>iDigBio RSS Feeder</a:t>
+            </a:r>
+            <a:r>
+              <a:rPr sz="2400" lang="en">
+                <a:solidFill>
+                  <a:schemeClr val="dk1"/>
+                </a:solidFill>
+              </a:rPr>
+              <a:t> – data sharing service for providers who do not run infrastructure</a:t>
             </a:r>
           </a:p>
         </p:txBody>
       </p:sp>
-      <p:pic>
-        <p:nvPicPr>
-          <p:cNvPr id="195" name="Shape 195"/>
-          <p:cNvPicPr preferRelativeResize="0"/>
-          <p:nvPr/>
-        </p:nvPicPr>
-        <p:blipFill>
-          <a:blip r:embed="rId3">
-            <a:alphaModFix/>
-          </a:blip>
-          <a:stretch>
-            <a:fillRect/>
-          </a:stretch>
-        </p:blipFill>
-        <p:spPr>
-          <a:xfrm>
-            <a:off y="3085650" x="986610"/>
-            <a:ext cy="2605299" cx="7170777"/>
-          </a:xfrm>
-          <a:prstGeom prst="rect">
-            <a:avLst/>
-          </a:prstGeom>
-          <a:noFill/>
-          <a:ln>
-            <a:noFill/>
-          </a:ln>
-        </p:spPr>
-      </p:pic>
     </p:spTree>
   </p:cSld>
   <p:clrMapOvr>
@@ -12287,13 +12713,13 @@
           <p:cNvPr id="200" name="Shape 200"/>
           <p:cNvSpPr txBox="1"/>
           <p:nvPr>
-            <p:ph type="title"/>
+            <p:ph idx="1" type="body"/>
           </p:nvPr>
         </p:nvSpPr>
         <p:spPr>
           <a:xfrm>
-            <a:off y="973116" x="457200"/>
-            <a:ext cy="972600" cx="8229600"/>
+            <a:off y="1544625" x="457200"/>
+            <a:ext cy="4865100" cx="8229600"/>
           </a:xfrm>
           <a:prstGeom prst="rect">
             <a:avLst/>
@@ -12305,41 +12731,133 @@
           </a:bodyPr>
           <a:lstStyle/>
           <a:p>
-            <a:pPr rtl="0" lvl="0">
+            <a:pPr rtl="0">
+              <a:spcBef>
+                <a:spcPts val="0"/>
+              </a:spcBef>
+              <a:buNone/>
+            </a:pPr>
+            <a:r>
+              <a:rPr sz="1800" lang="en"/>
+              <a:t>The following collection systems, databases, applications are known to have a capability to be a data source for iDigBio.</a:t>
+            </a:r>
+          </a:p>
+          <a:p>
+            <a:pPr rtl="0">
+              <a:spcBef>
+                <a:spcPts val="0"/>
+              </a:spcBef>
+              <a:buNone/>
+            </a:pPr>
+            <a:r>
+              <a:t/>
+            </a:r>
+            <a:endParaRPr sz="1800"/>
+          </a:p>
+          <a:p>
+            <a:pPr rtl="0" lvl="0" indent="-342900" marL="457200">
               <a:spcBef>
                 <a:spcPts val="0"/>
               </a:spcBef>
               <a:buClr>
                 <a:schemeClr val="dk1"/>
               </a:buClr>
-              <a:buSzPct val="45833"/>
-              <a:buFont typeface="Arial"/>
-              <a:buNone/>
-            </a:pPr>
-            <a:r>
-              <a:rPr sz="2400" lang="en"/>
-              <a:t>Specimen Data – Darwin Core Standard</a:t>
-            </a:r>
-          </a:p>
-          <a:p>
-            <a:pPr rtl="0" lvl="0">
+              <a:buSzPct val="100000"/>
+              <a:buFont typeface="Helvetica Neue"/>
+              <a:buChar char="•"/>
+            </a:pPr>
+            <a:r>
+              <a:rPr sz="1800" lang="en"/>
+              <a:t>Specify Software Project</a:t>
+            </a:r>
+          </a:p>
+          <a:p>
+            <a:pPr rtl="0" lvl="0" indent="-342900" marL="457200">
               <a:spcBef>
                 <a:spcPts val="0"/>
               </a:spcBef>
               <a:buClr>
                 <a:schemeClr val="dk1"/>
               </a:buClr>
-              <a:buSzPct val="45833"/>
-              <a:buFont typeface="Arial"/>
-              <a:buNone/>
-            </a:pPr>
-            <a:r>
-              <a:rPr sz="2400" lang="en"/>
-              <a:t>http://rs.tdwg.org/dwc/terms/</a:t>
-            </a:r>
-          </a:p>
-          <a:p>
-            <a:pPr>
+              <a:buSzPct val="100000"/>
+              <a:buFont typeface="Helvetica Neue"/>
+              <a:buChar char="•"/>
+            </a:pPr>
+            <a:r>
+              <a:rPr sz="1800" lang="en"/>
+              <a:t>EMu Museum Management System</a:t>
+            </a:r>
+          </a:p>
+          <a:p>
+            <a:pPr rtl="0" lvl="0" indent="-342900" marL="457200">
+              <a:spcBef>
+                <a:spcPts val="0"/>
+              </a:spcBef>
+              <a:buClr>
+                <a:schemeClr val="dk1"/>
+              </a:buClr>
+              <a:buSzPct val="100000"/>
+              <a:buFont typeface="Helvetica Neue"/>
+              <a:buChar char="•"/>
+            </a:pPr>
+            <a:r>
+              <a:rPr sz="1800" lang="en"/>
+              <a:t>Symbiota</a:t>
+            </a:r>
+          </a:p>
+          <a:p>
+            <a:pPr rtl="0" lvl="0" indent="-342900" marL="457200">
+              <a:spcBef>
+                <a:spcPts val="0"/>
+              </a:spcBef>
+              <a:buClr>
+                <a:schemeClr val="dk1"/>
+              </a:buClr>
+              <a:buSzPct val="100000"/>
+              <a:buFont typeface="Helvetica Neue"/>
+              <a:buChar char="•"/>
+            </a:pPr>
+            <a:r>
+              <a:rPr sz="1800" lang="en"/>
+              <a:t>Arctos</a:t>
+            </a:r>
+          </a:p>
+          <a:p>
+            <a:pPr rtl="0" lvl="0" indent="-342900" marL="457200">
+              <a:spcBef>
+                <a:spcPts val="0"/>
+              </a:spcBef>
+              <a:buClr>
+                <a:schemeClr val="dk1"/>
+              </a:buClr>
+              <a:buSzPct val="100000"/>
+              <a:buFont typeface="Helvetica Neue"/>
+              <a:buChar char="•"/>
+            </a:pPr>
+            <a:r>
+              <a:rPr sz="1800" lang="en"/>
+              <a:t>Excel</a:t>
+            </a:r>
+          </a:p>
+          <a:p>
+            <a:pPr rtl="0" lvl="0" indent="-342900" marL="457200">
+              <a:spcBef>
+                <a:spcPts val="0"/>
+              </a:spcBef>
+              <a:buClr>
+                <a:schemeClr val="dk1"/>
+              </a:buClr>
+              <a:buSzPct val="100000"/>
+              <a:buFont typeface="Helvetica Neue"/>
+              <a:buChar char="•"/>
+            </a:pPr>
+            <a:r>
+              <a:rPr sz="1800" lang="en"/>
+              <a:t>…</a:t>
+            </a:r>
+          </a:p>
+          <a:p>
+            <a:pPr rtl="0" indent="0" marL="0">
               <a:spcBef>
                 <a:spcPts val="0"/>
               </a:spcBef>
@@ -12348,38 +12866,95 @@
             <a:r>
               <a:t/>
             </a:r>
-            <a:endParaRPr/>
+            <a:endParaRPr sz="1800"/>
+          </a:p>
+          <a:p>
+            <a:pPr rtl="0" indent="0" marL="0">
+              <a:spcBef>
+                <a:spcPts val="0"/>
+              </a:spcBef>
+              <a:buNone/>
+            </a:pPr>
+            <a:r>
+              <a:rPr sz="1800" lang="en"/>
+              <a:t>The iDigBio Mobilization Team (</a:t>
+            </a:r>
+            <a:r>
+              <a:rPr u="sng" sz="1800" lang="en">
+                <a:solidFill>
+                  <a:schemeClr val="hlink"/>
+                </a:solidFill>
+                <a:hlinkClick r:id="rId3"/>
+              </a:rPr>
+              <a:t>data@idigbio.org</a:t>
+            </a:r>
+            <a:r>
+              <a:rPr sz="1800" lang="en"/>
+              <a:t>) assist with the preparation of data sets prior to Data Ingestion and are available to answer questions about sharing data with iDigBio.</a:t>
+            </a:r>
+          </a:p>
+          <a:p>
+            <a:pPr rtl="0" indent="0" marL="0">
+              <a:spcBef>
+                <a:spcPts val="0"/>
+              </a:spcBef>
+              <a:buNone/>
+            </a:pPr>
+            <a:r>
+              <a:rPr sz="1800" lang="en"/>
+              <a:t>See Also:</a:t>
+            </a:r>
+          </a:p>
+          <a:p>
+            <a:pPr rtl="0" lvl="0" indent="0" marL="0">
+              <a:spcBef>
+                <a:spcPts val="0"/>
+              </a:spcBef>
+              <a:buNone/>
+            </a:pPr>
+            <a:r>
+              <a:rPr sz="1800" lang="en"/>
+              <a:t>https://www.idigbio.org/wiki/index.php/Digitization_Resources</a:t>
+            </a:r>
           </a:p>
         </p:txBody>
       </p:sp>
-      <p:pic>
-        <p:nvPicPr>
+      <p:sp>
+        <p:nvSpPr>
           <p:cNvPr id="201" name="Shape 201"/>
-          <p:cNvPicPr preferRelativeResize="0"/>
-          <p:nvPr/>
-        </p:nvPicPr>
-        <p:blipFill>
-          <a:blip r:embed="rId3">
-            <a:alphaModFix/>
-          </a:blip>
-          <a:stretch>
-            <a:fillRect/>
-          </a:stretch>
-        </p:blipFill>
-        <p:spPr>
-          <a:xfrm>
-            <a:off y="2035200" x="394137"/>
-            <a:ext cy="4243100" cx="8355724"/>
-          </a:xfrm>
-          <a:prstGeom prst="rect">
-            <a:avLst/>
-          </a:prstGeom>
-          <a:noFill/>
-          <a:ln>
-            <a:noFill/>
-          </a:ln>
-        </p:spPr>
-      </p:pic>
+          <p:cNvSpPr txBox="1"/>
+          <p:nvPr>
+            <p:ph type="title"/>
+          </p:nvPr>
+        </p:nvSpPr>
+        <p:spPr>
+          <a:xfrm>
+            <a:off y="769362" x="457200"/>
+            <a:ext cy="571500" cx="8229600"/>
+          </a:xfrm>
+          <a:prstGeom prst="rect">
+            <a:avLst/>
+          </a:prstGeom>
+        </p:spPr>
+        <p:txBody>
+          <a:bodyPr bIns="91425" rIns="91425" lIns="91425" tIns="91425" anchor="t" anchorCtr="0">
+            <a:noAutofit/>
+          </a:bodyPr>
+          <a:lstStyle/>
+          <a:p>
+            <a:pPr rtl="0" lvl="0">
+              <a:spcBef>
+                <a:spcPts val="0"/>
+              </a:spcBef>
+              <a:buNone/>
+            </a:pPr>
+            <a:r>
+              <a:rPr sz="3000" lang="en"/>
+              <a:t>Data Source Types Providing Data to iDigBio</a:t>
+            </a:r>
+          </a:p>
+        </p:txBody>
+      </p:sp>
     </p:spTree>
   </p:cSld>
   <p:clrMapOvr>
@@ -12412,20 +12987,18 @@
         <p:nvSpPr>
           <p:cNvPr id="206" name="Shape 206"/>
           <p:cNvSpPr txBox="1"/>
-          <p:nvPr/>
-        </p:nvSpPr>
-        <p:spPr>
-          <a:xfrm>
-            <a:off y="2286100" x="1066200"/>
-            <a:ext cy="3299399" cx="7011599"/>
-          </a:xfrm>
-          <a:prstGeom prst="rect">
-            <a:avLst/>
-          </a:prstGeom>
-          <a:noFill/>
-          <a:ln>
-            <a:noFill/>
-          </a:ln>
+          <p:nvPr>
+            <p:ph type="title"/>
+          </p:nvPr>
+        </p:nvSpPr>
+        <p:spPr>
+          <a:xfrm>
+            <a:off y="973137" x="457200"/>
+            <a:ext cy="571500" cx="8229600"/>
+          </a:xfrm>
+          <a:prstGeom prst="rect">
+            <a:avLst/>
+          </a:prstGeom>
         </p:spPr>
         <p:txBody>
           <a:bodyPr bIns="91425" rIns="91425" lIns="91425" tIns="91425" anchor="t" anchorCtr="0">
@@ -12433,193 +13006,37 @@
           </a:bodyPr>
           <a:lstStyle/>
           <a:p>
-            <a:pPr rtl="0" lvl="0">
-              <a:spcBef>
-                <a:spcPts val="440"/>
-              </a:spcBef>
-              <a:buClr>
-                <a:schemeClr val="dk1"/>
-              </a:buClr>
-              <a:buSzPct val="61111"/>
-              <a:buFont typeface="Arial"/>
-              <a:buNone/>
-            </a:pPr>
-            <a:r>
-              <a:rPr sz="1800" lang="en">
+            <a:pPr rtl="0">
+              <a:spcBef>
+                <a:spcPts val="0"/>
+              </a:spcBef>
+              <a:buNone/>
+            </a:pPr>
+            <a:r>
+              <a:rPr sz="3000" lang="en">
                 <a:solidFill>
                   <a:schemeClr val="dk1"/>
                 </a:solidFill>
               </a:rPr>
-              <a:t>Record ID</a:t>
-            </a:r>
-          </a:p>
-          <a:p>
-            <a:pPr rtl="0" lvl="0">
-              <a:spcBef>
-                <a:spcPts val="440"/>
-              </a:spcBef>
-              <a:buClr>
-                <a:schemeClr val="dk1"/>
-              </a:buClr>
-              <a:buSzPct val="61111"/>
-              <a:buFont typeface="Arial"/>
-              <a:buNone/>
-            </a:pPr>
-            <a:r>
-              <a:rPr sz="1800" lang="en">
-                <a:solidFill>
-                  <a:schemeClr val="dk1"/>
-                </a:solidFill>
-              </a:rPr>
-              <a:t>Scientific Name</a:t>
-            </a:r>
-          </a:p>
-          <a:p>
-            <a:pPr rtl="0" lvl="0">
-              <a:spcBef>
-                <a:spcPts val="440"/>
-              </a:spcBef>
-              <a:buClr>
-                <a:schemeClr val="dk1"/>
-              </a:buClr>
-              <a:buSzPct val="61111"/>
-              <a:buFont typeface="Arial"/>
-              <a:buNone/>
-            </a:pPr>
-            <a:r>
-              <a:rPr sz="1800" lang="en">
-                <a:solidFill>
-                  <a:schemeClr val="dk1"/>
-                </a:solidFill>
-              </a:rPr>
-              <a:t>Occurrence ID</a:t>
-            </a:r>
-          </a:p>
-          <a:p>
-            <a:pPr rtl="0" lvl="0">
-              <a:spcBef>
-                <a:spcPts val="440"/>
-              </a:spcBef>
-              <a:buClr>
-                <a:schemeClr val="dk1"/>
-              </a:buClr>
-              <a:buSzPct val="61111"/>
-              <a:buFont typeface="Arial"/>
-              <a:buNone/>
-            </a:pPr>
-            <a:r>
-              <a:rPr sz="1800" lang="en">
-                <a:solidFill>
-                  <a:schemeClr val="dk1"/>
-                </a:solidFill>
-              </a:rPr>
-              <a:t>Event Date</a:t>
-            </a:r>
-          </a:p>
-          <a:p>
-            <a:pPr rtl="0" lvl="0">
-              <a:spcBef>
-                <a:spcPts val="440"/>
-              </a:spcBef>
-              <a:buClr>
-                <a:schemeClr val="dk1"/>
-              </a:buClr>
-              <a:buSzPct val="61111"/>
-              <a:buFont typeface="Arial"/>
-              <a:buNone/>
-            </a:pPr>
-            <a:r>
-              <a:rPr sz="1800" lang="en">
-                <a:solidFill>
-                  <a:schemeClr val="dk1"/>
-                </a:solidFill>
-              </a:rPr>
-              <a:t>Collector Name</a:t>
-            </a:r>
-          </a:p>
-          <a:p>
-            <a:pPr rtl="0" lvl="0">
-              <a:spcBef>
-                <a:spcPts val="440"/>
-              </a:spcBef>
-              <a:buClr>
-                <a:schemeClr val="dk1"/>
-              </a:buClr>
-              <a:buSzPct val="61111"/>
-              <a:buFont typeface="Arial"/>
-              <a:buNone/>
-            </a:pPr>
-            <a:r>
-              <a:rPr sz="1800" lang="en">
-                <a:solidFill>
-                  <a:schemeClr val="dk1"/>
-                </a:solidFill>
-              </a:rPr>
-              <a:t>Locality Data</a:t>
-            </a:r>
-          </a:p>
-          <a:p>
-            <a:pPr rtl="0" lvl="0">
-              <a:spcBef>
-                <a:spcPts val="440"/>
-              </a:spcBef>
-              <a:buClr>
-                <a:schemeClr val="dk1"/>
-              </a:buClr>
-              <a:buSzPct val="61111"/>
-              <a:buFont typeface="Arial"/>
-              <a:buNone/>
-            </a:pPr>
-            <a:r>
-              <a:rPr sz="1800" lang="en">
-                <a:solidFill>
-                  <a:schemeClr val="dk1"/>
-                </a:solidFill>
-              </a:rPr>
-              <a:t>Barcode, catalog number, accession id or collection number</a:t>
-            </a:r>
-          </a:p>
-          <a:p>
-            <a:pPr rtl="0" lvl="0">
-              <a:spcBef>
-                <a:spcPts val="440"/>
-              </a:spcBef>
-              <a:buClr>
-                <a:schemeClr val="dk1"/>
-              </a:buClr>
-              <a:buFont typeface="Arial"/>
+              <a:t>RSS is preferred format for Data Feeds</a:t>
+            </a:r>
+          </a:p>
+          <a:p>
+            <a:pPr>
+              <a:spcBef>
+                <a:spcPts val="0"/>
+              </a:spcBef>
               <a:buNone/>
             </a:pPr>
             <a:r>
               <a:t/>
             </a:r>
-            <a:endParaRPr sz="1800">
+            <a:endParaRPr sz="3000">
               <a:solidFill>
                 <a:schemeClr val="dk1"/>
               </a:solidFill>
             </a:endParaRPr>
           </a:p>
-          <a:p>
-            <a:pPr rtl="0" lvl="0">
-              <a:spcBef>
-                <a:spcPts val="440"/>
-              </a:spcBef>
-              <a:buClr>
-                <a:schemeClr val="dk1"/>
-              </a:buClr>
-              <a:buSzPct val="61111"/>
-              <a:buFont typeface="Arial"/>
-              <a:buNone/>
-            </a:pPr>
-            <a:r>
-              <a:rPr sz="1800" lang="en">
-                <a:solidFill>
-                  <a:schemeClr val="dk1"/>
-                </a:solidFill>
-              </a:rPr>
-              <a:t>Paleo specimens should also include geological context</a:t>
-            </a:r>
-          </a:p>
         </p:txBody>
       </p:sp>
       <p:sp>
@@ -12627,13 +13044,13 @@
           <p:cNvPr id="207" name="Shape 207"/>
           <p:cNvSpPr txBox="1"/>
           <p:nvPr>
-            <p:ph type="title"/>
+            <p:ph idx="1" type="body"/>
           </p:nvPr>
         </p:nvSpPr>
         <p:spPr>
           <a:xfrm>
-            <a:off y="973137" x="457200"/>
-            <a:ext cy="571500" cx="8229600"/>
+            <a:off y="1709108" x="457200"/>
+            <a:ext cy="941699" cx="8229600"/>
           </a:xfrm>
           <a:prstGeom prst="rect">
             <a:avLst/>
@@ -12645,6 +13062,18 @@
           </a:bodyPr>
           <a:lstStyle/>
           <a:p>
+            <a:pPr rtl="0">
+              <a:spcBef>
+                <a:spcPts val="0"/>
+              </a:spcBef>
+              <a:buNone/>
+            </a:pPr>
+            <a:r>
+              <a:rPr lang="en"/>
+              <a:t>RSS (Really Simple Syndication) provides the mechanism to list available data files and share when they are updated. iDigbio reads the RSS feed to determine whether to download the data file again in order to collect updates.</a:t>
+            </a:r>
+          </a:p>
+          <a:p>
             <a:pPr>
               <a:spcBef>
                 <a:spcPts val="0"/>
@@ -12652,16 +13081,40 @@
               <a:buNone/>
             </a:pPr>
             <a:r>
-              <a:rPr sz="2400" lang="en">
-                <a:solidFill>
-                  <a:schemeClr val="dk1"/>
-                </a:solidFill>
-              </a:rPr>
-              <a:t>Recommended minimum Darwin Core fields for iDigBio Ingestion:</a:t>
-            </a:r>
+              <a:t/>
+            </a:r>
+            <a:endParaRPr/>
           </a:p>
         </p:txBody>
       </p:sp>
+      <p:pic>
+        <p:nvPicPr>
+          <p:cNvPr id="208" name="Shape 208"/>
+          <p:cNvPicPr preferRelativeResize="0"/>
+          <p:nvPr/>
+        </p:nvPicPr>
+        <p:blipFill>
+          <a:blip r:embed="rId3">
+            <a:alphaModFix/>
+          </a:blip>
+          <a:stretch>
+            <a:fillRect/>
+          </a:stretch>
+        </p:blipFill>
+        <p:spPr>
+          <a:xfrm>
+            <a:off y="2650787" x="1209675"/>
+            <a:ext cy="3438525" cx="6724650"/>
+          </a:xfrm>
+          <a:prstGeom prst="rect">
+            <a:avLst/>
+          </a:prstGeom>
+          <a:noFill/>
+          <a:ln>
+            <a:noFill/>
+          </a:ln>
+        </p:spPr>
+      </p:pic>
     </p:spTree>
   </p:cSld>
   <p:clrMapOvr>
@@ -12678,7 +13131,7 @@
   <p:cSld>
     <p:spTree>
       <p:nvGrpSpPr>
-        <p:cNvPr id="211" name="Shape 211"/>
+        <p:cNvPr id="212" name="Shape 212"/>
         <p:cNvGrpSpPr/>
         <p:nvPr/>
       </p:nvGrpSpPr>
@@ -12692,20 +13145,22 @@
       </p:grpSpPr>
       <p:sp>
         <p:nvSpPr>
-          <p:cNvPr id="212" name="Shape 212"/>
+          <p:cNvPr id="213" name="Shape 213"/>
           <p:cNvSpPr txBox="1"/>
-          <p:nvPr>
-            <p:ph type="title"/>
-          </p:nvPr>
-        </p:nvSpPr>
-        <p:spPr>
-          <a:xfrm>
-            <a:off y="973125" x="457200"/>
-            <a:ext cy="938700" cx="8229600"/>
-          </a:xfrm>
-          <a:prstGeom prst="rect">
-            <a:avLst/>
-          </a:prstGeom>
+          <p:nvPr/>
+        </p:nvSpPr>
+        <p:spPr>
+          <a:xfrm>
+            <a:off y="1808525" x="1066200"/>
+            <a:ext cy="4648499" cx="7011599"/>
+          </a:xfrm>
+          <a:prstGeom prst="rect">
+            <a:avLst/>
+          </a:prstGeom>
+          <a:noFill/>
+          <a:ln>
+            <a:noFill/>
+          </a:ln>
         </p:spPr>
         <p:txBody>
           <a:bodyPr bIns="91425" rIns="91425" lIns="91425" tIns="91425" anchor="t" anchorCtr="0">
@@ -12715,41 +13170,196 @@
           <a:p>
             <a:pPr rtl="0" lvl="0">
               <a:spcBef>
-                <a:spcPts val="0"/>
+                <a:spcPts val="440"/>
               </a:spcBef>
               <a:buClr>
                 <a:schemeClr val="dk1"/>
               </a:buClr>
-              <a:buSzPct val="45833"/>
+              <a:buSzPct val="61111"/>
               <a:buFont typeface="Arial"/>
               <a:buNone/>
             </a:pPr>
             <a:r>
-              <a:rPr sz="2400" lang="en"/>
-              <a:t>Media Data – Audubon Core / AC</a:t>
+              <a:rPr sz="1800" lang="en">
+                <a:solidFill>
+                  <a:schemeClr val="dk1"/>
+                </a:solidFill>
+              </a:rPr>
+              <a:t>Record ID (recordId) - unique identifier for the digital record</a:t>
             </a:r>
           </a:p>
           <a:p>
             <a:pPr rtl="0" lvl="0">
               <a:spcBef>
-                <a:spcPts val="0"/>
+                <a:spcPts val="440"/>
               </a:spcBef>
               <a:buClr>
                 <a:schemeClr val="dk1"/>
               </a:buClr>
-              <a:buSzPct val="45833"/>
+              <a:buSzPct val="61111"/>
               <a:buFont typeface="Arial"/>
               <a:buNone/>
             </a:pPr>
             <a:r>
-              <a:rPr sz="2400" lang="en"/>
-              <a:t>http://terms.tdwg.org/wiki/Audubon_Core_Term_List</a:t>
+              <a:rPr sz="1800" lang="en">
+                <a:solidFill>
+                  <a:schemeClr val="dk1"/>
+                </a:solidFill>
+              </a:rPr>
+              <a:t>Occurrence ID (occurenceID) - unique identifier for the physical object or establishment of an Occurrence</a:t>
             </a:r>
           </a:p>
           <a:p>
             <a:pPr rtl="0" lvl="0">
               <a:spcBef>
-                <a:spcPts val="0"/>
+                <a:spcPts val="440"/>
+              </a:spcBef>
+              <a:buClr>
+                <a:schemeClr val="dk1"/>
+              </a:buClr>
+              <a:buSzPct val="61111"/>
+              <a:buFont typeface="Arial"/>
+              <a:buNone/>
+            </a:pPr>
+            <a:r>
+              <a:rPr sz="1800" lang="en">
+                <a:solidFill>
+                  <a:schemeClr val="dk1"/>
+                </a:solidFill>
+              </a:rPr>
+              <a:t>Scientific Name (scientificName) - the full scientific name</a:t>
+            </a:r>
+          </a:p>
+          <a:p>
+            <a:pPr rtl="0" lvl="0">
+              <a:spcBef>
+                <a:spcPts val="440"/>
+              </a:spcBef>
+              <a:buClr>
+                <a:schemeClr val="dk1"/>
+              </a:buClr>
+              <a:buSzPct val="61111"/>
+              <a:buFont typeface="Arial"/>
+              <a:buNone/>
+            </a:pPr>
+            <a:r>
+              <a:rPr sz="1800" lang="en">
+                <a:solidFill>
+                  <a:schemeClr val="dk1"/>
+                </a:solidFill>
+              </a:rPr>
+              <a:t>Event Date (eventDate) - date-time, preferably in ISO 8601</a:t>
+            </a:r>
+          </a:p>
+          <a:p>
+            <a:pPr rtl="0" lvl="0">
+              <a:spcBef>
+                <a:spcPts val="440"/>
+              </a:spcBef>
+              <a:buClr>
+                <a:schemeClr val="dk1"/>
+              </a:buClr>
+              <a:buSzPct val="61111"/>
+              <a:buFont typeface="Arial"/>
+              <a:buNone/>
+            </a:pPr>
+            <a:r>
+              <a:rPr sz="1800" lang="en">
+                <a:solidFill>
+                  <a:schemeClr val="dk1"/>
+                </a:solidFill>
+              </a:rPr>
+              <a:t>Collector (recordedBy) - collector name, number, or field number</a:t>
+            </a:r>
+          </a:p>
+          <a:p>
+            <a:pPr rtl="0" lvl="0">
+              <a:spcBef>
+                <a:spcPts val="440"/>
+              </a:spcBef>
+              <a:buClr>
+                <a:schemeClr val="dk1"/>
+              </a:buClr>
+              <a:buSzPct val="61111"/>
+              <a:buFont typeface="Arial"/>
+              <a:buNone/>
+            </a:pPr>
+            <a:r>
+              <a:rPr sz="1800" lang="en">
+                <a:solidFill>
+                  <a:schemeClr val="dk1"/>
+                </a:solidFill>
+              </a:rPr>
+              <a:t>Locality Data (...) - verbatim and decimal locality fields, continent, country, water body, state/province, ….</a:t>
+            </a:r>
+          </a:p>
+          <a:p>
+            <a:pPr rtl="0" lvl="0">
+              <a:spcBef>
+                <a:spcPts val="440"/>
+              </a:spcBef>
+              <a:buClr>
+                <a:schemeClr val="dk1"/>
+              </a:buClr>
+              <a:buSzPct val="61111"/>
+              <a:buFont typeface="Arial"/>
+              <a:buNone/>
+            </a:pPr>
+            <a:r>
+              <a:rPr sz="1800" lang="en">
+                <a:solidFill>
+                  <a:schemeClr val="dk1"/>
+                </a:solidFill>
+              </a:rPr>
+              <a:t>Catalog Number (catalogNumber) - Barcode, catalog number, accession id or collection number</a:t>
+            </a:r>
+          </a:p>
+          <a:p>
+            <a:pPr rtl="0" lvl="0">
+              <a:spcBef>
+                <a:spcPts val="440"/>
+              </a:spcBef>
+              <a:buClr>
+                <a:schemeClr val="dk1"/>
+              </a:buClr>
+              <a:buSzPct val="61111"/>
+              <a:buFont typeface="Arial"/>
+              <a:buNone/>
+            </a:pPr>
+            <a:r>
+              <a:rPr sz="1800" lang="en">
+                <a:solidFill>
+                  <a:schemeClr val="dk1"/>
+                </a:solidFill>
+              </a:rPr>
+              <a:t>Institution Code (institutionID) - institution identifier</a:t>
+            </a:r>
+          </a:p>
+          <a:p>
+            <a:pPr rtl="0" lvl="0">
+              <a:spcBef>
+                <a:spcPts val="440"/>
+              </a:spcBef>
+              <a:buClr>
+                <a:schemeClr val="dk1"/>
+              </a:buClr>
+              <a:buSzPct val="61111"/>
+              <a:buFont typeface="Arial"/>
+              <a:buNone/>
+            </a:pPr>
+            <a:r>
+              <a:rPr sz="1800" lang="en">
+                <a:solidFill>
+                  <a:schemeClr val="dk1"/>
+                </a:solidFill>
+              </a:rPr>
+              <a:t>Collection Code (collectionID) - collection identifier</a:t>
+            </a:r>
+          </a:p>
+          <a:p>
+            <a:pPr rtl="0" lvl="0">
+              <a:spcBef>
+                <a:spcPts val="440"/>
               </a:spcBef>
               <a:buClr>
                 <a:schemeClr val="dk1"/>
@@ -12760,68 +13370,51 @@
             <a:r>
               <a:t/>
             </a:r>
-            <a:endParaRPr/>
-          </a:p>
-          <a:p>
-            <a:pPr>
-              <a:spcBef>
-                <a:spcPts val="0"/>
-              </a:spcBef>
-              <a:buNone/>
-            </a:pPr>
-            <a:r>
-              <a:t/>
-            </a:r>
-            <a:endParaRPr/>
+            <a:endParaRPr sz="1800">
+              <a:solidFill>
+                <a:schemeClr val="dk1"/>
+              </a:solidFill>
+            </a:endParaRPr>
+          </a:p>
+          <a:p>
+            <a:pPr rtl="0" lvl="0">
+              <a:spcBef>
+                <a:spcPts val="440"/>
+              </a:spcBef>
+              <a:buClr>
+                <a:schemeClr val="dk1"/>
+              </a:buClr>
+              <a:buSzPct val="61111"/>
+              <a:buFont typeface="Arial"/>
+              <a:buNone/>
+            </a:pPr>
+            <a:r>
+              <a:rPr sz="1800" lang="en">
+                <a:solidFill>
+                  <a:schemeClr val="dk1"/>
+                </a:solidFill>
+              </a:rPr>
+              <a:t>Paleo specimens should also include Geological Context fields.</a:t>
+            </a:r>
           </a:p>
         </p:txBody>
       </p:sp>
-      <p:pic>
-        <p:nvPicPr>
-          <p:cNvPr id="213" name="Shape 213"/>
-          <p:cNvPicPr preferRelativeResize="0"/>
-          <p:nvPr/>
-        </p:nvPicPr>
-        <p:blipFill>
-          <a:blip r:embed="rId3">
-            <a:alphaModFix/>
-          </a:blip>
-          <a:stretch>
-            <a:fillRect/>
-          </a:stretch>
-        </p:blipFill>
-        <p:spPr>
-          <a:xfrm>
-            <a:off y="2308525" x="262650"/>
-            <a:ext cy="2529950" cx="8618700"/>
-          </a:xfrm>
-          <a:prstGeom prst="rect">
-            <a:avLst/>
-          </a:prstGeom>
-          <a:noFill/>
-          <a:ln>
-            <a:noFill/>
-          </a:ln>
-        </p:spPr>
-      </p:pic>
       <p:sp>
         <p:nvSpPr>
           <p:cNvPr id="214" name="Shape 214"/>
           <p:cNvSpPr txBox="1"/>
-          <p:nvPr/>
-        </p:nvSpPr>
-        <p:spPr>
-          <a:xfrm>
-            <a:off y="5181975" x="457200"/>
-            <a:ext cy="1253400" cx="7981799"/>
-          </a:xfrm>
-          <a:prstGeom prst="rect">
-            <a:avLst/>
-          </a:prstGeom>
-          <a:noFill/>
-          <a:ln>
-            <a:noFill/>
-          </a:ln>
+          <p:nvPr>
+            <p:ph type="title"/>
+          </p:nvPr>
+        </p:nvSpPr>
+        <p:spPr>
+          <a:xfrm>
+            <a:off y="973120" x="457200"/>
+            <a:ext cy="720899" cx="8229600"/>
+          </a:xfrm>
+          <a:prstGeom prst="rect">
+            <a:avLst/>
+          </a:prstGeom>
         </p:spPr>
         <p:txBody>
           <a:bodyPr bIns="91425" rIns="91425" lIns="91425" tIns="91425" anchor="t" anchorCtr="0">
@@ -12829,57 +13422,20 @@
           </a:bodyPr>
           <a:lstStyle/>
           <a:p>
-            <a:pPr rtl="0">
-              <a:spcBef>
-                <a:spcPts val="0"/>
-              </a:spcBef>
-              <a:buNone/>
-            </a:pPr>
-            <a:r>
-              <a:rPr sz="1800" lang="en"/>
-              <a:t>GBIF has a nice write-up on the benefits of AC over dwc:associatedMedia:</a:t>
-            </a:r>
-          </a:p>
-          <a:p>
-            <a:pPr rtl="0">
-              <a:spcBef>
-                <a:spcPts val="0"/>
-              </a:spcBef>
-              <a:buNone/>
-            </a:pPr>
-            <a:r>
-              <a:t/>
-            </a:r>
-            <a:endParaRPr sz="1800"/>
-          </a:p>
-          <a:p>
-            <a:pPr rtl="0">
-              <a:spcBef>
-                <a:spcPts val="0"/>
-              </a:spcBef>
-              <a:buNone/>
-            </a:pPr>
-            <a:r>
-              <a:rPr u="sng" sz="1800" lang="en">
+            <a:pPr>
+              <a:spcBef>
+                <a:spcPts val="0"/>
+              </a:spcBef>
+              <a:buNone/>
+            </a:pPr>
+            <a:r>
+              <a:rPr sz="2400" lang="en">
                 <a:solidFill>
-                  <a:schemeClr val="hlink"/>
+                  <a:schemeClr val="dk1"/>
                 </a:solidFill>
-                <a:hlinkClick r:id="rId4"/>
               </a:rPr>
-              <a:t>http://gbif.blogspot.com/2014/05/multimedia-in-gbif.html</a:t>
-            </a:r>
-          </a:p>
-          <a:p>
-            <a:pPr>
-              <a:spcBef>
-                <a:spcPts val="0"/>
-              </a:spcBef>
-              <a:buNone/>
-            </a:pPr>
-            <a:r>
-              <a:t/>
-            </a:r>
-            <a:endParaRPr/>
+              <a:t>Recommended minimum fields for iDigBio Ingestion:</a:t>
+            </a:r>
           </a:p>
         </p:txBody>
       </p:sp>
@@ -12916,13 +13472,13 @@
           <p:cNvPr id="219" name="Shape 219"/>
           <p:cNvSpPr txBox="1"/>
           <p:nvPr>
-            <p:ph idx="1" type="body"/>
+            <p:ph type="title"/>
           </p:nvPr>
         </p:nvSpPr>
         <p:spPr>
           <a:xfrm>
-            <a:off y="1005325" x="457200"/>
-            <a:ext cy="4915199" cx="3168900"/>
+            <a:off y="973137" x="457200"/>
+            <a:ext cy="571500" cx="8229600"/>
           </a:xfrm>
           <a:prstGeom prst="rect">
             <a:avLst/>
@@ -12934,6 +13490,93 @@
           </a:bodyPr>
           <a:lstStyle/>
           <a:p>
+            <a:pPr>
+              <a:spcBef>
+                <a:spcPts val="0"/>
+              </a:spcBef>
+              <a:buNone/>
+            </a:pPr>
+            <a:r>
+              <a:rPr sz="3000" lang="en"/>
+              <a:t>Dataset File Formats Consumable by iDigBio</a:t>
+            </a:r>
+          </a:p>
+        </p:txBody>
+      </p:sp>
+      <p:sp>
+        <p:nvSpPr>
+          <p:cNvPr id="220" name="Shape 220"/>
+          <p:cNvSpPr txBox="1"/>
+          <p:nvPr>
+            <p:ph idx="1" type="body"/>
+          </p:nvPr>
+        </p:nvSpPr>
+        <p:spPr>
+          <a:xfrm>
+            <a:off y="1825500" x="457200"/>
+            <a:ext cy="4692300" cx="8229600"/>
+          </a:xfrm>
+          <a:prstGeom prst="rect">
+            <a:avLst/>
+          </a:prstGeom>
+        </p:spPr>
+        <p:txBody>
+          <a:bodyPr bIns="91425" rIns="91425" lIns="91425" tIns="91425" anchor="t" anchorCtr="0">
+            <a:noAutofit/>
+          </a:bodyPr>
+          <a:lstStyle/>
+          <a:p>
+            <a:pPr rtl="0" lvl="0" indent="-381000" marL="457200">
+              <a:spcBef>
+                <a:spcPts val="0"/>
+              </a:spcBef>
+              <a:buClr>
+                <a:schemeClr val="dk1"/>
+              </a:buClr>
+              <a:buSzPct val="100000"/>
+              <a:buFont typeface="Helvetica Neue"/>
+              <a:buChar char="•"/>
+            </a:pPr>
+            <a:r>
+              <a:rPr sz="2400" lang="en"/>
+              <a:t>IPT – DwC-A</a:t>
+            </a:r>
+          </a:p>
+          <a:p>
+            <a:pPr rtl="0" lvl="0" indent="-381000" marL="457200">
+              <a:spcBef>
+                <a:spcPts val="0"/>
+              </a:spcBef>
+              <a:buClr>
+                <a:schemeClr val="dk1"/>
+              </a:buClr>
+              <a:buSzPct val="100000"/>
+              <a:buFont typeface="Helvetica Neue"/>
+              <a:buChar char="•"/>
+            </a:pPr>
+            <a:r>
+              <a:rPr sz="2400" lang="en"/>
+              <a:t>Symbiota portals – DwC-A</a:t>
+            </a:r>
+          </a:p>
+          <a:p>
+            <a:pPr rtl="0" lvl="0" indent="-381000" marL="457200">
+              <a:spcBef>
+                <a:spcPts val="0"/>
+              </a:spcBef>
+              <a:buClr>
+                <a:schemeClr val="dk1"/>
+              </a:buClr>
+              <a:buSzPct val="100000"/>
+              <a:buFont typeface="Helvetica Neue"/>
+              <a:buChar char="•"/>
+            </a:pPr>
+            <a:r>
+              <a:rPr sz="2400" lang="en"/>
+              <a:t>iDigBio Feeder – DwC-A, CSV, …</a:t>
+            </a:r>
+          </a:p>
+          <a:p>
             <a:pPr rtl="0">
               <a:spcBef>
                 <a:spcPts val="0"/>
@@ -12941,13 +13584,33 @@
               <a:buNone/>
             </a:pPr>
             <a:r>
-              <a:rPr b="1" sz="1800" lang="en"/>
-              <a:t>Audubon Core vocabularies address such concerns as</a:t>
-            </a:r>
-            <a:r>
-              <a:rPr sz="1800" lang="en"/>
-              <a:t>:</a:t>
-            </a:r>
+              <a:t/>
+            </a:r>
+            <a:endParaRPr sz="2400"/>
+          </a:p>
+          <a:p>
+            <a:pPr rtl="0">
+              <a:spcBef>
+                <a:spcPts val="0"/>
+              </a:spcBef>
+              <a:buNone/>
+            </a:pPr>
+            <a:r>
+              <a:rPr b="1" sz="2400" lang="en"/>
+              <a:t>If you can export specimen data from your system / database / spreadsheet into DwC-A (or even CSV), then you can share data with iDigBio.</a:t>
+            </a:r>
+          </a:p>
+          <a:p>
+            <a:pPr rtl="0">
+              <a:spcBef>
+                <a:spcPts val="0"/>
+              </a:spcBef>
+              <a:buNone/>
+            </a:pPr>
+            <a:r>
+              <a:t/>
+            </a:r>
+            <a:endParaRPr sz="2400"/>
           </a:p>
           <a:p>
             <a:pPr rtl="0" lvl="0">
@@ -12957,104 +13620,20 @@
               <a:buNone/>
             </a:pPr>
             <a:r>
-              <a:rPr sz="1800" lang="en"/>
-              <a:t>- the management of the media and collections</a:t>
-            </a:r>
-          </a:p>
-          <a:p>
-            <a:pPr rtl="0" lvl="0">
-              <a:spcBef>
-                <a:spcPts val="0"/>
-              </a:spcBef>
-              <a:buNone/>
-            </a:pPr>
-            <a:r>
-              <a:rPr sz="1800" lang="en"/>
-              <a:t>- descriptions of their content</a:t>
-            </a:r>
-          </a:p>
-          <a:p>
-            <a:pPr rtl="0" lvl="0">
-              <a:spcBef>
-                <a:spcPts val="0"/>
-              </a:spcBef>
-              <a:buNone/>
-            </a:pPr>
-            <a:r>
-              <a:rPr sz="1800" lang="en"/>
-              <a:t>- their taxonomic, geographic, and temporal coverage</a:t>
-            </a:r>
-          </a:p>
-          <a:p>
-            <a:pPr lvl="0">
-              <a:spcBef>
-                <a:spcPts val="0"/>
-              </a:spcBef>
-              <a:buNone/>
-            </a:pPr>
-            <a:r>
-              <a:rPr sz="1800" lang="en"/>
-              <a:t>- appropriate ways to retrieve, attribute and reproduce them</a:t>
+              <a:rPr sz="2400" lang="en">
+                <a:solidFill>
+                  <a:schemeClr val="dk1"/>
+                </a:solidFill>
+              </a:rPr>
+              <a:t>iDigBio RSS Feeder facilitates the sharing of over </a:t>
+            </a:r>
+            <a:r>
+              <a:rPr sz="2400" lang="en"/>
+              <a:t>1.5 million specimen records and 200 thousand media records from providers who do not need to run “servers”.</a:t>
             </a:r>
           </a:p>
         </p:txBody>
       </p:sp>
-      <p:pic>
-        <p:nvPicPr>
-          <p:cNvPr id="220" name="Shape 220"/>
-          <p:cNvPicPr preferRelativeResize="0"/>
-          <p:nvPr/>
-        </p:nvPicPr>
-        <p:blipFill>
-          <a:blip r:embed="rId3">
-            <a:alphaModFix/>
-          </a:blip>
-          <a:stretch>
-            <a:fillRect/>
-          </a:stretch>
-        </p:blipFill>
-        <p:spPr>
-          <a:xfrm>
-            <a:off y="2799150" x="3626250"/>
-            <a:ext cy="3775075" cx="5260324"/>
-          </a:xfrm>
-          <a:prstGeom prst="rect">
-            <a:avLst/>
-          </a:prstGeom>
-          <a:noFill/>
-          <a:ln>
-            <a:noFill/>
-          </a:ln>
-        </p:spPr>
-      </p:pic>
-      <p:pic>
-        <p:nvPicPr>
-          <p:cNvPr id="221" name="Shape 221"/>
-          <p:cNvPicPr preferRelativeResize="0"/>
-          <p:nvPr/>
-        </p:nvPicPr>
-        <p:blipFill>
-          <a:blip r:embed="rId4">
-            <a:alphaModFix/>
-          </a:blip>
-          <a:stretch>
-            <a:fillRect/>
-          </a:stretch>
-        </p:blipFill>
-        <p:spPr>
-          <a:xfrm>
-            <a:off y="856300" x="4859112"/>
-            <a:ext cy="1858450" cx="2794600"/>
-          </a:xfrm>
-          <a:prstGeom prst="rect">
-            <a:avLst/>
-          </a:prstGeom>
-          <a:noFill/>
-          <a:ln>
-            <a:noFill/>
-          </a:ln>
-        </p:spPr>
-      </p:pic>
     </p:spTree>
   </p:cSld>
   <p:clrMapOvr>
@@ -13071,7 +13650,7 @@
   <p:cSld>
     <p:spTree>
       <p:nvGrpSpPr>
-        <p:cNvPr id="225" name="Shape 225"/>
+        <p:cNvPr id="224" name="Shape 224"/>
         <p:cNvGrpSpPr/>
         <p:nvPr/>
       </p:nvGrpSpPr>
@@ -13085,7 +13664,7 @@
       </p:grpSpPr>
       <p:sp>
         <p:nvSpPr>
-          <p:cNvPr id="226" name="Shape 226"/>
+          <p:cNvPr id="225" name="Shape 225"/>
           <p:cNvSpPr txBox="1"/>
           <p:nvPr>
             <p:ph type="title"/>
@@ -13093,8 +13672,8 @@
         </p:nvSpPr>
         <p:spPr>
           <a:xfrm>
-            <a:off y="748850" x="1244100"/>
-            <a:ext cy="571500" cx="6655800"/>
+            <a:off y="973125" x="457200"/>
+            <a:ext cy="938700" cx="8229600"/>
           </a:xfrm>
           <a:prstGeom prst="rect">
             <a:avLst/>
@@ -13106,63 +13685,6 @@
           </a:bodyPr>
           <a:lstStyle/>
           <a:p>
-            <a:pPr>
-              <a:spcBef>
-                <a:spcPts val="0"/>
-              </a:spcBef>
-              <a:buNone/>
-            </a:pPr>
-            <a:r>
-              <a:rPr sz="2400" lang="en"/>
-              <a:t>Audubon Core can support “new” media types</a:t>
-            </a:r>
-          </a:p>
-        </p:txBody>
-      </p:sp>
-      <p:sp>
-        <p:nvSpPr>
-          <p:cNvPr id="227" name="Shape 227"/>
-          <p:cNvSpPr txBox="1"/>
-          <p:nvPr>
-            <p:ph idx="1" type="body"/>
-          </p:nvPr>
-        </p:nvSpPr>
-        <p:spPr>
-          <a:xfrm>
-            <a:off y="1320350" x="235325"/>
-            <a:ext cy="2816100" cx="3664500"/>
-          </a:xfrm>
-          <a:prstGeom prst="rect">
-            <a:avLst/>
-          </a:prstGeom>
-          <a:ln w="9525" cap="flat">
-            <a:solidFill>
-              <a:srgbClr val="000000"/>
-            </a:solidFill>
-            <a:prstDash val="solid"/>
-            <a:round/>
-            <a:headEnd w="med" len="med" type="none"/>
-            <a:tailEnd w="med" len="med" type="none"/>
-          </a:ln>
-        </p:spPr>
-        <p:txBody>
-          <a:bodyPr bIns="91425" rIns="91425" lIns="91425" tIns="91425" anchor="t" anchorCtr="0">
-            <a:noAutofit/>
-          </a:bodyPr>
-          <a:lstStyle/>
-          <a:p>
-            <a:pPr rtl="0" lvl="0">
-              <a:spcBef>
-                <a:spcPts val="0"/>
-              </a:spcBef>
-              <a:buNone/>
-            </a:pPr>
-            <a:r>
-              <a:rPr b="1" lang="en"/>
-              <a:t>Specimen Data</a:t>
-            </a:r>
-          </a:p>
-          <a:p>
             <a:pPr rtl="0" lvl="0">
               <a:spcBef>
                 <a:spcPts val="0"/>
@@ -13170,45 +13692,13 @@
               <a:buClr>
                 <a:schemeClr val="dk1"/>
               </a:buClr>
-              <a:buSzPct val="78571"/>
+              <a:buSzPct val="45833"/>
               <a:buFont typeface="Arial"/>
               <a:buNone/>
             </a:pPr>
             <a:r>
-              <a:rPr lang="en"/>
-              <a:t>dwc:catalogNumber:  UF 105199</a:t>
-            </a:r>
-          </a:p>
-          <a:p>
-            <a:pPr rtl="0">
-              <a:spcBef>
-                <a:spcPts val="0"/>
-              </a:spcBef>
-              <a:buNone/>
-            </a:pPr>
-            <a:r>
-              <a:rPr lang="en"/>
-              <a:t>dwc:scientificName:</a:t>
-            </a:r>
-          </a:p>
-          <a:p>
-            <a:pPr rtl="0" lvl="0" indent="-139700" marL="800100">
-              <a:spcBef>
-                <a:spcPts val="0"/>
-              </a:spcBef>
-              <a:buNone/>
-            </a:pPr>
-            <a:r>
-              <a:rPr lang="en">
-                <a:solidFill>
-                  <a:schemeClr val="dk1"/>
-                </a:solidFill>
-              </a:rPr>
-              <a:t>Carcharocles </a:t>
-            </a:r>
-            <a:r>
-              <a:rPr lang="en"/>
-              <a:t>megalodon</a:t>
+              <a:rPr sz="2400" lang="en"/>
+              <a:t>Media Data – Audubon Core / AC</a:t>
             </a:r>
           </a:p>
           <a:p>
@@ -13219,85 +13709,13 @@
               <a:buClr>
                 <a:schemeClr val="dk1"/>
               </a:buClr>
-              <a:buSzPct val="78571"/>
+              <a:buSzPct val="45833"/>
               <a:buFont typeface="Arial"/>
               <a:buNone/>
             </a:pPr>
             <a:r>
-              <a:rPr lang="en"/>
-              <a:t>dwc:stateProvince:  Florida</a:t>
-            </a:r>
-          </a:p>
-          <a:p>
-            <a:pPr rtl="0" lvl="0">
-              <a:spcBef>
-                <a:spcPts val="0"/>
-              </a:spcBef>
-              <a:buClr>
-                <a:schemeClr val="dk1"/>
-              </a:buClr>
-              <a:buSzPct val="78571"/>
-              <a:buFont typeface="Arial"/>
-              <a:buNone/>
-            </a:pPr>
-            <a:r>
-              <a:rPr lang="en"/>
-              <a:t>dwc:county:  Duval</a:t>
-            </a:r>
-          </a:p>
-          <a:p>
-            <a:pPr rtl="0" lvl="0">
-              <a:spcBef>
-                <a:spcPts val="0"/>
-              </a:spcBef>
-              <a:buClr>
-                <a:schemeClr val="dk1"/>
-              </a:buClr>
-              <a:buSzPct val="78571"/>
-              <a:buFont typeface="Arial"/>
-              <a:buNone/>
-            </a:pPr>
-            <a:r>
-              <a:rPr lang="en"/>
-              <a:t>dwc:latestPeriodOrHighestSystem:</a:t>
-            </a:r>
-          </a:p>
-          <a:p>
-            <a:pPr rtl="0" lvl="0" indent="-139700" marL="800100">
-              <a:spcBef>
-                <a:spcPts val="0"/>
-              </a:spcBef>
-              <a:buClr>
-                <a:schemeClr val="dk1"/>
-              </a:buClr>
-              <a:buSzPct val="78571"/>
-              <a:buFont typeface="Arial"/>
-              <a:buNone/>
-            </a:pPr>
-            <a:r>
-              <a:rPr lang="en"/>
-              <a:t>Late Miocene</a:t>
-            </a:r>
-          </a:p>
-          <a:p>
-            <a:pPr rtl="0" lvl="0">
-              <a:spcBef>
-                <a:spcPts val="0"/>
-              </a:spcBef>
-              <a:buClr>
-                <a:schemeClr val="dk1"/>
-              </a:buClr>
-              <a:buSzPct val="78571"/>
-              <a:buFont typeface="Arial"/>
-              <a:buNone/>
-            </a:pPr>
-            <a:r>
-              <a:rPr lang="en">
-                <a:solidFill>
-                  <a:schemeClr val="dk1"/>
-                </a:solidFill>
-              </a:rPr>
-              <a:t>dwc:decimalLatitude:  30.39211</a:t>
+              <a:rPr sz="2400" lang="en"/>
+              <a:t>http://terms.tdwg.org/wiki/Audubon_Core_Term_List</a:t>
             </a:r>
           </a:p>
           <a:p>
@@ -13316,11 +13734,23 @@
             </a:r>
             <a:endParaRPr/>
           </a:p>
+          <a:p>
+            <a:pPr>
+              <a:spcBef>
+                <a:spcPts val="0"/>
+              </a:spcBef>
+              <a:buNone/>
+            </a:pPr>
+            <a:r>
+              <a:t/>
+            </a:r>
+            <a:endParaRPr/>
+          </a:p>
         </p:txBody>
       </p:sp>
       <p:pic>
         <p:nvPicPr>
-          <p:cNvPr id="228" name="Shape 228"/>
+          <p:cNvPr id="226" name="Shape 226"/>
           <p:cNvPicPr preferRelativeResize="0"/>
           <p:nvPr/>
         </p:nvPicPr>
@@ -13334,8 +13764,8 @@
         </p:blipFill>
         <p:spPr>
           <a:xfrm>
-            <a:off y="1553437" x="4012500"/>
-            <a:ext cy="3975175" cx="4814049"/>
+            <a:off y="2308525" x="262650"/>
+            <a:ext cy="2529950" cx="8618700"/>
           </a:xfrm>
           <a:prstGeom prst="rect">
             <a:avLst/>
@@ -13348,28 +13778,21 @@
       </p:pic>
       <p:sp>
         <p:nvSpPr>
-          <p:cNvPr id="229" name="Shape 229"/>
+          <p:cNvPr id="227" name="Shape 227"/>
           <p:cNvSpPr txBox="1"/>
-          <p:nvPr>
-            <p:ph idx="2" type="body"/>
-          </p:nvPr>
-        </p:nvSpPr>
-        <p:spPr>
-          <a:xfrm>
-            <a:off y="4245425" x="235325"/>
-            <a:ext cy="2435700" cx="3664500"/>
-          </a:xfrm>
-          <a:prstGeom prst="rect">
-            <a:avLst/>
-          </a:prstGeom>
-          <a:ln w="9525" cap="flat">
-            <a:solidFill>
-              <a:srgbClr val="000000"/>
-            </a:solidFill>
-            <a:prstDash val="solid"/>
-            <a:round/>
-            <a:headEnd w="med" len="med" type="none"/>
-            <a:tailEnd w="med" len="med" type="none"/>
+          <p:nvPr/>
+        </p:nvSpPr>
+        <p:spPr>
+          <a:xfrm>
+            <a:off y="5181975" x="457200"/>
+            <a:ext cy="1253400" cx="7981799"/>
+          </a:xfrm>
+          <a:prstGeom prst="rect">
+            <a:avLst/>
+          </a:prstGeom>
+          <a:noFill/>
+          <a:ln>
+            <a:noFill/>
           </a:ln>
         </p:spPr>
         <p:txBody>
@@ -13378,18 +13801,6 @@
           </a:bodyPr>
           <a:lstStyle/>
           <a:p>
-            <a:pPr rtl="0" lvl="0">
-              <a:spcBef>
-                <a:spcPts val="0"/>
-              </a:spcBef>
-              <a:buNone/>
-            </a:pPr>
-            <a:r>
-              <a:rPr b="1" lang="en"/>
-              <a:t>Media Data</a:t>
-            </a:r>
-          </a:p>
-          <a:p>
             <a:pPr rtl="0">
               <a:spcBef>
                 <a:spcPts val="0"/>
@@ -13397,97 +13808,41 @@
               <a:buNone/>
             </a:pPr>
             <a:r>
-              <a:rPr lang="en"/>
-              <a:t>dwc:scientificName:</a:t>
-            </a:r>
-          </a:p>
-          <a:p>
-            <a:pPr rtl="0" lvl="0" indent="-139700" marL="800100">
-              <a:spcBef>
-                <a:spcPts val="0"/>
-              </a:spcBef>
-              <a:buNone/>
-            </a:pPr>
-            <a:r>
-              <a:rPr lang="en"/>
-              <a:t>Carcharocles </a:t>
-            </a:r>
-            <a:r>
-              <a:rPr lang="en">
+              <a:rPr sz="1800" lang="en"/>
+              <a:t>GBIF has a nice write-up on the benefits of AC over dwc:associatedMedia:</a:t>
+            </a:r>
+          </a:p>
+          <a:p>
+            <a:pPr rtl="0">
+              <a:spcBef>
+                <a:spcPts val="0"/>
+              </a:spcBef>
+              <a:buNone/>
+            </a:pPr>
+            <a:r>
+              <a:t/>
+            </a:r>
+            <a:endParaRPr sz="1800"/>
+          </a:p>
+          <a:p>
+            <a:pPr rtl="0">
+              <a:spcBef>
+                <a:spcPts val="0"/>
+              </a:spcBef>
+              <a:buNone/>
+            </a:pPr>
+            <a:r>
+              <a:rPr u="sng" sz="1800" lang="en">
                 <a:solidFill>
-                  <a:schemeClr val="dk1"/>
-                </a:solidFill>
-              </a:rPr>
-              <a:t>megalodon</a:t>
-            </a:r>
-          </a:p>
-          <a:p>
-            <a:pPr rtl="0">
-              <a:spcBef>
-                <a:spcPts val="0"/>
-              </a:spcBef>
-              <a:buNone/>
-            </a:pPr>
-            <a:r>
-              <a:rPr lang="en"/>
-              <a:t>dc:type: image</a:t>
-            </a:r>
-          </a:p>
-          <a:p>
-            <a:pPr rtl="0">
-              <a:spcBef>
-                <a:spcPts val="0"/>
-              </a:spcBef>
-              <a:buNone/>
-            </a:pPr>
-            <a:r>
-              <a:rPr lang="en"/>
-              <a:t>ac:subtype: </a:t>
-            </a:r>
-            <a:r>
-              <a:rPr lang="en">
-                <a:solidFill>
-                  <a:schemeClr val="dk1"/>
+                  <a:schemeClr val="hlink"/>
                 </a:solidFill>
                 <a:hlinkClick r:id="rId4"/>
               </a:rPr>
-              <a:t>http://www.fabbers.com/StL.asp</a:t>
-            </a:r>
-          </a:p>
-          <a:p>
-            <a:pPr rtl="0">
-              <a:spcBef>
-                <a:spcPts val="0"/>
-              </a:spcBef>
-              <a:buNone/>
-            </a:pPr>
-            <a:r>
-              <a:rPr lang="en">
-                <a:solidFill>
-                  <a:schemeClr val="dk1"/>
-                </a:solidFill>
-              </a:rPr>
-              <a:t>ac:subtypeLiteral: 3dModel</a:t>
-            </a:r>
-          </a:p>
-          <a:p>
-            <a:pPr rtl="0" lvl="0">
-              <a:spcBef>
-                <a:spcPts val="0"/>
-              </a:spcBef>
-              <a:buNone/>
-            </a:pPr>
-            <a:r>
-              <a:rPr lang="en">
-                <a:solidFill>
-                  <a:schemeClr val="dk1"/>
-                </a:solidFill>
-              </a:rPr>
-              <a:t>ac:tag: tooth</a:t>
-            </a:r>
-          </a:p>
-          <a:p>
-            <a:pPr rtl="0" lvl="0">
+              <a:t>http://gbif.blogspot.com/2014/05/multimedia-in-gbif.html</a:t>
+            </a:r>
+          </a:p>
+          <a:p>
+            <a:pPr>
               <a:spcBef>
                 <a:spcPts val="0"/>
               </a:spcBef>
@@ -13497,56 +13852,6 @@
               <a:t/>
             </a:r>
             <a:endParaRPr/>
-          </a:p>
-          <a:p>
-            <a:pPr rtl="0" lvl="0">
-              <a:spcBef>
-                <a:spcPts val="0"/>
-              </a:spcBef>
-              <a:buNone/>
-            </a:pPr>
-            <a:r>
-              <a:t/>
-            </a:r>
-            <a:endParaRPr/>
-          </a:p>
-        </p:txBody>
-      </p:sp>
-      <p:sp>
-        <p:nvSpPr>
-          <p:cNvPr id="230" name="Shape 230"/>
-          <p:cNvSpPr txBox="1"/>
-          <p:nvPr/>
-        </p:nvSpPr>
-        <p:spPr>
-          <a:xfrm>
-            <a:off y="5528625" x="3944487"/>
-            <a:ext cy="350699" cx="4719900"/>
-          </a:xfrm>
-          <a:prstGeom prst="rect">
-            <a:avLst/>
-          </a:prstGeom>
-          <a:noFill/>
-          <a:ln>
-            <a:noFill/>
-          </a:ln>
-        </p:spPr>
-        <p:txBody>
-          <a:bodyPr bIns="91425" rIns="91425" lIns="91425" tIns="91425" anchor="t" anchorCtr="0">
-            <a:noAutofit/>
-          </a:bodyPr>
-          <a:lstStyle/>
-          <a:p>
-            <a:pPr rtl="0" lvl="0">
-              <a:spcBef>
-                <a:spcPts val="0"/>
-              </a:spcBef>
-              <a:buNone/>
-            </a:pPr>
-            <a:r>
-              <a:rPr sz="1000" lang="en"/>
-              <a:t>Image source: Aaron Wood, Florida Museum of Natural History</a:t>
-            </a:r>
           </a:p>
         </p:txBody>
       </p:sp>
@@ -13566,7 +13871,7 @@
   <p:cSld>
     <p:spTree>
       <p:nvGrpSpPr>
-        <p:cNvPr id="234" name="Shape 234"/>
+        <p:cNvPr id="231" name="Shape 231"/>
         <p:cNvGrpSpPr/>
         <p:nvPr/>
       </p:nvGrpSpPr>
@@ -13578,9 +13883,97 @@
           <a:chExt cy="0" cx="0"/>
         </a:xfrm>
       </p:grpSpPr>
+      <p:sp>
+        <p:nvSpPr>
+          <p:cNvPr id="232" name="Shape 232"/>
+          <p:cNvSpPr txBox="1"/>
+          <p:nvPr>
+            <p:ph idx="1" type="body"/>
+          </p:nvPr>
+        </p:nvSpPr>
+        <p:spPr>
+          <a:xfrm>
+            <a:off y="1005325" x="457200"/>
+            <a:ext cy="4915199" cx="3168900"/>
+          </a:xfrm>
+          <a:prstGeom prst="rect">
+            <a:avLst/>
+          </a:prstGeom>
+        </p:spPr>
+        <p:txBody>
+          <a:bodyPr bIns="91425" rIns="91425" lIns="91425" tIns="91425" anchor="t" anchorCtr="0">
+            <a:noAutofit/>
+          </a:bodyPr>
+          <a:lstStyle/>
+          <a:p>
+            <a:pPr rtl="0">
+              <a:spcBef>
+                <a:spcPts val="0"/>
+              </a:spcBef>
+              <a:buNone/>
+            </a:pPr>
+            <a:r>
+              <a:rPr b="1" sz="1800" lang="en"/>
+              <a:t>Audubon Core vocabularies address such concerns as</a:t>
+            </a:r>
+            <a:r>
+              <a:rPr sz="1800" lang="en"/>
+              <a:t>:</a:t>
+            </a:r>
+          </a:p>
+          <a:p>
+            <a:pPr rtl="0" lvl="0">
+              <a:spcBef>
+                <a:spcPts val="0"/>
+              </a:spcBef>
+              <a:buNone/>
+            </a:pPr>
+            <a:r>
+              <a:rPr sz="1800" lang="en"/>
+              <a:t>- the management of the media and collections</a:t>
+            </a:r>
+          </a:p>
+          <a:p>
+            <a:pPr rtl="0" lvl="0">
+              <a:spcBef>
+                <a:spcPts val="0"/>
+              </a:spcBef>
+              <a:buNone/>
+            </a:pPr>
+            <a:r>
+              <a:rPr sz="1800" lang="en"/>
+              <a:t>- descriptions of their content</a:t>
+            </a:r>
+          </a:p>
+          <a:p>
+            <a:pPr rtl="0" lvl="0">
+              <a:spcBef>
+                <a:spcPts val="0"/>
+              </a:spcBef>
+              <a:buNone/>
+            </a:pPr>
+            <a:r>
+              <a:rPr sz="1800" lang="en"/>
+              <a:t>- their taxonomic, geographic, and temporal coverage</a:t>
+            </a:r>
+          </a:p>
+          <a:p>
+            <a:pPr lvl="0">
+              <a:spcBef>
+                <a:spcPts val="0"/>
+              </a:spcBef>
+              <a:buNone/>
+            </a:pPr>
+            <a:r>
+              <a:rPr sz="1800" lang="en"/>
+              <a:t>- appropriate ways to retrieve, attribute and reproduce them</a:t>
+            </a:r>
+          </a:p>
+        </p:txBody>
+      </p:sp>
       <p:pic>
         <p:nvPicPr>
-          <p:cNvPr id="235" name="Shape 235"/>
+          <p:cNvPr id="233" name="Shape 233"/>
           <p:cNvPicPr preferRelativeResize="0"/>
           <p:nvPr/>
         </p:nvPicPr>
@@ -13594,8 +13987,8 @@
         </p:blipFill>
         <p:spPr>
           <a:xfrm>
-            <a:off y="745524" x="241100"/>
-            <a:ext cy="2330425" cx="3107225"/>
+            <a:off y="2799150" x="3626250"/>
+            <a:ext cy="3775075" cx="5260324"/>
           </a:xfrm>
           <a:prstGeom prst="rect">
             <a:avLst/>
@@ -13606,135 +13999,9 @@
           </a:ln>
         </p:spPr>
       </p:pic>
-      <p:sp>
-        <p:nvSpPr>
-          <p:cNvPr id="236" name="Shape 236"/>
-          <p:cNvSpPr txBox="1"/>
-          <p:nvPr/>
-        </p:nvSpPr>
-        <p:spPr>
-          <a:xfrm>
-            <a:off y="3087150" x="241100"/>
-            <a:ext cy="683699" cx="2891099"/>
-          </a:xfrm>
-          <a:prstGeom prst="rect">
-            <a:avLst/>
-          </a:prstGeom>
-          <a:noFill/>
-          <a:ln>
-            <a:noFill/>
-          </a:ln>
-        </p:spPr>
-        <p:txBody>
-          <a:bodyPr bIns="91425" rIns="91425" lIns="91425" tIns="91425" anchor="t" anchorCtr="0">
-            <a:noAutofit/>
-          </a:bodyPr>
-          <a:lstStyle/>
-          <a:p>
-            <a:pPr rtl="0" lvl="0">
-              <a:spcBef>
-                <a:spcPts val="0"/>
-              </a:spcBef>
-              <a:buNone/>
-            </a:pPr>
-            <a:r>
-              <a:rPr sz="1000" lang="en"/>
-              <a:t>Image source: http://commons.wikimedia.org/wiki/File:Carcharocles_megalodon_tooth.JPG</a:t>
-            </a:r>
-          </a:p>
-        </p:txBody>
-      </p:sp>
-      <p:sp>
-        <p:nvSpPr>
-          <p:cNvPr id="237" name="Shape 237"/>
-          <p:cNvSpPr txBox="1"/>
-          <p:nvPr/>
-        </p:nvSpPr>
-        <p:spPr>
-          <a:xfrm>
-            <a:off y="6075050" x="6040725"/>
-            <a:ext cy="548699" cx="2840099"/>
-          </a:xfrm>
-          <a:prstGeom prst="rect">
-            <a:avLst/>
-          </a:prstGeom>
-          <a:noFill/>
-          <a:ln>
-            <a:noFill/>
-          </a:ln>
-        </p:spPr>
-        <p:txBody>
-          <a:bodyPr bIns="91425" rIns="91425" lIns="91425" tIns="91425" anchor="t" anchorCtr="0">
-            <a:noAutofit/>
-          </a:bodyPr>
-          <a:lstStyle/>
-          <a:p>
-            <a:pPr rtl="0">
-              <a:spcBef>
-                <a:spcPts val="0"/>
-              </a:spcBef>
-              <a:buNone/>
-            </a:pPr>
-            <a:r>
-              <a:rPr sz="1000" lang="en"/>
-              <a:t>Image source: Aaron Wood</a:t>
-            </a:r>
-          </a:p>
-          <a:p>
-            <a:pPr rtl="0" lvl="0">
-              <a:spcBef>
-                <a:spcPts val="0"/>
-              </a:spcBef>
-              <a:buNone/>
-            </a:pPr>
-            <a:r>
-              <a:rPr sz="1000" lang="en"/>
-              <a:t>3D Model printing by Robert Burns</a:t>
-            </a:r>
-          </a:p>
-        </p:txBody>
-      </p:sp>
-      <p:sp>
-        <p:nvSpPr>
-          <p:cNvPr id="238" name="Shape 238"/>
-          <p:cNvSpPr txBox="1"/>
-          <p:nvPr/>
-        </p:nvSpPr>
-        <p:spPr>
-          <a:xfrm>
-            <a:off y="4658975" x="3208800"/>
-            <a:ext cy="350699" cx="1767600"/>
-          </a:xfrm>
-          <a:prstGeom prst="rect">
-            <a:avLst/>
-          </a:prstGeom>
-          <a:noFill/>
-          <a:ln>
-            <a:noFill/>
-          </a:ln>
-        </p:spPr>
-        <p:txBody>
-          <a:bodyPr bIns="91425" rIns="91425" lIns="91425" tIns="91425" anchor="t" anchorCtr="0">
-            <a:noAutofit/>
-          </a:bodyPr>
-          <a:lstStyle/>
-          <a:p>
-            <a:pPr rtl="0" lvl="0">
-              <a:spcBef>
-                <a:spcPts val="0"/>
-              </a:spcBef>
-              <a:buNone/>
-            </a:pPr>
-            <a:r>
-              <a:rPr sz="1000" lang="en"/>
-              <a:t>Image source: Aaron Wood</a:t>
-            </a:r>
-          </a:p>
-        </p:txBody>
-      </p:sp>
       <p:pic>
         <p:nvPicPr>
-          <p:cNvPr id="239" name="Shape 239"/>
+          <p:cNvPr id="234" name="Shape 234"/>
           <p:cNvPicPr preferRelativeResize="0"/>
           <p:nvPr/>
         </p:nvPicPr>
@@ -13748,36 +14015,8 @@
         </p:blipFill>
         <p:spPr>
           <a:xfrm>
-            <a:off y="2195325" x="3208800"/>
-            <a:ext cy="2463650" cx="3030625"/>
-          </a:xfrm>
-          <a:prstGeom prst="rect">
-            <a:avLst/>
-          </a:prstGeom>
-          <a:noFill/>
-          <a:ln>
-            <a:noFill/>
-          </a:ln>
-        </p:spPr>
-      </p:pic>
-      <p:pic>
-        <p:nvPicPr>
-          <p:cNvPr id="240" name="Shape 240"/>
-          <p:cNvPicPr preferRelativeResize="0"/>
-          <p:nvPr/>
-        </p:nvPicPr>
-        <p:blipFill>
-          <a:blip r:embed="rId5">
-            <a:alphaModFix/>
-          </a:blip>
-          <a:stretch>
-            <a:fillRect/>
-          </a:stretch>
-        </p:blipFill>
-        <p:spPr>
-          <a:xfrm>
-            <a:off y="3868176" x="6040725"/>
-            <a:ext cy="2206872" cx="2891099"/>
+            <a:off y="856300" x="4859112"/>
+            <a:ext cy="1858450" cx="2794600"/>
           </a:xfrm>
           <a:prstGeom prst="rect">
             <a:avLst/>
@@ -13804,7 +14043,7 @@
   <p:cSld>
     <p:spTree>
       <p:nvGrpSpPr>
-        <p:cNvPr id="244" name="Shape 244"/>
+        <p:cNvPr id="238" name="Shape 238"/>
         <p:cNvGrpSpPr/>
         <p:nvPr/>
       </p:nvGrpSpPr>
@@ -13818,22 +14057,20 @@
       </p:grpSpPr>
       <p:sp>
         <p:nvSpPr>
-          <p:cNvPr id="245" name="Shape 245"/>
+          <p:cNvPr id="239" name="Shape 239"/>
           <p:cNvSpPr txBox="1"/>
-          <p:nvPr/>
-        </p:nvSpPr>
-        <p:spPr>
-          <a:xfrm>
-            <a:off y="2326900" x="1066200"/>
-            <a:ext cy="3299399" cx="7011599"/>
-          </a:xfrm>
-          <a:prstGeom prst="rect">
-            <a:avLst/>
-          </a:prstGeom>
-          <a:noFill/>
-          <a:ln>
-            <a:noFill/>
-          </a:ln>
+          <p:nvPr>
+            <p:ph type="title"/>
+          </p:nvPr>
+        </p:nvSpPr>
+        <p:spPr>
+          <a:xfrm>
+            <a:off y="748850" x="1244100"/>
+            <a:ext cy="571500" cx="6655800"/>
+          </a:xfrm>
+          <a:prstGeom prst="rect">
+            <a:avLst/>
+          </a:prstGeom>
         </p:spPr>
         <p:txBody>
           <a:bodyPr bIns="91425" rIns="91425" lIns="91425" tIns="91425" anchor="t" anchorCtr="0">
@@ -13841,190 +14078,44 @@
           </a:bodyPr>
           <a:lstStyle/>
           <a:p>
-            <a:pPr rtl="0" lvl="0">
-              <a:spcBef>
-                <a:spcPts val="440"/>
-              </a:spcBef>
-              <a:buClr>
-                <a:schemeClr val="dk1"/>
-              </a:buClr>
-              <a:buSzPct val="61111"/>
-              <a:buFont typeface="Arial"/>
-              <a:buNone/>
-            </a:pPr>
-            <a:r>
-              <a:rPr sz="1800" lang="en">
-                <a:solidFill>
-                  <a:schemeClr val="dk1"/>
-                </a:solidFill>
-              </a:rPr>
-              <a:t>Access URI</a:t>
-            </a:r>
-          </a:p>
-          <a:p>
-            <a:pPr rtl="0" lvl="0">
-              <a:spcBef>
-                <a:spcPts val="440"/>
-              </a:spcBef>
-              <a:buClr>
-                <a:schemeClr val="dk1"/>
-              </a:buClr>
-              <a:buSzPct val="61111"/>
-              <a:buFont typeface="Arial"/>
-              <a:buNone/>
-            </a:pPr>
-            <a:r>
-              <a:rPr sz="1800" lang="en">
-                <a:solidFill>
-                  <a:schemeClr val="dk1"/>
-                </a:solidFill>
-              </a:rPr>
-              <a:t>Rights</a:t>
-            </a:r>
-          </a:p>
-          <a:p>
-            <a:pPr rtl="0" lvl="0">
-              <a:spcBef>
-                <a:spcPts val="440"/>
-              </a:spcBef>
-              <a:buClr>
-                <a:schemeClr val="dk1"/>
-              </a:buClr>
-              <a:buSzPct val="61111"/>
-              <a:buFont typeface="Arial"/>
-              <a:buNone/>
-            </a:pPr>
-            <a:r>
-              <a:rPr sz="1800" lang="en">
-                <a:solidFill>
-                  <a:schemeClr val="dk1"/>
-                </a:solidFill>
-              </a:rPr>
-              <a:t>Provider</a:t>
-            </a:r>
-          </a:p>
-          <a:p>
-            <a:pPr rtl="0" lvl="0">
-              <a:spcBef>
-                <a:spcPts val="440"/>
-              </a:spcBef>
-              <a:buClr>
-                <a:schemeClr val="dk1"/>
-              </a:buClr>
-              <a:buSzPct val="61111"/>
-              <a:buFont typeface="Arial"/>
-              <a:buNone/>
-            </a:pPr>
-            <a:r>
-              <a:rPr sz="1800" lang="en">
-                <a:solidFill>
-                  <a:schemeClr val="dk1"/>
-                </a:solidFill>
-              </a:rPr>
-              <a:t>Scientific name</a:t>
-            </a:r>
-          </a:p>
-          <a:p>
-            <a:pPr rtl="0" lvl="0">
-              <a:spcBef>
-                <a:spcPts val="440"/>
-              </a:spcBef>
-              <a:buClr>
-                <a:schemeClr val="dk1"/>
-              </a:buClr>
-              <a:buSzPct val="61111"/>
-              <a:buFont typeface="Arial"/>
-              <a:buNone/>
-            </a:pPr>
-            <a:r>
-              <a:rPr sz="1800" lang="en">
-                <a:solidFill>
-                  <a:schemeClr val="dk1"/>
-                </a:solidFill>
-              </a:rPr>
-              <a:t>Title</a:t>
-            </a:r>
-          </a:p>
-          <a:p>
-            <a:pPr rtl="0" lvl="0">
-              <a:spcBef>
-                <a:spcPts val="440"/>
-              </a:spcBef>
-              <a:buClr>
-                <a:schemeClr val="dk1"/>
-              </a:buClr>
-              <a:buSzPct val="61111"/>
-              <a:buFont typeface="Arial"/>
-              <a:buNone/>
-            </a:pPr>
-            <a:r>
-              <a:rPr sz="1800" lang="en">
-                <a:solidFill>
-                  <a:schemeClr val="dk1"/>
-                </a:solidFill>
-              </a:rPr>
-              <a:t>Description</a:t>
-            </a:r>
-          </a:p>
-          <a:p>
-            <a:pPr rtl="0" lvl="0">
-              <a:spcBef>
-                <a:spcPts val="440"/>
-              </a:spcBef>
-              <a:buClr>
-                <a:schemeClr val="dk1"/>
-              </a:buClr>
-              <a:buSzPct val="61111"/>
-              <a:buFont typeface="Arial"/>
-              <a:buNone/>
-            </a:pPr>
-            <a:r>
-              <a:rPr sz="1800" lang="en">
-                <a:solidFill>
-                  <a:schemeClr val="dk1"/>
-                </a:solidFill>
-              </a:rPr>
-              <a:t>Tags</a:t>
-            </a:r>
-          </a:p>
-          <a:p>
-            <a:pPr rtl="0" lvl="0">
-              <a:spcBef>
-                <a:spcPts val="440"/>
-              </a:spcBef>
-              <a:buClr>
-                <a:schemeClr val="dk1"/>
-              </a:buClr>
-              <a:buFont typeface="Arial"/>
-              <a:buNone/>
-            </a:pPr>
-            <a:r>
-              <a:t/>
-            </a:r>
-            <a:endParaRPr sz="1800">
-              <a:solidFill>
-                <a:schemeClr val="dk1"/>
-              </a:solidFill>
-            </a:endParaRPr>
+            <a:pPr>
+              <a:spcBef>
+                <a:spcPts val="0"/>
+              </a:spcBef>
+              <a:buNone/>
+            </a:pPr>
+            <a:r>
+              <a:rPr sz="2400" lang="en"/>
+              <a:t>Audubon Core can support “new” media types</a:t>
+            </a:r>
           </a:p>
         </p:txBody>
       </p:sp>
       <p:sp>
         <p:nvSpPr>
-          <p:cNvPr id="246" name="Shape 246"/>
+          <p:cNvPr id="240" name="Shape 240"/>
           <p:cNvSpPr txBox="1"/>
           <p:nvPr>
-            <p:ph type="title"/>
+            <p:ph idx="1" type="body"/>
           </p:nvPr>
         </p:nvSpPr>
         <p:spPr>
           <a:xfrm>
-            <a:off y="973113" x="457200"/>
-            <a:ext cy="1136099" cx="8229600"/>
-          </a:xfrm>
-          <a:prstGeom prst="rect">
-            <a:avLst/>
-          </a:prstGeom>
+            <a:off y="1320350" x="235325"/>
+            <a:ext cy="2816100" cx="3664500"/>
+          </a:xfrm>
+          <a:prstGeom prst="rect">
+            <a:avLst/>
+          </a:prstGeom>
+          <a:ln w="9525" cap="flat">
+            <a:solidFill>
+              <a:srgbClr val="000000"/>
+            </a:solidFill>
+            <a:prstDash val="solid"/>
+            <a:round/>
+            <a:headEnd w="med" len="med" type="none"/>
+            <a:tailEnd w="med" len="med" type="none"/>
+          </a:ln>
         </p:spPr>
         <p:txBody>
           <a:bodyPr bIns="91425" rIns="91425" lIns="91425" tIns="91425" anchor="t" anchorCtr="0">
@@ -14032,19 +14123,401 @@
           </a:bodyPr>
           <a:lstStyle/>
           <a:p>
-            <a:pPr>
-              <a:spcBef>
-                <a:spcPts val="0"/>
-              </a:spcBef>
-              <a:buNone/>
-            </a:pPr>
-            <a:r>
-              <a:rPr sz="2400" lang="en">
+            <a:pPr rtl="0" lvl="0">
+              <a:spcBef>
+                <a:spcPts val="0"/>
+              </a:spcBef>
+              <a:buNone/>
+            </a:pPr>
+            <a:r>
+              <a:rPr b="1" lang="en"/>
+              <a:t>Specimen Data</a:t>
+            </a:r>
+          </a:p>
+          <a:p>
+            <a:pPr rtl="0" lvl="0">
+              <a:spcBef>
+                <a:spcPts val="0"/>
+              </a:spcBef>
+              <a:buClr>
+                <a:schemeClr val="dk1"/>
+              </a:buClr>
+              <a:buSzPct val="78571"/>
+              <a:buFont typeface="Arial"/>
+              <a:buNone/>
+            </a:pPr>
+            <a:r>
+              <a:rPr lang="en"/>
+              <a:t>dwc:catalogNumber:  UF 105199</a:t>
+            </a:r>
+          </a:p>
+          <a:p>
+            <a:pPr rtl="0">
+              <a:spcBef>
+                <a:spcPts val="0"/>
+              </a:spcBef>
+              <a:buNone/>
+            </a:pPr>
+            <a:r>
+              <a:rPr lang="en"/>
+              <a:t>dwc:scientificName:</a:t>
+            </a:r>
+          </a:p>
+          <a:p>
+            <a:pPr rtl="0" lvl="0" indent="-139700" marL="800100">
+              <a:spcBef>
+                <a:spcPts val="0"/>
+              </a:spcBef>
+              <a:buNone/>
+            </a:pPr>
+            <a:r>
+              <a:rPr lang="en">
                 <a:solidFill>
                   <a:schemeClr val="dk1"/>
                 </a:solidFill>
               </a:rPr>
-              <a:t>Recommended minimum Audubon Core fields for iDigBio Data Ingestion:</a:t>
+              <a:t>Carcharocles </a:t>
+            </a:r>
+            <a:r>
+              <a:rPr lang="en"/>
+              <a:t>megalodon</a:t>
+            </a:r>
+          </a:p>
+          <a:p>
+            <a:pPr rtl="0" lvl="0">
+              <a:spcBef>
+                <a:spcPts val="0"/>
+              </a:spcBef>
+              <a:buClr>
+                <a:schemeClr val="dk1"/>
+              </a:buClr>
+              <a:buSzPct val="78571"/>
+              <a:buFont typeface="Arial"/>
+              <a:buNone/>
+            </a:pPr>
+            <a:r>
+              <a:rPr lang="en"/>
+              <a:t>dwc:stateProvince:  Florida</a:t>
+            </a:r>
+          </a:p>
+          <a:p>
+            <a:pPr rtl="0" lvl="0">
+              <a:spcBef>
+                <a:spcPts val="0"/>
+              </a:spcBef>
+              <a:buClr>
+                <a:schemeClr val="dk1"/>
+              </a:buClr>
+              <a:buSzPct val="78571"/>
+              <a:buFont typeface="Arial"/>
+              <a:buNone/>
+            </a:pPr>
+            <a:r>
+              <a:rPr lang="en"/>
+              <a:t>dwc:county:  Duval</a:t>
+            </a:r>
+          </a:p>
+          <a:p>
+            <a:pPr rtl="0" lvl="0">
+              <a:spcBef>
+                <a:spcPts val="0"/>
+              </a:spcBef>
+              <a:buClr>
+                <a:schemeClr val="dk1"/>
+              </a:buClr>
+              <a:buSzPct val="78571"/>
+              <a:buFont typeface="Arial"/>
+              <a:buNone/>
+            </a:pPr>
+            <a:r>
+              <a:rPr lang="en"/>
+              <a:t>dwc:latestPeriodOrHighestSystem:</a:t>
+            </a:r>
+          </a:p>
+          <a:p>
+            <a:pPr rtl="0" lvl="0" indent="-139700" marL="800100">
+              <a:spcBef>
+                <a:spcPts val="0"/>
+              </a:spcBef>
+              <a:buClr>
+                <a:schemeClr val="dk1"/>
+              </a:buClr>
+              <a:buSzPct val="78571"/>
+              <a:buFont typeface="Arial"/>
+              <a:buNone/>
+            </a:pPr>
+            <a:r>
+              <a:rPr lang="en"/>
+              <a:t>Late Miocene</a:t>
+            </a:r>
+          </a:p>
+          <a:p>
+            <a:pPr rtl="0" lvl="0">
+              <a:spcBef>
+                <a:spcPts val="0"/>
+              </a:spcBef>
+              <a:buClr>
+                <a:schemeClr val="dk1"/>
+              </a:buClr>
+              <a:buSzPct val="78571"/>
+              <a:buFont typeface="Arial"/>
+              <a:buNone/>
+            </a:pPr>
+            <a:r>
+              <a:rPr lang="en">
+                <a:solidFill>
+                  <a:schemeClr val="dk1"/>
+                </a:solidFill>
+              </a:rPr>
+              <a:t>dwc:decimalLatitude:  30.39211</a:t>
+            </a:r>
+          </a:p>
+          <a:p>
+            <a:pPr rtl="0" lvl="0">
+              <a:spcBef>
+                <a:spcPts val="0"/>
+              </a:spcBef>
+              <a:buClr>
+                <a:schemeClr val="dk1"/>
+              </a:buClr>
+              <a:buFont typeface="Arial"/>
+              <a:buNone/>
+            </a:pPr>
+            <a:r>
+              <a:t/>
+            </a:r>
+            <a:endParaRPr/>
+          </a:p>
+        </p:txBody>
+      </p:sp>
+      <p:pic>
+        <p:nvPicPr>
+          <p:cNvPr id="241" name="Shape 241"/>
+          <p:cNvPicPr preferRelativeResize="0"/>
+          <p:nvPr/>
+        </p:nvPicPr>
+        <p:blipFill>
+          <a:blip r:embed="rId3">
+            <a:alphaModFix/>
+          </a:blip>
+          <a:stretch>
+            <a:fillRect/>
+          </a:stretch>
+        </p:blipFill>
+        <p:spPr>
+          <a:xfrm>
+            <a:off y="1553437" x="4012500"/>
+            <a:ext cy="3975175" cx="4814049"/>
+          </a:xfrm>
+          <a:prstGeom prst="rect">
+            <a:avLst/>
+          </a:prstGeom>
+          <a:noFill/>
+          <a:ln>
+            <a:noFill/>
+          </a:ln>
+        </p:spPr>
+      </p:pic>
+      <p:sp>
+        <p:nvSpPr>
+          <p:cNvPr id="242" name="Shape 242"/>
+          <p:cNvSpPr txBox="1"/>
+          <p:nvPr>
+            <p:ph idx="2" type="body"/>
+          </p:nvPr>
+        </p:nvSpPr>
+        <p:spPr>
+          <a:xfrm>
+            <a:off y="4245425" x="235325"/>
+            <a:ext cy="2435700" cx="3664500"/>
+          </a:xfrm>
+          <a:prstGeom prst="rect">
+            <a:avLst/>
+          </a:prstGeom>
+          <a:ln w="9525" cap="flat">
+            <a:solidFill>
+              <a:srgbClr val="000000"/>
+            </a:solidFill>
+            <a:prstDash val="solid"/>
+            <a:round/>
+            <a:headEnd w="med" len="med" type="none"/>
+            <a:tailEnd w="med" len="med" type="none"/>
+          </a:ln>
+        </p:spPr>
+        <p:txBody>
+          <a:bodyPr bIns="91425" rIns="91425" lIns="91425" tIns="91425" anchor="t" anchorCtr="0">
+            <a:noAutofit/>
+          </a:bodyPr>
+          <a:lstStyle/>
+          <a:p>
+            <a:pPr rtl="0" lvl="0">
+              <a:spcBef>
+                <a:spcPts val="0"/>
+              </a:spcBef>
+              <a:buNone/>
+            </a:pPr>
+            <a:r>
+              <a:rPr b="1" lang="en"/>
+              <a:t>Media Data</a:t>
+            </a:r>
+          </a:p>
+          <a:p>
+            <a:pPr rtl="0">
+              <a:spcBef>
+                <a:spcPts val="0"/>
+              </a:spcBef>
+              <a:buNone/>
+            </a:pPr>
+            <a:r>
+              <a:rPr lang="en"/>
+              <a:t>dwc:scientificName:</a:t>
+            </a:r>
+          </a:p>
+          <a:p>
+            <a:pPr rtl="0" lvl="0" indent="-139700" marL="800100">
+              <a:spcBef>
+                <a:spcPts val="0"/>
+              </a:spcBef>
+              <a:buNone/>
+            </a:pPr>
+            <a:r>
+              <a:rPr lang="en"/>
+              <a:t>Carcharocles </a:t>
+            </a:r>
+            <a:r>
+              <a:rPr lang="en">
+                <a:solidFill>
+                  <a:schemeClr val="dk1"/>
+                </a:solidFill>
+              </a:rPr>
+              <a:t>megalodon</a:t>
+            </a:r>
+          </a:p>
+          <a:p>
+            <a:pPr rtl="0">
+              <a:spcBef>
+                <a:spcPts val="0"/>
+              </a:spcBef>
+              <a:buNone/>
+            </a:pPr>
+            <a:r>
+              <a:rPr lang="en"/>
+              <a:t>dc:type: image</a:t>
+            </a:r>
+          </a:p>
+          <a:p>
+            <a:pPr rtl="0">
+              <a:spcBef>
+                <a:spcPts val="0"/>
+              </a:spcBef>
+              <a:buNone/>
+            </a:pPr>
+            <a:r>
+              <a:rPr lang="en"/>
+              <a:t>ac:subtype: </a:t>
+            </a:r>
+            <a:r>
+              <a:rPr lang="en">
+                <a:solidFill>
+                  <a:schemeClr val="dk1"/>
+                </a:solidFill>
+                <a:hlinkClick r:id="rId4"/>
+              </a:rPr>
+              <a:t>http://www.fabbers.com/StL.asp</a:t>
+            </a:r>
+          </a:p>
+          <a:p>
+            <a:pPr rtl="0">
+              <a:spcBef>
+                <a:spcPts val="0"/>
+              </a:spcBef>
+              <a:buNone/>
+            </a:pPr>
+            <a:r>
+              <a:rPr lang="en">
+                <a:solidFill>
+                  <a:schemeClr val="dk1"/>
+                </a:solidFill>
+              </a:rPr>
+              <a:t>ac:subtypeLiteral: 3dModel</a:t>
+            </a:r>
+          </a:p>
+          <a:p>
+            <a:pPr rtl="0" lvl="0">
+              <a:spcBef>
+                <a:spcPts val="0"/>
+              </a:spcBef>
+              <a:buNone/>
+            </a:pPr>
+            <a:r>
+              <a:rPr lang="en">
+                <a:solidFill>
+                  <a:schemeClr val="dk1"/>
+                </a:solidFill>
+              </a:rPr>
+              <a:t>ac:tag: tooth</a:t>
+            </a:r>
+          </a:p>
+          <a:p>
+            <a:pPr rtl="0" lvl="0">
+              <a:spcBef>
+                <a:spcPts val="0"/>
+              </a:spcBef>
+              <a:buNone/>
+            </a:pPr>
+            <a:r>
+              <a:t/>
+            </a:r>
+            <a:endParaRPr/>
+          </a:p>
+          <a:p>
+            <a:pPr rtl="0" lvl="0">
+              <a:spcBef>
+                <a:spcPts val="0"/>
+              </a:spcBef>
+              <a:buNone/>
+            </a:pPr>
+            <a:r>
+              <a:t/>
+            </a:r>
+            <a:endParaRPr/>
+          </a:p>
+        </p:txBody>
+      </p:sp>
+      <p:sp>
+        <p:nvSpPr>
+          <p:cNvPr id="243" name="Shape 243"/>
+          <p:cNvSpPr txBox="1"/>
+          <p:nvPr/>
+        </p:nvSpPr>
+        <p:spPr>
+          <a:xfrm>
+            <a:off y="5528625" x="3944487"/>
+            <a:ext cy="350699" cx="4719900"/>
+          </a:xfrm>
+          <a:prstGeom prst="rect">
+            <a:avLst/>
+          </a:prstGeom>
+          <a:noFill/>
+          <a:ln>
+            <a:noFill/>
+          </a:ln>
+        </p:spPr>
+        <p:txBody>
+          <a:bodyPr bIns="91425" rIns="91425" lIns="91425" tIns="91425" anchor="t" anchorCtr="0">
+            <a:noAutofit/>
+          </a:bodyPr>
+          <a:lstStyle/>
+          <a:p>
+            <a:pPr rtl="0" lvl="0">
+              <a:spcBef>
+                <a:spcPts val="0"/>
+              </a:spcBef>
+              <a:buNone/>
+            </a:pPr>
+            <a:r>
+              <a:rPr sz="1000" lang="en"/>
+              <a:t>Image source: Aaron Wood, Florida Museum of Natural History</a:t>
             </a:r>
           </a:p>
         </p:txBody>
@@ -14065,7 +14538,7 @@
   <p:cSld>
     <p:spTree>
       <p:nvGrpSpPr>
-        <p:cNvPr id="250" name="Shape 250"/>
+        <p:cNvPr id="247" name="Shape 247"/>
         <p:cNvGrpSpPr/>
         <p:nvPr/>
       </p:nvGrpSpPr>
@@ -14079,7 +14552,7 @@
       </p:grpSpPr>
       <p:sp>
         <p:nvSpPr>
-          <p:cNvPr id="251" name="Shape 251"/>
+          <p:cNvPr id="248" name="Shape 248"/>
           <p:cNvSpPr txBox="1"/>
           <p:nvPr>
             <p:ph type="title"/>
@@ -14107,15 +14580,15 @@
               <a:buNone/>
             </a:pPr>
             <a:r>
-              <a:rPr sz="2400" lang="en"/>
-              <a:t>Practical Details</a:t>
+              <a:rPr lang="en"/>
+              <a:t>Darwin Core Archive - Extension to link data between the Occurrence and Audubon Core record</a:t>
             </a:r>
           </a:p>
         </p:txBody>
       </p:sp>
       <p:sp>
         <p:nvSpPr>
-          <p:cNvPr id="252" name="Shape 252"/>
+          <p:cNvPr id="249" name="Shape 249"/>
           <p:cNvSpPr txBox="1"/>
           <p:nvPr>
             <p:ph idx="1" type="body"/>
@@ -14123,12 +14596,21 @@
         </p:nvSpPr>
         <p:spPr>
           <a:xfrm>
-            <a:off y="1709109" x="457200"/>
-            <a:ext cy="4700700" cx="8229600"/>
-          </a:xfrm>
-          <a:prstGeom prst="rect">
-            <a:avLst/>
-          </a:prstGeom>
+            <a:off y="1693650" x="264212"/>
+            <a:ext cy="3470700" cx="4050899"/>
+          </a:xfrm>
+          <a:prstGeom prst="rect">
+            <a:avLst/>
+          </a:prstGeom>
+          <a:ln w="9525" cap="flat">
+            <a:solidFill>
+              <a:srgbClr val="000000"/>
+            </a:solidFill>
+            <a:prstDash val="solid"/>
+            <a:round/>
+            <a:headEnd w="med" len="med" type="none"/>
+            <a:tailEnd w="med" len="med" type="none"/>
+          </a:ln>
         </p:spPr>
         <p:txBody>
           <a:bodyPr bIns="91425" rIns="91425" lIns="91425" tIns="91425" anchor="t" anchorCtr="0">
@@ -14136,214 +14618,431 @@
           </a:bodyPr>
           <a:lstStyle/>
           <a:p>
-            <a:pPr rtl="0" lvl="0">
+            <a:pPr rtl="0" lvl="0" indent="0" marL="0">
+              <a:spcBef>
+                <a:spcPts val="0"/>
+              </a:spcBef>
+              <a:buNone/>
+            </a:pPr>
+            <a:r>
+              <a:rPr b="1" lang="en"/>
+              <a:t>Specimen Data</a:t>
+            </a:r>
+          </a:p>
+          <a:p>
+            <a:pPr rtl="0" lvl="0" indent="0" marL="0">
               <a:spcBef>
                 <a:spcPts val="0"/>
               </a:spcBef>
               <a:buClr>
                 <a:schemeClr val="dk1"/>
               </a:buClr>
-              <a:buSzPct val="61111"/>
+              <a:buSzPct val="78571"/>
               <a:buFont typeface="Arial"/>
               <a:buNone/>
             </a:pPr>
             <a:r>
-              <a:rPr sz="1800" lang="en"/>
-              <a:t>Data Formats</a:t>
-            </a:r>
-          </a:p>
-          <a:p>
-            <a:pPr rtl="0" lvl="0" indent="457200">
+              <a:rPr lang="en"/>
+              <a:t>dwc:occurrenceID:  </a:t>
+            </a:r>
+            <a:r>
+              <a:rPr b="1" lang="en"/>
+              <a:t>3bca767a-5a25-42c0-12...</a:t>
+            </a:r>
+          </a:p>
+          <a:p>
+            <a:pPr rtl="0" lvl="0" indent="0" marL="0">
               <a:spcBef>
                 <a:spcPts val="0"/>
               </a:spcBef>
               <a:buClr>
                 <a:schemeClr val="dk1"/>
               </a:buClr>
-              <a:buSzPct val="61111"/>
               <a:buFont typeface="Arial"/>
               <a:buNone/>
             </a:pPr>
             <a:r>
-              <a:rPr sz="1800" lang="en"/>
-              <a:t>ISO 8601 Dates</a:t>
-            </a:r>
-          </a:p>
-          <a:p>
-            <a:pPr rtl="0" lvl="0" indent="457200">
-              <a:spcBef>
-                <a:spcPts val="0"/>
-              </a:spcBef>
-              <a:buClr>
-                <a:schemeClr val="dk1"/>
-              </a:buClr>
-              <a:buSzPct val="61111"/>
-              <a:buFont typeface="Arial"/>
-              <a:buNone/>
-            </a:pPr>
-            <a:r>
-              <a:rPr sz="1800" lang="en"/>
-              <a:t>WGS84 Decimal Lat/Long</a:t>
-            </a:r>
-          </a:p>
-          <a:p>
-            <a:pPr rtl="0" lvl="0">
-              <a:spcBef>
-                <a:spcPts val="0"/>
-              </a:spcBef>
-              <a:buClr>
-                <a:schemeClr val="dk1"/>
-              </a:buClr>
-              <a:buSzPct val="61111"/>
-              <a:buFont typeface="Arial"/>
-              <a:buNone/>
-            </a:pPr>
-            <a:r>
-              <a:rPr sz="1800" lang="en">
+              <a:t/>
+            </a:r>
+            <a:endParaRPr/>
+          </a:p>
+          <a:p>
+            <a:pPr rtl="0" lvl="0" indent="0" marL="0">
+              <a:spcBef>
+                <a:spcPts val="0"/>
+              </a:spcBef>
+              <a:buNone/>
+            </a:pPr>
+            <a:r>
+              <a:rPr lang="en"/>
+              <a:t>dwc:scientificName: </a:t>
+            </a:r>
+            <a:r>
+              <a:rPr lang="en">
                 <a:solidFill>
                   <a:schemeClr val="dk1"/>
                 </a:solidFill>
               </a:rPr>
-              <a:t>Controlled Vocabularies</a:t>
-            </a:r>
-          </a:p>
-          <a:p>
-            <a:pPr rtl="0" lvl="0" indent="457200">
+              <a:t>Carcharocles </a:t>
+            </a:r>
+            <a:r>
+              <a:rPr lang="en"/>
+              <a:t>megalodon</a:t>
+            </a:r>
+          </a:p>
+          <a:p>
+            <a:pPr rtl="0" lvl="0" indent="0" marL="0">
               <a:spcBef>
                 <a:spcPts val="0"/>
               </a:spcBef>
               <a:buClr>
                 <a:schemeClr val="dk1"/>
               </a:buClr>
-              <a:buSzPct val="61111"/>
+              <a:buSzPct val="78571"/>
               <a:buFont typeface="Arial"/>
               <a:buNone/>
             </a:pPr>
             <a:r>
-              <a:rPr sz="1800" lang="en">
+              <a:rPr lang="en">
                 <a:solidFill>
                   <a:schemeClr val="dk1"/>
                 </a:solidFill>
               </a:rPr>
-              <a:t>ISO Country Names and Codes</a:t>
-            </a:r>
-          </a:p>
-          <a:p>
-            <a:pPr rtl="0" lvl="0" indent="457200">
+              <a:t>dwc:catalogNumber:  UF 105199</a:t>
+            </a:r>
+          </a:p>
+          <a:p>
+            <a:pPr rtl="0" lvl="0" indent="0" marL="0">
               <a:spcBef>
                 <a:spcPts val="0"/>
               </a:spcBef>
               <a:buClr>
                 <a:schemeClr val="dk1"/>
               </a:buClr>
-              <a:buSzPct val="61111"/>
+              <a:buSzPct val="78571"/>
               <a:buFont typeface="Arial"/>
               <a:buNone/>
             </a:pPr>
             <a:r>
-              <a:rPr sz="1800" lang="en">
+              <a:rPr lang="en"/>
+              <a:t>dwc:stateProvince:  Florida</a:t>
+            </a:r>
+          </a:p>
+          <a:p>
+            <a:pPr rtl="0" lvl="0" indent="0" marL="0">
+              <a:spcBef>
+                <a:spcPts val="0"/>
+              </a:spcBef>
+              <a:buClr>
+                <a:schemeClr val="dk1"/>
+              </a:buClr>
+              <a:buSzPct val="78571"/>
+              <a:buFont typeface="Arial"/>
+              <a:buNone/>
+            </a:pPr>
+            <a:r>
+              <a:rPr lang="en"/>
+              <a:t>dwc:county:  Duval</a:t>
+            </a:r>
+          </a:p>
+          <a:p>
+            <a:pPr rtl="0" lvl="0" indent="0" marL="0">
+              <a:spcBef>
+                <a:spcPts val="0"/>
+              </a:spcBef>
+              <a:buClr>
+                <a:schemeClr val="dk1"/>
+              </a:buClr>
+              <a:buSzPct val="78571"/>
+              <a:buFont typeface="Arial"/>
+              <a:buNone/>
+            </a:pPr>
+            <a:r>
+              <a:rPr lang="en"/>
+              <a:t>dwc:latestPeriodOrHighestSystem:  Miocene</a:t>
+            </a:r>
+          </a:p>
+          <a:p>
+            <a:pPr rtl="0" lvl="0" indent="0" marL="0">
+              <a:spcBef>
+                <a:spcPts val="0"/>
+              </a:spcBef>
+              <a:buClr>
+                <a:schemeClr val="dk1"/>
+              </a:buClr>
+              <a:buSzPct val="78571"/>
+              <a:buFont typeface="Arial"/>
+              <a:buNone/>
+            </a:pPr>
+            <a:r>
+              <a:rPr lang="en">
                 <a:solidFill>
                   <a:schemeClr val="dk1"/>
                 </a:solidFill>
               </a:rPr>
-              <a:t>State/Province names</a:t>
-            </a:r>
-          </a:p>
-          <a:p>
-            <a:pPr rtl="0" lvl="0">
+              <a:t>dwc:decimalLatitude:  30.39211</a:t>
+            </a:r>
+          </a:p>
+          <a:p>
+            <a:pPr rtl="0" lvl="0" indent="0" marL="0">
               <a:spcBef>
                 <a:spcPts val="0"/>
               </a:spcBef>
               <a:buClr>
                 <a:schemeClr val="dk1"/>
               </a:buClr>
-              <a:buSzPct val="61111"/>
+              <a:buSzPct val="78571"/>
               <a:buFont typeface="Arial"/>
               <a:buNone/>
             </a:pPr>
             <a:r>
-              <a:rPr sz="1800" lang="en"/>
-              <a:t>Identifier Formats  (UUID, </a:t>
-            </a:r>
-            <a:r>
-              <a:rPr sz="1800" lang="en">
+              <a:rPr lang="en"/>
+              <a:t>...</a:t>
+            </a:r>
+          </a:p>
+        </p:txBody>
+      </p:sp>
+      <p:sp>
+        <p:nvSpPr>
+          <p:cNvPr id="250" name="Shape 250"/>
+          <p:cNvSpPr txBox="1"/>
+          <p:nvPr>
+            <p:ph idx="2" type="body"/>
+          </p:nvPr>
+        </p:nvSpPr>
+        <p:spPr>
+          <a:xfrm>
+            <a:off y="1693650" x="4454487"/>
+            <a:ext cy="3470700" cx="4425300"/>
+          </a:xfrm>
+          <a:prstGeom prst="rect">
+            <a:avLst/>
+          </a:prstGeom>
+          <a:ln w="9525" cap="flat">
+            <a:solidFill>
+              <a:srgbClr val="000000"/>
+            </a:solidFill>
+            <a:prstDash val="solid"/>
+            <a:round/>
+            <a:headEnd w="med" len="med" type="none"/>
+            <a:tailEnd w="med" len="med" type="none"/>
+          </a:ln>
+        </p:spPr>
+        <p:txBody>
+          <a:bodyPr bIns="91425" rIns="91425" lIns="91425" tIns="91425" anchor="t" anchorCtr="0">
+            <a:noAutofit/>
+          </a:bodyPr>
+          <a:lstStyle/>
+          <a:p>
+            <a:pPr rtl="0" indent="0" marL="0">
+              <a:spcBef>
+                <a:spcPts val="0"/>
+              </a:spcBef>
+              <a:buNone/>
+            </a:pPr>
+            <a:r>
+              <a:rPr b="1" lang="en"/>
+              <a:t>Media Data</a:t>
+            </a:r>
+          </a:p>
+          <a:p>
+            <a:pPr rtl="0" indent="0" marL="0">
+              <a:spcBef>
+                <a:spcPts val="0"/>
+              </a:spcBef>
+              <a:buNone/>
+            </a:pPr>
+            <a:r>
+              <a:rPr lang="en"/>
+              <a:t>dcterms:identifier:  </a:t>
+            </a:r>
+            <a:r>
+              <a:rPr lang="en">
                 <a:solidFill>
                   <a:schemeClr val="dk1"/>
                 </a:solidFill>
               </a:rPr>
-              <a:t>ARK, </a:t>
-            </a:r>
-            <a:r>
-              <a:rPr sz="1800" lang="en"/>
-              <a:t>URN, DOI, URI, URL, LSID, ...)</a:t>
-            </a:r>
-          </a:p>
-          <a:p>
-            <a:pPr rtl="0" lvl="0">
-              <a:spcBef>
-                <a:spcPts val="0"/>
-              </a:spcBef>
-              <a:buClr>
-                <a:schemeClr val="dk1"/>
-              </a:buClr>
-              <a:buSzPct val="61111"/>
-              <a:buFont typeface="Arial"/>
-              <a:buNone/>
-            </a:pPr>
-            <a:r>
-              <a:rPr sz="1800" lang="en">
+              <a:t>9a3025b1-f686-4e43-915f-...</a:t>
+            </a:r>
+          </a:p>
+          <a:p>
+            <a:pPr rtl="0" lvl="0" indent="0" marL="0">
+              <a:spcBef>
+                <a:spcPts val="0"/>
+              </a:spcBef>
+              <a:buNone/>
+            </a:pPr>
+            <a:r>
+              <a:rPr lang="en">
                 <a:solidFill>
                   <a:schemeClr val="dk1"/>
                 </a:solidFill>
               </a:rPr>
-              <a:t>Copyright and Standard Licenses</a:t>
-            </a:r>
-          </a:p>
-          <a:p>
-            <a:pPr rtl="0" lvl="0">
-              <a:spcBef>
-                <a:spcPts val="0"/>
-              </a:spcBef>
-              <a:buClr>
-                <a:schemeClr val="dk1"/>
-              </a:buClr>
-              <a:buSzPct val="61111"/>
-              <a:buFont typeface="Arial"/>
-              <a:buNone/>
-            </a:pPr>
-            <a:r>
-              <a:rPr sz="1800" lang="en"/>
-              <a:t>Apple Core guidelines for herbaria</a:t>
-            </a:r>
-          </a:p>
-          <a:p>
-            <a:pPr rtl="0" lvl="0" indent="457200">
-              <a:spcBef>
-                <a:spcPts val="0"/>
-              </a:spcBef>
-              <a:buClr>
-                <a:schemeClr val="dk1"/>
-              </a:buClr>
-              <a:buSzPct val="61111"/>
-              <a:buFont typeface="Arial"/>
-              <a:buNone/>
-            </a:pPr>
-            <a:r>
-              <a:rPr sz="1800" lang="en"/>
-              <a:t>http://code.google.com/p/applecore/wiki/Introduction</a:t>
-            </a:r>
-          </a:p>
-          <a:p>
-            <a:pPr lvl="0">
-              <a:spcBef>
-                <a:spcPts val="0"/>
-              </a:spcBef>
-              <a:buNone/>
-            </a:pPr>
-            <a:r>
-              <a:t/>
-            </a:r>
-            <a:endParaRPr sz="1800"/>
+              <a:t>coreid: </a:t>
+            </a:r>
+            <a:r>
+              <a:rPr b="1" lang="en">
+                <a:solidFill>
+                  <a:schemeClr val="dk1"/>
+                </a:solidFill>
+              </a:rPr>
+              <a:t>3bca767a-5a25-42c0-12...</a:t>
+            </a:r>
+          </a:p>
+          <a:p>
+            <a:pPr rtl="0" indent="0" marL="0">
+              <a:spcBef>
+                <a:spcPts val="0"/>
+              </a:spcBef>
+              <a:buNone/>
+            </a:pPr>
+            <a:r>
+              <a:rPr lang="en"/>
+              <a:t>dwc:scientificName: Carcharocles </a:t>
+            </a:r>
+            <a:r>
+              <a:rPr lang="en">
+                <a:solidFill>
+                  <a:schemeClr val="dk1"/>
+                </a:solidFill>
+              </a:rPr>
+              <a:t>megalodon</a:t>
+            </a:r>
+          </a:p>
+          <a:p>
+            <a:pPr rtl="0" lvl="0" indent="0" marL="0">
+              <a:spcBef>
+                <a:spcPts val="0"/>
+              </a:spcBef>
+              <a:buNone/>
+            </a:pPr>
+            <a:r>
+              <a:rPr lang="en">
+                <a:solidFill>
+                  <a:schemeClr val="dk1"/>
+                </a:solidFill>
+              </a:rPr>
+              <a:t>ac:associatedSpecimenReference: http://museum...</a:t>
+            </a:r>
+          </a:p>
+          <a:p>
+            <a:pPr rtl="0" lvl="0" indent="0" marL="0">
+              <a:spcBef>
+                <a:spcPts val="0"/>
+              </a:spcBef>
+              <a:buNone/>
+            </a:pPr>
+            <a:r>
+              <a:rPr lang="en"/>
+              <a:t>dc:type: image</a:t>
+            </a:r>
+          </a:p>
+          <a:p>
+            <a:pPr rtl="0" lvl="0" indent="0" marL="0">
+              <a:spcBef>
+                <a:spcPts val="0"/>
+              </a:spcBef>
+              <a:buNone/>
+            </a:pPr>
+            <a:r>
+              <a:rPr lang="en"/>
+              <a:t>ac:subtype: </a:t>
+            </a:r>
+            <a:r>
+              <a:rPr lang="en">
+                <a:solidFill>
+                  <a:schemeClr val="dk1"/>
+                </a:solidFill>
+                <a:hlinkClick r:id="rId3"/>
+              </a:rPr>
+              <a:t>http://www.fabbers.com/StL.asp</a:t>
+            </a:r>
+          </a:p>
+          <a:p>
+            <a:pPr rtl="0" lvl="0" indent="0" marL="0">
+              <a:spcBef>
+                <a:spcPts val="0"/>
+              </a:spcBef>
+              <a:buNone/>
+            </a:pPr>
+            <a:r>
+              <a:rPr lang="en">
+                <a:solidFill>
+                  <a:schemeClr val="dk1"/>
+                </a:solidFill>
+              </a:rPr>
+              <a:t>ac:subtypeLiteral: 3dModel</a:t>
+            </a:r>
+          </a:p>
+          <a:p>
+            <a:pPr rtl="0" lvl="0" indent="0" marL="0">
+              <a:spcBef>
+                <a:spcPts val="0"/>
+              </a:spcBef>
+              <a:buNone/>
+            </a:pPr>
+            <a:r>
+              <a:rPr lang="en">
+                <a:solidFill>
+                  <a:schemeClr val="dk1"/>
+                </a:solidFill>
+              </a:rPr>
+              <a:t>ac:tag: tooth</a:t>
+            </a:r>
+          </a:p>
+          <a:p>
+            <a:pPr rtl="0" lvl="0" indent="0" marL="0">
+              <a:spcBef>
+                <a:spcPts val="0"/>
+              </a:spcBef>
+              <a:buNone/>
+            </a:pPr>
+            <a:r>
+              <a:rPr lang="en"/>
+              <a:t>...</a:t>
+            </a:r>
+          </a:p>
+        </p:txBody>
+      </p:sp>
+      <p:sp>
+        <p:nvSpPr>
+          <p:cNvPr id="251" name="Shape 251"/>
+          <p:cNvSpPr txBox="1"/>
+          <p:nvPr/>
+        </p:nvSpPr>
+        <p:spPr>
+          <a:xfrm>
+            <a:off y="5504325" x="355250"/>
+            <a:ext cy="939300" cx="7710900"/>
+          </a:xfrm>
+          <a:prstGeom prst="rect">
+            <a:avLst/>
+          </a:prstGeom>
+          <a:noFill/>
+          <a:ln>
+            <a:noFill/>
+          </a:ln>
+        </p:spPr>
+        <p:txBody>
+          <a:bodyPr bIns="91425" rIns="91425" lIns="91425" tIns="91425" anchor="t" anchorCtr="0">
+            <a:noAutofit/>
+          </a:bodyPr>
+          <a:lstStyle/>
+          <a:p>
+            <a:pPr>
+              <a:spcBef>
+                <a:spcPts val="0"/>
+              </a:spcBef>
+              <a:buNone/>
+            </a:pPr>
+            <a:r>
+              <a:rPr lang="en">
+                <a:solidFill>
+                  <a:schemeClr val="dk1"/>
+                </a:solidFill>
+              </a:rPr>
+              <a:t>In the wild, ac:associatedSpecimenReference tends NOT to provide the bare occurrence id of the related specimen, so instead we use the implicit relationship via coreid in the DwC-A.</a:t>
+            </a:r>
           </a:p>
         </p:txBody>
       </p:sp>
@@ -14363,7 +15062,7 @@
   <p:cSld>
     <p:spTree>
       <p:nvGrpSpPr>
-        <p:cNvPr id="256" name="Shape 256"/>
+        <p:cNvPr id="255" name="Shape 255"/>
         <p:cNvGrpSpPr/>
         <p:nvPr/>
       </p:nvGrpSpPr>
@@ -14375,22 +15074,52 @@
           <a:chExt cy="0" cx="0"/>
         </a:xfrm>
       </p:grpSpPr>
+      <p:pic>
+        <p:nvPicPr>
+          <p:cNvPr id="256" name="Shape 256"/>
+          <p:cNvPicPr preferRelativeResize="0"/>
+          <p:nvPr/>
+        </p:nvPicPr>
+        <p:blipFill>
+          <a:blip r:embed="rId3">
+            <a:alphaModFix/>
+          </a:blip>
+          <a:stretch>
+            <a:fillRect/>
+          </a:stretch>
+        </p:blipFill>
+        <p:spPr>
+          <a:xfrm>
+            <a:off y="745524" x="241100"/>
+            <a:ext cy="2330425" cx="3107225"/>
+          </a:xfrm>
+          <a:prstGeom prst="rect">
+            <a:avLst/>
+          </a:prstGeom>
+          <a:noFill/>
+          <a:ln>
+            <a:noFill/>
+          </a:ln>
+        </p:spPr>
+      </p:pic>
       <p:sp>
         <p:nvSpPr>
           <p:cNvPr id="257" name="Shape 257"/>
           <p:cNvSpPr txBox="1"/>
-          <p:nvPr>
-            <p:ph type="title"/>
-          </p:nvPr>
-        </p:nvSpPr>
-        <p:spPr>
-          <a:xfrm>
-            <a:off y="973137" x="457200"/>
-            <a:ext cy="571500" cx="8229600"/>
-          </a:xfrm>
-          <a:prstGeom prst="rect">
-            <a:avLst/>
-          </a:prstGeom>
+          <p:nvPr/>
+        </p:nvSpPr>
+        <p:spPr>
+          <a:xfrm>
+            <a:off y="3087150" x="241100"/>
+            <a:ext cy="683699" cx="2891099"/>
+          </a:xfrm>
+          <a:prstGeom prst="rect">
+            <a:avLst/>
+          </a:prstGeom>
+          <a:noFill/>
+          <a:ln>
+            <a:noFill/>
+          </a:ln>
         </p:spPr>
         <p:txBody>
           <a:bodyPr bIns="91425" rIns="91425" lIns="91425" tIns="91425" anchor="t" anchorCtr="0">
@@ -14398,15 +15127,15 @@
           </a:bodyPr>
           <a:lstStyle/>
           <a:p>
-            <a:pPr>
-              <a:spcBef>
-                <a:spcPts val="0"/>
-              </a:spcBef>
-              <a:buNone/>
-            </a:pPr>
-            <a:r>
-              <a:rPr sz="2400" lang="en"/>
-              <a:t>Ingestion Process Changes Over the Past Year</a:t>
+            <a:pPr rtl="0" lvl="0">
+              <a:spcBef>
+                <a:spcPts val="0"/>
+              </a:spcBef>
+              <a:buNone/>
+            </a:pPr>
+            <a:r>
+              <a:rPr sz="1000" lang="en"/>
+              <a:t>Image source: http://commons.wikimedia.org/wiki/File:Carcharocles_megalodon_tooth.JPG</a:t>
             </a:r>
           </a:p>
         </p:txBody>
@@ -14415,18 +15144,20 @@
         <p:nvSpPr>
           <p:cNvPr id="258" name="Shape 258"/>
           <p:cNvSpPr txBox="1"/>
-          <p:nvPr>
-            <p:ph idx="1" type="body"/>
-          </p:nvPr>
-        </p:nvSpPr>
-        <p:spPr>
-          <a:xfrm>
-            <a:off y="1709109" x="457200"/>
-            <a:ext cy="4700700" cx="8229600"/>
-          </a:xfrm>
-          <a:prstGeom prst="rect">
-            <a:avLst/>
-          </a:prstGeom>
+          <p:nvPr/>
+        </p:nvSpPr>
+        <p:spPr>
+          <a:xfrm>
+            <a:off y="6075050" x="6040725"/>
+            <a:ext cy="548699" cx="2840099"/>
+          </a:xfrm>
+          <a:prstGeom prst="rect">
+            <a:avLst/>
+          </a:prstGeom>
+          <a:noFill/>
+          <a:ln>
+            <a:noFill/>
+          </a:ln>
         </p:spPr>
         <p:txBody>
           <a:bodyPr bIns="91425" rIns="91425" lIns="91425" tIns="91425" anchor="t" anchorCtr="0">
@@ -14434,96 +15165,125 @@
           </a:bodyPr>
           <a:lstStyle/>
           <a:p>
-            <a:pPr rtl="0" lvl="0" indent="-342900" marL="457200">
-              <a:spcBef>
-                <a:spcPts val="0"/>
-              </a:spcBef>
-              <a:buClr>
-                <a:schemeClr val="dk1"/>
-              </a:buClr>
-              <a:buSzPct val="100000"/>
-              <a:buFont typeface="Helvetica Neue"/>
-              <a:buChar char="●"/>
-            </a:pPr>
-            <a:r>
-              <a:rPr sz="1800" lang="en"/>
-              <a:t>New Staff (Dan Stoner… that’s me!)</a:t>
-            </a:r>
-          </a:p>
-          <a:p>
-            <a:pPr rtl="0" lvl="0" indent="-342900" marL="457200">
-              <a:spcBef>
-                <a:spcPts val="0"/>
-              </a:spcBef>
-              <a:buClr>
-                <a:schemeClr val="dk1"/>
-              </a:buClr>
-              <a:buSzPct val="100000"/>
-              <a:buFont typeface="Helvetica Neue"/>
-              <a:buChar char="●"/>
-            </a:pPr>
-            <a:r>
-              <a:rPr sz="1800" lang="en">
-                <a:solidFill>
-                  <a:schemeClr val="dk1"/>
-                </a:solidFill>
-              </a:rPr>
-              <a:t>Improved parallelization of ingestion tasks</a:t>
-            </a:r>
-          </a:p>
-          <a:p>
-            <a:pPr rtl="0" lvl="0" indent="-342900" marL="457200">
-              <a:spcBef>
-                <a:spcPts val="0"/>
-              </a:spcBef>
-              <a:buClr>
-                <a:schemeClr val="dk1"/>
-              </a:buClr>
-              <a:buSzPct val="100000"/>
-              <a:buFont typeface="Helvetica Neue"/>
-              <a:buChar char="●"/>
-            </a:pPr>
-            <a:r>
-              <a:rPr sz="1800" lang="en"/>
-              <a:t>Incremental Indexing</a:t>
-            </a:r>
-          </a:p>
-          <a:p>
-            <a:pPr rtl="0" lvl="0" indent="-342900" marL="457200">
-              <a:spcBef>
-                <a:spcPts val="0"/>
-              </a:spcBef>
-              <a:buClr>
-                <a:schemeClr val="dk1"/>
-              </a:buClr>
-              <a:buSzPct val="100000"/>
-              <a:buFont typeface="Helvetica Neue"/>
-              <a:buChar char="●"/>
-            </a:pPr>
-            <a:r>
-              <a:rPr sz="1800" lang="en"/>
-              <a:t>Database Tuning</a:t>
-            </a:r>
-          </a:p>
-          <a:p>
-            <a:pPr rtl="0" lvl="0" indent="-342900" marL="457200">
-              <a:spcBef>
-                <a:spcPts val="0"/>
-              </a:spcBef>
-              <a:buClr>
-                <a:schemeClr val="dk1"/>
-              </a:buClr>
-              <a:buSzPct val="100000"/>
-              <a:buFont typeface="Helvetica Neue"/>
-              <a:buChar char="●"/>
-            </a:pPr>
-            <a:r>
-              <a:rPr sz="1800" lang="en"/>
-              <a:t>Ingestion Reporting</a:t>
+            <a:pPr rtl="0">
+              <a:spcBef>
+                <a:spcPts val="0"/>
+              </a:spcBef>
+              <a:buNone/>
+            </a:pPr>
+            <a:r>
+              <a:rPr sz="1000" lang="en"/>
+              <a:t>Image source: Aaron Wood</a:t>
+            </a:r>
+          </a:p>
+          <a:p>
+            <a:pPr rtl="0" lvl="0">
+              <a:spcBef>
+                <a:spcPts val="0"/>
+              </a:spcBef>
+              <a:buNone/>
+            </a:pPr>
+            <a:r>
+              <a:rPr sz="1000" lang="en"/>
+              <a:t>3D Model printing by Robert Burns</a:t>
             </a:r>
           </a:p>
         </p:txBody>
       </p:sp>
+      <p:sp>
+        <p:nvSpPr>
+          <p:cNvPr id="259" name="Shape 259"/>
+          <p:cNvSpPr txBox="1"/>
+          <p:nvPr/>
+        </p:nvSpPr>
+        <p:spPr>
+          <a:xfrm>
+            <a:off y="4658975" x="3208800"/>
+            <a:ext cy="350699" cx="1767600"/>
+          </a:xfrm>
+          <a:prstGeom prst="rect">
+            <a:avLst/>
+          </a:prstGeom>
+          <a:noFill/>
+          <a:ln>
+            <a:noFill/>
+          </a:ln>
+        </p:spPr>
+        <p:txBody>
+          <a:bodyPr bIns="91425" rIns="91425" lIns="91425" tIns="91425" anchor="t" anchorCtr="0">
+            <a:noAutofit/>
+          </a:bodyPr>
+          <a:lstStyle/>
+          <a:p>
+            <a:pPr rtl="0" lvl="0">
+              <a:spcBef>
+                <a:spcPts val="0"/>
+              </a:spcBef>
+              <a:buNone/>
+            </a:pPr>
+            <a:r>
+              <a:rPr sz="1000" lang="en"/>
+              <a:t>Image source: Aaron Wood</a:t>
+            </a:r>
+          </a:p>
+        </p:txBody>
+      </p:sp>
+      <p:pic>
+        <p:nvPicPr>
+          <p:cNvPr id="260" name="Shape 260"/>
+          <p:cNvPicPr preferRelativeResize="0"/>
+          <p:nvPr/>
+        </p:nvPicPr>
+        <p:blipFill>
+          <a:blip r:embed="rId4">
+            <a:alphaModFix/>
+          </a:blip>
+          <a:stretch>
+            <a:fillRect/>
+          </a:stretch>
+        </p:blipFill>
+        <p:spPr>
+          <a:xfrm>
+            <a:off y="2195325" x="3208800"/>
+            <a:ext cy="2463650" cx="3030625"/>
+          </a:xfrm>
+          <a:prstGeom prst="rect">
+            <a:avLst/>
+          </a:prstGeom>
+          <a:noFill/>
+          <a:ln>
+            <a:noFill/>
+          </a:ln>
+        </p:spPr>
+      </p:pic>
+      <p:pic>
+        <p:nvPicPr>
+          <p:cNvPr id="261" name="Shape 261"/>
+          <p:cNvPicPr preferRelativeResize="0"/>
+          <p:nvPr/>
+        </p:nvPicPr>
+        <p:blipFill>
+          <a:blip r:embed="rId5">
+            <a:alphaModFix/>
+          </a:blip>
+          <a:stretch>
+            <a:fillRect/>
+          </a:stretch>
+        </p:blipFill>
+        <p:spPr>
+          <a:xfrm>
+            <a:off y="3868176" x="6040725"/>
+            <a:ext cy="2206872" cx="2891099"/>
+          </a:xfrm>
+          <a:prstGeom prst="rect">
+            <a:avLst/>
+          </a:prstGeom>
+          <a:noFill/>
+          <a:ln>
+            <a:noFill/>
+          </a:ln>
+        </p:spPr>
+      </p:pic>
     </p:spTree>
   </p:cSld>
   <p:clrMapOvr>
@@ -14649,7 +15409,7 @@
   <p:cSld>
     <p:spTree>
       <p:nvGrpSpPr>
-        <p:cNvPr id="262" name="Shape 262"/>
+        <p:cNvPr id="265" name="Shape 265"/>
         <p:cNvGrpSpPr/>
         <p:nvPr/>
       </p:nvGrpSpPr>
@@ -14663,20 +15423,22 @@
       </p:grpSpPr>
       <p:sp>
         <p:nvSpPr>
-          <p:cNvPr id="263" name="Shape 263"/>
+          <p:cNvPr id="266" name="Shape 266"/>
           <p:cNvSpPr txBox="1"/>
-          <p:nvPr>
-            <p:ph type="title"/>
-          </p:nvPr>
-        </p:nvSpPr>
-        <p:spPr>
-          <a:xfrm>
-            <a:off y="775768" x="457200"/>
-            <a:ext cy="864599" cx="8229600"/>
-          </a:xfrm>
-          <a:prstGeom prst="rect">
-            <a:avLst/>
-          </a:prstGeom>
+          <p:nvPr/>
+        </p:nvSpPr>
+        <p:spPr>
+          <a:xfrm>
+            <a:off y="2326900" x="1066200"/>
+            <a:ext cy="3299399" cx="7011599"/>
+          </a:xfrm>
+          <a:prstGeom prst="rect">
+            <a:avLst/>
+          </a:prstGeom>
+          <a:noFill/>
+          <a:ln>
+            <a:noFill/>
+          </a:ln>
         </p:spPr>
         <p:txBody>
           <a:bodyPr bIns="91425" rIns="91425" lIns="91425" tIns="91425" anchor="t" anchorCtr="0">
@@ -14686,13 +15448,199 @@
           <a:p>
             <a:pPr rtl="0" lvl="0">
               <a:spcBef>
-                <a:spcPts val="0"/>
+                <a:spcPts val="440"/>
               </a:spcBef>
               <a:buClr>
                 <a:schemeClr val="dk1"/>
               </a:buClr>
-              <a:buSzPct val="45833"/>
+              <a:buSzPct val="61111"/>
               <a:buFont typeface="Arial"/>
+              <a:buNone/>
+            </a:pPr>
+            <a:r>
+              <a:rPr sz="1800" lang="en">
+                <a:solidFill>
+                  <a:schemeClr val="dk1"/>
+                </a:solidFill>
+              </a:rPr>
+              <a:t>Access URI</a:t>
+            </a:r>
+          </a:p>
+          <a:p>
+            <a:pPr rtl="0" lvl="0">
+              <a:spcBef>
+                <a:spcPts val="440"/>
+              </a:spcBef>
+              <a:buClr>
+                <a:schemeClr val="dk1"/>
+              </a:buClr>
+              <a:buSzPct val="61111"/>
+              <a:buFont typeface="Arial"/>
+              <a:buNone/>
+            </a:pPr>
+            <a:r>
+              <a:rPr sz="1800" lang="en">
+                <a:solidFill>
+                  <a:schemeClr val="dk1"/>
+                </a:solidFill>
+              </a:rPr>
+              <a:t>Rights</a:t>
+            </a:r>
+          </a:p>
+          <a:p>
+            <a:pPr rtl="0" lvl="0">
+              <a:spcBef>
+                <a:spcPts val="440"/>
+              </a:spcBef>
+              <a:buClr>
+                <a:schemeClr val="dk1"/>
+              </a:buClr>
+              <a:buSzPct val="61111"/>
+              <a:buFont typeface="Arial"/>
+              <a:buNone/>
+            </a:pPr>
+            <a:r>
+              <a:rPr sz="1800" lang="en">
+                <a:solidFill>
+                  <a:schemeClr val="dk1"/>
+                </a:solidFill>
+              </a:rPr>
+              <a:t>Provider</a:t>
+            </a:r>
+          </a:p>
+          <a:p>
+            <a:pPr rtl="0" lvl="0">
+              <a:spcBef>
+                <a:spcPts val="440"/>
+              </a:spcBef>
+              <a:buClr>
+                <a:schemeClr val="dk1"/>
+              </a:buClr>
+              <a:buSzPct val="61111"/>
+              <a:buFont typeface="Arial"/>
+              <a:buNone/>
+            </a:pPr>
+            <a:r>
+              <a:rPr sz="1800" lang="en">
+                <a:solidFill>
+                  <a:schemeClr val="dk1"/>
+                </a:solidFill>
+              </a:rPr>
+              <a:t>Scientific name</a:t>
+            </a:r>
+          </a:p>
+          <a:p>
+            <a:pPr rtl="0" lvl="0">
+              <a:spcBef>
+                <a:spcPts val="440"/>
+              </a:spcBef>
+              <a:buClr>
+                <a:schemeClr val="dk1"/>
+              </a:buClr>
+              <a:buSzPct val="61111"/>
+              <a:buFont typeface="Arial"/>
+              <a:buNone/>
+            </a:pPr>
+            <a:r>
+              <a:rPr sz="1800" lang="en">
+                <a:solidFill>
+                  <a:schemeClr val="dk1"/>
+                </a:solidFill>
+              </a:rPr>
+              <a:t>Title</a:t>
+            </a:r>
+          </a:p>
+          <a:p>
+            <a:pPr rtl="0" lvl="0">
+              <a:spcBef>
+                <a:spcPts val="440"/>
+              </a:spcBef>
+              <a:buClr>
+                <a:schemeClr val="dk1"/>
+              </a:buClr>
+              <a:buSzPct val="61111"/>
+              <a:buFont typeface="Arial"/>
+              <a:buNone/>
+            </a:pPr>
+            <a:r>
+              <a:rPr sz="1800" lang="en">
+                <a:solidFill>
+                  <a:schemeClr val="dk1"/>
+                </a:solidFill>
+              </a:rPr>
+              <a:t>Description</a:t>
+            </a:r>
+          </a:p>
+          <a:p>
+            <a:pPr rtl="0" lvl="0">
+              <a:spcBef>
+                <a:spcPts val="440"/>
+              </a:spcBef>
+              <a:buClr>
+                <a:schemeClr val="dk1"/>
+              </a:buClr>
+              <a:buSzPct val="61111"/>
+              <a:buFont typeface="Arial"/>
+              <a:buNone/>
+            </a:pPr>
+            <a:r>
+              <a:rPr sz="1800" lang="en">
+                <a:solidFill>
+                  <a:schemeClr val="dk1"/>
+                </a:solidFill>
+              </a:rPr>
+              <a:t>Tags</a:t>
+            </a:r>
+          </a:p>
+          <a:p>
+            <a:pPr rtl="0" lvl="0">
+              <a:spcBef>
+                <a:spcPts val="440"/>
+              </a:spcBef>
+              <a:buClr>
+                <a:schemeClr val="dk1"/>
+              </a:buClr>
+              <a:buFont typeface="Arial"/>
+              <a:buNone/>
+            </a:pPr>
+            <a:r>
+              <a:t/>
+            </a:r>
+            <a:endParaRPr sz="1800">
+              <a:solidFill>
+                <a:schemeClr val="dk1"/>
+              </a:solidFill>
+            </a:endParaRPr>
+          </a:p>
+        </p:txBody>
+      </p:sp>
+      <p:sp>
+        <p:nvSpPr>
+          <p:cNvPr id="267" name="Shape 267"/>
+          <p:cNvSpPr txBox="1"/>
+          <p:nvPr>
+            <p:ph type="title"/>
+          </p:nvPr>
+        </p:nvSpPr>
+        <p:spPr>
+          <a:xfrm>
+            <a:off y="973113" x="457200"/>
+            <a:ext cy="1136099" cx="8229600"/>
+          </a:xfrm>
+          <a:prstGeom prst="rect">
+            <a:avLst/>
+          </a:prstGeom>
+        </p:spPr>
+        <p:txBody>
+          <a:bodyPr bIns="91425" rIns="91425" lIns="91425" tIns="91425" anchor="t" anchorCtr="0">
+            <a:noAutofit/>
+          </a:bodyPr>
+          <a:lstStyle/>
+          <a:p>
+            <a:pPr>
+              <a:spcBef>
+                <a:spcPts val="0"/>
+              </a:spcBef>
               <a:buNone/>
             </a:pPr>
             <a:r>
@@ -14701,90 +15649,11 @@
                   <a:schemeClr val="dk1"/>
                 </a:solidFill>
               </a:rPr>
-              <a:t>Ingestion Reporting</a:t>
-            </a:r>
-          </a:p>
-          <a:p>
-            <a:pPr rtl="0" lvl="0">
-              <a:spcBef>
-                <a:spcPts val="0"/>
-              </a:spcBef>
-              <a:buClr>
-                <a:schemeClr val="dk1"/>
-              </a:buClr>
-              <a:buSzPct val="45833"/>
-              <a:buFont typeface="Arial"/>
-              <a:buNone/>
-            </a:pPr>
-            <a:r>
-              <a:rPr sz="2400" lang="en">
-                <a:hlinkClick r:id="rId3"/>
-              </a:rPr>
-              <a:t>https://www.idigbio.org/portal/publishers</a:t>
-            </a:r>
-          </a:p>
-          <a:p>
-            <a:pPr rtl="0" lvl="0">
-              <a:spcBef>
-                <a:spcPts val="0"/>
-              </a:spcBef>
-              <a:buClr>
-                <a:schemeClr val="dk1"/>
-              </a:buClr>
-              <a:buFont typeface="Arial"/>
-              <a:buNone/>
-            </a:pPr>
-            <a:r>
-              <a:t/>
-            </a:r>
-            <a:endParaRPr sz="1800">
-              <a:solidFill>
-                <a:schemeClr val="dk1"/>
-              </a:solidFill>
-            </a:endParaRPr>
-          </a:p>
-          <a:p>
-            <a:pPr>
-              <a:spcBef>
-                <a:spcPts val="0"/>
-              </a:spcBef>
-              <a:buNone/>
-            </a:pPr>
-            <a:r>
-              <a:t/>
-            </a:r>
-            <a:endParaRPr/>
+              <a:t>Recommended minimum Audubon Core fields for iDigBio Data Ingestion:</a:t>
+            </a:r>
           </a:p>
         </p:txBody>
       </p:sp>
-      <p:pic>
-        <p:nvPicPr>
-          <p:cNvPr id="264" name="Shape 264"/>
-          <p:cNvPicPr preferRelativeResize="0"/>
-          <p:nvPr/>
-        </p:nvPicPr>
-        <p:blipFill>
-          <a:blip r:embed="rId4">
-            <a:alphaModFix/>
-          </a:blip>
-          <a:stretch>
-            <a:fillRect/>
-          </a:stretch>
-        </p:blipFill>
-        <p:spPr>
-          <a:xfrm>
-            <a:off y="1702025" x="457200"/>
-            <a:ext cy="4830702" cx="8229598"/>
-          </a:xfrm>
-          <a:prstGeom prst="rect">
-            <a:avLst/>
-          </a:prstGeom>
-          <a:noFill/>
-          <a:ln>
-            <a:noFill/>
-          </a:ln>
-        </p:spPr>
-      </p:pic>
     </p:spTree>
   </p:cSld>
   <p:clrMapOvr>
@@ -14801,7 +15670,7 @@
   <p:cSld>
     <p:spTree>
       <p:nvGrpSpPr>
-        <p:cNvPr id="268" name="Shape 268"/>
+        <p:cNvPr id="271" name="Shape 271"/>
         <p:cNvGrpSpPr/>
         <p:nvPr/>
       </p:nvGrpSpPr>
@@ -14815,16 +15684,16 @@
       </p:grpSpPr>
       <p:sp>
         <p:nvSpPr>
-          <p:cNvPr id="269" name="Shape 269"/>
+          <p:cNvPr id="272" name="Shape 272"/>
           <p:cNvSpPr txBox="1"/>
           <p:nvPr>
-            <p:ph idx="1" type="body"/>
+            <p:ph type="title"/>
           </p:nvPr>
         </p:nvSpPr>
         <p:spPr>
           <a:xfrm>
-            <a:off y="1709101" x="457200"/>
-            <a:ext cy="3910500" cx="8229600"/>
+            <a:off y="973137" x="457200"/>
+            <a:ext cy="571500" cx="8229600"/>
           </a:xfrm>
           <a:prstGeom prst="rect">
             <a:avLst/>
@@ -14836,104 +15705,31 @@
           </a:bodyPr>
           <a:lstStyle/>
           <a:p>
-            <a:pPr rtl="0" lvl="0" indent="-342900" marL="457200">
-              <a:spcBef>
-                <a:spcPts val="0"/>
-              </a:spcBef>
-              <a:buClr>
-                <a:schemeClr val="dk1"/>
-              </a:buClr>
-              <a:buSzPct val="100000"/>
-              <a:buFont typeface="Helvetica Neue"/>
-              <a:buChar char="-"/>
-            </a:pPr>
-            <a:r>
-              <a:rPr sz="1800" lang="en"/>
-              <a:t>Parallelize more parts of Ingestion process (such as media processing)</a:t>
-            </a:r>
-          </a:p>
-          <a:p>
-            <a:pPr rtl="0" lvl="0" indent="-342900" marL="457200">
-              <a:spcBef>
-                <a:spcPts val="0"/>
-              </a:spcBef>
-              <a:buClr>
-                <a:schemeClr val="dk1"/>
-              </a:buClr>
-              <a:buSzPct val="100000"/>
-              <a:buFont typeface="Helvetica Neue"/>
-              <a:buChar char="-"/>
-            </a:pPr>
-            <a:r>
-              <a:rPr sz="1800" lang="en"/>
-              <a:t>Support for additional publisher types (beyond IPT, Symbiota, iDigBio RSS Feeder)</a:t>
-            </a:r>
-          </a:p>
-          <a:p>
-            <a:pPr rtl="0" lvl="0" indent="-342900" marL="457200">
-              <a:spcBef>
-                <a:spcPts val="0"/>
-              </a:spcBef>
-              <a:buClr>
-                <a:schemeClr val="dk1"/>
-              </a:buClr>
-              <a:buSzPct val="100000"/>
-              <a:buFont typeface="Helvetica Neue"/>
-              <a:buChar char="-"/>
-            </a:pPr>
-            <a:r>
-              <a:rPr sz="1800" lang="en"/>
-              <a:t>Improved Ingestion logging and error detection</a:t>
-            </a:r>
-          </a:p>
-          <a:p>
-            <a:pPr rtl="0" lvl="0" indent="-342900" marL="457200">
-              <a:spcBef>
-                <a:spcPts val="0"/>
-              </a:spcBef>
-              <a:buClr>
-                <a:schemeClr val="dk1"/>
-              </a:buClr>
-              <a:buSzPct val="100000"/>
-              <a:buFont typeface="Helvetica Neue"/>
-              <a:buChar char="-"/>
-            </a:pPr>
-            <a:r>
-              <a:rPr sz="1800" lang="en"/>
-              <a:t>Support for additional media types (audio, 3D scans, …)</a:t>
-            </a:r>
-          </a:p>
-          <a:p>
-            <a:pPr lvl="0" indent="-342900" marL="457200">
-              <a:spcBef>
-                <a:spcPts val="0"/>
-              </a:spcBef>
-              <a:buClr>
-                <a:schemeClr val="dk1"/>
-              </a:buClr>
-              <a:buSzPct val="100000"/>
-              <a:buFont typeface="Helvetica Neue"/>
-              <a:buChar char="-"/>
-            </a:pPr>
-            <a:r>
-              <a:rPr sz="1800" lang="en"/>
-              <a:t>Data Quality</a:t>
+            <a:pPr>
+              <a:spcBef>
+                <a:spcPts val="0"/>
+              </a:spcBef>
+              <a:buNone/>
+            </a:pPr>
+            <a:r>
+              <a:rPr sz="2400" lang="en"/>
+              <a:t>Practical Details</a:t>
             </a:r>
           </a:p>
         </p:txBody>
       </p:sp>
       <p:sp>
         <p:nvSpPr>
-          <p:cNvPr id="270" name="Shape 270"/>
+          <p:cNvPr id="273" name="Shape 273"/>
           <p:cNvSpPr txBox="1"/>
           <p:nvPr>
-            <p:ph type="title"/>
+            <p:ph idx="1" type="body"/>
           </p:nvPr>
         </p:nvSpPr>
         <p:spPr>
           <a:xfrm>
-            <a:off y="973137" x="457200"/>
-            <a:ext cy="571500" cx="8229600"/>
+            <a:off y="1709109" x="457200"/>
+            <a:ext cy="4700700" cx="8229600"/>
           </a:xfrm>
           <a:prstGeom prst="rect">
             <a:avLst/>
@@ -14949,12 +15745,210 @@
               <a:spcBef>
                 <a:spcPts val="0"/>
               </a:spcBef>
-              <a:buNone/>
-            </a:pPr>
-            <a:r>
-              <a:rPr sz="2400" lang="en"/>
-              <a:t>Planned Future Changes</a:t>
-            </a:r>
+              <a:buClr>
+                <a:schemeClr val="dk1"/>
+              </a:buClr>
+              <a:buSzPct val="61111"/>
+              <a:buFont typeface="Arial"/>
+              <a:buNone/>
+            </a:pPr>
+            <a:r>
+              <a:rPr sz="1800" lang="en"/>
+              <a:t>Data Formats</a:t>
+            </a:r>
+          </a:p>
+          <a:p>
+            <a:pPr rtl="0" lvl="0" indent="457200">
+              <a:spcBef>
+                <a:spcPts val="0"/>
+              </a:spcBef>
+              <a:buClr>
+                <a:schemeClr val="dk1"/>
+              </a:buClr>
+              <a:buSzPct val="61111"/>
+              <a:buFont typeface="Arial"/>
+              <a:buNone/>
+            </a:pPr>
+            <a:r>
+              <a:rPr sz="1800" lang="en"/>
+              <a:t>ISO 8601 Dates</a:t>
+            </a:r>
+          </a:p>
+          <a:p>
+            <a:pPr rtl="0" lvl="0" indent="457200">
+              <a:spcBef>
+                <a:spcPts val="0"/>
+              </a:spcBef>
+              <a:buClr>
+                <a:schemeClr val="dk1"/>
+              </a:buClr>
+              <a:buSzPct val="61111"/>
+              <a:buFont typeface="Arial"/>
+              <a:buNone/>
+            </a:pPr>
+            <a:r>
+              <a:rPr sz="1800" lang="en"/>
+              <a:t>WGS84 Decimal Lat/Long</a:t>
+            </a:r>
+          </a:p>
+          <a:p>
+            <a:pPr rtl="0" lvl="0">
+              <a:spcBef>
+                <a:spcPts val="0"/>
+              </a:spcBef>
+              <a:buClr>
+                <a:schemeClr val="dk1"/>
+              </a:buClr>
+              <a:buSzPct val="61111"/>
+              <a:buFont typeface="Arial"/>
+              <a:buNone/>
+            </a:pPr>
+            <a:r>
+              <a:rPr sz="1800" lang="en">
+                <a:solidFill>
+                  <a:schemeClr val="dk1"/>
+                </a:solidFill>
+              </a:rPr>
+              <a:t>Controlled Vocabularies</a:t>
+            </a:r>
+          </a:p>
+          <a:p>
+            <a:pPr rtl="0" lvl="0" indent="457200">
+              <a:spcBef>
+                <a:spcPts val="0"/>
+              </a:spcBef>
+              <a:buClr>
+                <a:schemeClr val="dk1"/>
+              </a:buClr>
+              <a:buSzPct val="61111"/>
+              <a:buFont typeface="Arial"/>
+              <a:buNone/>
+            </a:pPr>
+            <a:r>
+              <a:rPr sz="1800" lang="en">
+                <a:solidFill>
+                  <a:schemeClr val="dk1"/>
+                </a:solidFill>
+              </a:rPr>
+              <a:t>ISO Country Names and Codes</a:t>
+            </a:r>
+          </a:p>
+          <a:p>
+            <a:pPr rtl="0" lvl="0" indent="457200">
+              <a:spcBef>
+                <a:spcPts val="0"/>
+              </a:spcBef>
+              <a:buClr>
+                <a:schemeClr val="dk1"/>
+              </a:buClr>
+              <a:buSzPct val="61111"/>
+              <a:buFont typeface="Arial"/>
+              <a:buNone/>
+            </a:pPr>
+            <a:r>
+              <a:rPr sz="1800" lang="en">
+                <a:solidFill>
+                  <a:schemeClr val="dk1"/>
+                </a:solidFill>
+              </a:rPr>
+              <a:t>State/Province names</a:t>
+            </a:r>
+          </a:p>
+          <a:p>
+            <a:pPr rtl="0" lvl="0">
+              <a:spcBef>
+                <a:spcPts val="0"/>
+              </a:spcBef>
+              <a:buClr>
+                <a:schemeClr val="dk1"/>
+              </a:buClr>
+              <a:buSzPct val="61111"/>
+              <a:buFont typeface="Arial"/>
+              <a:buNone/>
+            </a:pPr>
+            <a:r>
+              <a:rPr sz="1800" lang="en"/>
+              <a:t>Identifier Formats  (UUID, </a:t>
+            </a:r>
+            <a:r>
+              <a:rPr sz="1800" lang="en">
+                <a:solidFill>
+                  <a:schemeClr val="dk1"/>
+                </a:solidFill>
+              </a:rPr>
+              <a:t>ARK, </a:t>
+            </a:r>
+            <a:r>
+              <a:rPr sz="1800" lang="en"/>
+              <a:t>URN, DOI, URI, URL, LSID, ...)</a:t>
+            </a:r>
+          </a:p>
+          <a:p>
+            <a:pPr rtl="0" lvl="0">
+              <a:spcBef>
+                <a:spcPts val="0"/>
+              </a:spcBef>
+              <a:buClr>
+                <a:schemeClr val="dk1"/>
+              </a:buClr>
+              <a:buSzPct val="61111"/>
+              <a:buFont typeface="Arial"/>
+              <a:buNone/>
+            </a:pPr>
+            <a:r>
+              <a:rPr sz="1800" lang="en">
+                <a:solidFill>
+                  <a:schemeClr val="dk1"/>
+                </a:solidFill>
+              </a:rPr>
+              <a:t>Copyright and Standard Licenses</a:t>
+            </a:r>
+          </a:p>
+          <a:p>
+            <a:pPr rtl="0" lvl="0">
+              <a:spcBef>
+                <a:spcPts val="0"/>
+              </a:spcBef>
+              <a:buClr>
+                <a:schemeClr val="dk1"/>
+              </a:buClr>
+              <a:buSzPct val="61111"/>
+              <a:buFont typeface="Arial"/>
+              <a:buNone/>
+            </a:pPr>
+            <a:r>
+              <a:rPr sz="1800" lang="en"/>
+              <a:t>Apple Core guidelines for herbaria</a:t>
+            </a:r>
+          </a:p>
+          <a:p>
+            <a:pPr rtl="0" lvl="0" indent="457200">
+              <a:spcBef>
+                <a:spcPts val="0"/>
+              </a:spcBef>
+              <a:buClr>
+                <a:schemeClr val="dk1"/>
+              </a:buClr>
+              <a:buSzPct val="61111"/>
+              <a:buFont typeface="Arial"/>
+              <a:buNone/>
+            </a:pPr>
+            <a:r>
+              <a:rPr sz="1800" lang="en"/>
+              <a:t>http://code.google.com/p/applecore/wiki/Introduction</a:t>
+            </a:r>
+          </a:p>
+          <a:p>
+            <a:pPr lvl="0">
+              <a:spcBef>
+                <a:spcPts val="0"/>
+              </a:spcBef>
+              <a:buNone/>
+            </a:pPr>
+            <a:r>
+              <a:t/>
+            </a:r>
+            <a:endParaRPr sz="1800"/>
           </a:p>
         </p:txBody>
       </p:sp>
@@ -14974,7 +15968,7 @@
   <p:cSld>
     <p:spTree>
       <p:nvGrpSpPr>
-        <p:cNvPr id="274" name="Shape 274"/>
+        <p:cNvPr id="277" name="Shape 277"/>
         <p:cNvGrpSpPr/>
         <p:nvPr/>
       </p:nvGrpSpPr>
@@ -14988,22 +15982,20 @@
       </p:grpSpPr>
       <p:sp>
         <p:nvSpPr>
-          <p:cNvPr id="275" name="Shape 275"/>
+          <p:cNvPr id="278" name="Shape 278"/>
           <p:cNvSpPr txBox="1"/>
-          <p:nvPr/>
-        </p:nvSpPr>
-        <p:spPr>
-          <a:xfrm>
-            <a:off y="1436725" x="2624425"/>
-            <a:ext cy="881399" cx="3448199"/>
-          </a:xfrm>
-          <a:prstGeom prst="rect">
-            <a:avLst/>
-          </a:prstGeom>
-          <a:noFill/>
-          <a:ln>
-            <a:noFill/>
-          </a:ln>
+          <p:nvPr>
+            <p:ph type="title"/>
+          </p:nvPr>
+        </p:nvSpPr>
+        <p:spPr>
+          <a:xfrm>
+            <a:off y="973137" x="457200"/>
+            <a:ext cy="571500" cx="8229600"/>
+          </a:xfrm>
+          <a:prstGeom prst="rect">
+            <a:avLst/>
+          </a:prstGeom>
         </p:spPr>
         <p:txBody>
           <a:bodyPr bIns="91425" rIns="91425" lIns="91425" tIns="91425" anchor="t" anchorCtr="0">
@@ -15011,7 +16003,7 @@
           </a:bodyPr>
           <a:lstStyle/>
           <a:p>
-            <a:pPr algn="ctr">
+            <a:pPr>
               <a:spcBef>
                 <a:spcPts val="0"/>
               </a:spcBef>
@@ -15019,7 +16011,120 @@
             </a:pPr>
             <a:r>
               <a:rPr sz="2400" lang="en"/>
-              <a:t>Thank You!</a:t>
+              <a:t>Ingestion Process Changes Over the Past Year</a:t>
+            </a:r>
+          </a:p>
+        </p:txBody>
+      </p:sp>
+      <p:sp>
+        <p:nvSpPr>
+          <p:cNvPr id="279" name="Shape 279"/>
+          <p:cNvSpPr txBox="1"/>
+          <p:nvPr>
+            <p:ph idx="1" type="body"/>
+          </p:nvPr>
+        </p:nvSpPr>
+        <p:spPr>
+          <a:xfrm>
+            <a:off y="1709109" x="457200"/>
+            <a:ext cy="4700700" cx="8229600"/>
+          </a:xfrm>
+          <a:prstGeom prst="rect">
+            <a:avLst/>
+          </a:prstGeom>
+        </p:spPr>
+        <p:txBody>
+          <a:bodyPr bIns="91425" rIns="91425" lIns="91425" tIns="91425" anchor="t" anchorCtr="0">
+            <a:noAutofit/>
+          </a:bodyPr>
+          <a:lstStyle/>
+          <a:p>
+            <a:pPr rtl="0" lvl="0" indent="-342900" marL="457200">
+              <a:spcBef>
+                <a:spcPts val="0"/>
+              </a:spcBef>
+              <a:buClr>
+                <a:schemeClr val="dk1"/>
+              </a:buClr>
+              <a:buSzPct val="100000"/>
+              <a:buFont typeface="Helvetica Neue"/>
+              <a:buChar char="●"/>
+            </a:pPr>
+            <a:r>
+              <a:rPr sz="1800" lang="en"/>
+              <a:t>New Staff (Dan Stoner… that’s me!)</a:t>
+            </a:r>
+          </a:p>
+          <a:p>
+            <a:pPr rtl="0" lvl="0" indent="-342900" marL="457200">
+              <a:spcBef>
+                <a:spcPts val="0"/>
+              </a:spcBef>
+              <a:buClr>
+                <a:schemeClr val="dk1"/>
+              </a:buClr>
+              <a:buSzPct val="100000"/>
+              <a:buFont typeface="Helvetica Neue"/>
+              <a:buChar char="●"/>
+            </a:pPr>
+            <a:r>
+              <a:rPr sz="1800" lang="en">
+                <a:solidFill>
+                  <a:schemeClr val="dk1"/>
+                </a:solidFill>
+              </a:rPr>
+              <a:t>Improved parallelization of ingestion tasks</a:t>
+            </a:r>
+          </a:p>
+          <a:p>
+            <a:pPr rtl="0" lvl="0" indent="-342900" marL="457200">
+              <a:spcBef>
+                <a:spcPts val="0"/>
+              </a:spcBef>
+              <a:buClr>
+                <a:schemeClr val="dk1"/>
+              </a:buClr>
+              <a:buSzPct val="100000"/>
+              <a:buFont typeface="Helvetica Neue"/>
+              <a:buChar char="●"/>
+            </a:pPr>
+            <a:r>
+              <a:rPr sz="1800" lang="en"/>
+              <a:t>Incremental Indexing</a:t>
+            </a:r>
+          </a:p>
+          <a:p>
+            <a:pPr rtl="0" lvl="0" indent="-342900" marL="457200">
+              <a:spcBef>
+                <a:spcPts val="0"/>
+              </a:spcBef>
+              <a:buClr>
+                <a:schemeClr val="dk1"/>
+              </a:buClr>
+              <a:buSzPct val="100000"/>
+              <a:buFont typeface="Helvetica Neue"/>
+              <a:buChar char="●"/>
+            </a:pPr>
+            <a:r>
+              <a:rPr sz="1800" lang="en"/>
+              <a:t>Database Tuning</a:t>
+            </a:r>
+          </a:p>
+          <a:p>
+            <a:pPr rtl="0" lvl="0" indent="-342900" marL="457200">
+              <a:spcBef>
+                <a:spcPts val="0"/>
+              </a:spcBef>
+              <a:buClr>
+                <a:schemeClr val="dk1"/>
+              </a:buClr>
+              <a:buSzPct val="100000"/>
+              <a:buFont typeface="Helvetica Neue"/>
+              <a:buChar char="●"/>
+            </a:pPr>
+            <a:r>
+              <a:rPr sz="1800" lang="en"/>
+              <a:t>Ingestion Reporting</a:t>
             </a:r>
           </a:p>
         </p:txBody>
@@ -15040,7 +16145,7 @@
   <p:cSld>
     <p:spTree>
       <p:nvGrpSpPr>
-        <p:cNvPr id="279" name="Shape 279"/>
+        <p:cNvPr id="283" name="Shape 283"/>
         <p:cNvGrpSpPr/>
         <p:nvPr/>
       </p:nvGrpSpPr>
@@ -15054,7 +16159,398 @@
       </p:grpSpPr>
       <p:sp>
         <p:nvSpPr>
-          <p:cNvPr id="280" name="Shape 280"/>
+          <p:cNvPr id="284" name="Shape 284"/>
+          <p:cNvSpPr txBox="1"/>
+          <p:nvPr>
+            <p:ph type="title"/>
+          </p:nvPr>
+        </p:nvSpPr>
+        <p:spPr>
+          <a:xfrm>
+            <a:off y="775768" x="457200"/>
+            <a:ext cy="864599" cx="8229600"/>
+          </a:xfrm>
+          <a:prstGeom prst="rect">
+            <a:avLst/>
+          </a:prstGeom>
+        </p:spPr>
+        <p:txBody>
+          <a:bodyPr bIns="91425" rIns="91425" lIns="91425" tIns="91425" anchor="t" anchorCtr="0">
+            <a:noAutofit/>
+          </a:bodyPr>
+          <a:lstStyle/>
+          <a:p>
+            <a:pPr rtl="0" lvl="0">
+              <a:spcBef>
+                <a:spcPts val="0"/>
+              </a:spcBef>
+              <a:buClr>
+                <a:schemeClr val="dk1"/>
+              </a:buClr>
+              <a:buSzPct val="45833"/>
+              <a:buFont typeface="Arial"/>
+              <a:buNone/>
+            </a:pPr>
+            <a:r>
+              <a:rPr sz="2400" lang="en">
+                <a:solidFill>
+                  <a:schemeClr val="dk1"/>
+                </a:solidFill>
+              </a:rPr>
+              <a:t>Ingestion Reporting</a:t>
+            </a:r>
+          </a:p>
+          <a:p>
+            <a:pPr rtl="0" lvl="0">
+              <a:spcBef>
+                <a:spcPts val="0"/>
+              </a:spcBef>
+              <a:buClr>
+                <a:schemeClr val="dk1"/>
+              </a:buClr>
+              <a:buSzPct val="45833"/>
+              <a:buFont typeface="Arial"/>
+              <a:buNone/>
+            </a:pPr>
+            <a:r>
+              <a:rPr sz="2400" lang="en">
+                <a:hlinkClick r:id="rId3"/>
+              </a:rPr>
+              <a:t>https://www.idigbio.org/portal/publishers</a:t>
+            </a:r>
+          </a:p>
+          <a:p>
+            <a:pPr rtl="0" lvl="0">
+              <a:spcBef>
+                <a:spcPts val="0"/>
+              </a:spcBef>
+              <a:buClr>
+                <a:schemeClr val="dk1"/>
+              </a:buClr>
+              <a:buFont typeface="Arial"/>
+              <a:buNone/>
+            </a:pPr>
+            <a:r>
+              <a:t/>
+            </a:r>
+            <a:endParaRPr sz="1800">
+              <a:solidFill>
+                <a:schemeClr val="dk1"/>
+              </a:solidFill>
+            </a:endParaRPr>
+          </a:p>
+          <a:p>
+            <a:pPr>
+              <a:spcBef>
+                <a:spcPts val="0"/>
+              </a:spcBef>
+              <a:buNone/>
+            </a:pPr>
+            <a:r>
+              <a:t/>
+            </a:r>
+            <a:endParaRPr/>
+          </a:p>
+        </p:txBody>
+      </p:sp>
+      <p:pic>
+        <p:nvPicPr>
+          <p:cNvPr id="285" name="Shape 285"/>
+          <p:cNvPicPr preferRelativeResize="0"/>
+          <p:nvPr/>
+        </p:nvPicPr>
+        <p:blipFill>
+          <a:blip r:embed="rId4">
+            <a:alphaModFix/>
+          </a:blip>
+          <a:stretch>
+            <a:fillRect/>
+          </a:stretch>
+        </p:blipFill>
+        <p:spPr>
+          <a:xfrm>
+            <a:off y="1702025" x="457200"/>
+            <a:ext cy="4830702" cx="8229598"/>
+          </a:xfrm>
+          <a:prstGeom prst="rect">
+            <a:avLst/>
+          </a:prstGeom>
+          <a:noFill/>
+          <a:ln>
+            <a:noFill/>
+          </a:ln>
+        </p:spPr>
+      </p:pic>
+    </p:spTree>
+  </p:cSld>
+  <p:clrMapOvr>
+    <a:masterClrMapping/>
+  </p:clrMapOvr>
+  <p:transition spd="slow">
+    <p:cut/>
+  </p:transition>
+</p:sld>
+</file>
+
+<file path=ppt/slides/slide24.xml><?xml version="1.0" encoding="utf-8"?>
+<p:sld xmlns:a="http://schemas.openxmlformats.org/drawingml/2006/main" xmlns:r="http://schemas.openxmlformats.org/officeDocument/2006/relationships" xmlns:mc="http://schemas.openxmlformats.org/markup-compatibility/2006" xmlns:mv="urn:schemas-microsoft-com:mac:vml" xmlns:p="http://schemas.openxmlformats.org/presentationml/2006/main" xmlns:c="http://schemas.openxmlformats.org/drawingml/2006/chart" xmlns:dgm="http://schemas.openxmlformats.org/drawingml/2006/diagram" xmlns:o="urn:schemas-microsoft-com:office:office" xmlns:v="urn:schemas-microsoft-com:vml" xmlns:pvml="urn:schemas-microsoft-com:office:powerpoint" xmlns:com="http://schemas.openxmlformats.org/drawingml/2006/compatibility" xmlns:p14="http://schemas.microsoft.com/office/powerpoint/2010/main">
+  <p:cSld>
+    <p:spTree>
+      <p:nvGrpSpPr>
+        <p:cNvPr id="289" name="Shape 289"/>
+        <p:cNvGrpSpPr/>
+        <p:nvPr/>
+      </p:nvGrpSpPr>
+      <p:grpSpPr>
+        <a:xfrm>
+          <a:off y="0" x="0"/>
+          <a:ext cy="0" cx="0"/>
+          <a:chOff y="0" x="0"/>
+          <a:chExt cy="0" cx="0"/>
+        </a:xfrm>
+      </p:grpSpPr>
+      <p:sp>
+        <p:nvSpPr>
+          <p:cNvPr id="290" name="Shape 290"/>
+          <p:cNvSpPr txBox="1"/>
+          <p:nvPr>
+            <p:ph idx="1" type="body"/>
+          </p:nvPr>
+        </p:nvSpPr>
+        <p:spPr>
+          <a:xfrm>
+            <a:off y="1709101" x="457200"/>
+            <a:ext cy="3910500" cx="8229600"/>
+          </a:xfrm>
+          <a:prstGeom prst="rect">
+            <a:avLst/>
+          </a:prstGeom>
+        </p:spPr>
+        <p:txBody>
+          <a:bodyPr bIns="91425" rIns="91425" lIns="91425" tIns="91425" anchor="t" anchorCtr="0">
+            <a:noAutofit/>
+          </a:bodyPr>
+          <a:lstStyle/>
+          <a:p>
+            <a:pPr rtl="0" lvl="0" indent="-342900" marL="457200">
+              <a:spcBef>
+                <a:spcPts val="0"/>
+              </a:spcBef>
+              <a:buClr>
+                <a:schemeClr val="dk1"/>
+              </a:buClr>
+              <a:buSzPct val="100000"/>
+              <a:buFont typeface="Helvetica Neue"/>
+              <a:buChar char="-"/>
+            </a:pPr>
+            <a:r>
+              <a:rPr sz="1800" lang="en"/>
+              <a:t>Parallelize more parts of Ingestion process (such as media processing)</a:t>
+            </a:r>
+          </a:p>
+          <a:p>
+            <a:pPr rtl="0" lvl="0" indent="-342900" marL="457200">
+              <a:spcBef>
+                <a:spcPts val="0"/>
+              </a:spcBef>
+              <a:buClr>
+                <a:schemeClr val="dk1"/>
+              </a:buClr>
+              <a:buSzPct val="100000"/>
+              <a:buFont typeface="Helvetica Neue"/>
+              <a:buChar char="-"/>
+            </a:pPr>
+            <a:r>
+              <a:rPr sz="1800" lang="en"/>
+              <a:t>Support for additional publisher types (beyond IPT, Symbiota, iDigBio RSS Feeder)</a:t>
+            </a:r>
+          </a:p>
+          <a:p>
+            <a:pPr rtl="0" lvl="0" indent="-342900" marL="457200">
+              <a:spcBef>
+                <a:spcPts val="0"/>
+              </a:spcBef>
+              <a:buClr>
+                <a:schemeClr val="dk1"/>
+              </a:buClr>
+              <a:buSzPct val="100000"/>
+              <a:buFont typeface="Helvetica Neue"/>
+              <a:buChar char="-"/>
+            </a:pPr>
+            <a:r>
+              <a:rPr sz="1800" lang="en"/>
+              <a:t>Improved Ingestion logging and error detection</a:t>
+            </a:r>
+          </a:p>
+          <a:p>
+            <a:pPr rtl="0" lvl="0" indent="-342900" marL="457200">
+              <a:spcBef>
+                <a:spcPts val="0"/>
+              </a:spcBef>
+              <a:buClr>
+                <a:schemeClr val="dk1"/>
+              </a:buClr>
+              <a:buSzPct val="100000"/>
+              <a:buFont typeface="Helvetica Neue"/>
+              <a:buChar char="-"/>
+            </a:pPr>
+            <a:r>
+              <a:rPr sz="1800" lang="en"/>
+              <a:t>Support for additional media types (audio, 3D scans, …)</a:t>
+            </a:r>
+          </a:p>
+          <a:p>
+            <a:pPr lvl="0" indent="-342900" marL="457200">
+              <a:spcBef>
+                <a:spcPts val="0"/>
+              </a:spcBef>
+              <a:buClr>
+                <a:schemeClr val="dk1"/>
+              </a:buClr>
+              <a:buSzPct val="100000"/>
+              <a:buFont typeface="Helvetica Neue"/>
+              <a:buChar char="-"/>
+            </a:pPr>
+            <a:r>
+              <a:rPr sz="1800" lang="en"/>
+              <a:t>Data Quality</a:t>
+            </a:r>
+          </a:p>
+        </p:txBody>
+      </p:sp>
+      <p:sp>
+        <p:nvSpPr>
+          <p:cNvPr id="291" name="Shape 291"/>
+          <p:cNvSpPr txBox="1"/>
+          <p:nvPr>
+            <p:ph type="title"/>
+          </p:nvPr>
+        </p:nvSpPr>
+        <p:spPr>
+          <a:xfrm>
+            <a:off y="973137" x="457200"/>
+            <a:ext cy="571500" cx="8229600"/>
+          </a:xfrm>
+          <a:prstGeom prst="rect">
+            <a:avLst/>
+          </a:prstGeom>
+        </p:spPr>
+        <p:txBody>
+          <a:bodyPr bIns="91425" rIns="91425" lIns="91425" tIns="91425" anchor="t" anchorCtr="0">
+            <a:noAutofit/>
+          </a:bodyPr>
+          <a:lstStyle/>
+          <a:p>
+            <a:pPr rtl="0" lvl="0">
+              <a:spcBef>
+                <a:spcPts val="0"/>
+              </a:spcBef>
+              <a:buNone/>
+            </a:pPr>
+            <a:r>
+              <a:rPr sz="2400" lang="en"/>
+              <a:t>Planned Future Changes</a:t>
+            </a:r>
+          </a:p>
+        </p:txBody>
+      </p:sp>
+    </p:spTree>
+  </p:cSld>
+  <p:clrMapOvr>
+    <a:masterClrMapping/>
+  </p:clrMapOvr>
+  <p:transition spd="slow">
+    <p:cut/>
+  </p:transition>
+</p:sld>
+</file>
+
+<file path=ppt/slides/slide25.xml><?xml version="1.0" encoding="utf-8"?>
+<p:sld xmlns:a="http://schemas.openxmlformats.org/drawingml/2006/main" xmlns:r="http://schemas.openxmlformats.org/officeDocument/2006/relationships" xmlns:mc="http://schemas.openxmlformats.org/markup-compatibility/2006" xmlns:mv="urn:schemas-microsoft-com:mac:vml" xmlns:p="http://schemas.openxmlformats.org/presentationml/2006/main" xmlns:c="http://schemas.openxmlformats.org/drawingml/2006/chart" xmlns:dgm="http://schemas.openxmlformats.org/drawingml/2006/diagram" xmlns:o="urn:schemas-microsoft-com:office:office" xmlns:v="urn:schemas-microsoft-com:vml" xmlns:pvml="urn:schemas-microsoft-com:office:powerpoint" xmlns:com="http://schemas.openxmlformats.org/drawingml/2006/compatibility" xmlns:p14="http://schemas.microsoft.com/office/powerpoint/2010/main">
+  <p:cSld>
+    <p:spTree>
+      <p:nvGrpSpPr>
+        <p:cNvPr id="295" name="Shape 295"/>
+        <p:cNvGrpSpPr/>
+        <p:nvPr/>
+      </p:nvGrpSpPr>
+      <p:grpSpPr>
+        <a:xfrm>
+          <a:off y="0" x="0"/>
+          <a:ext cy="0" cx="0"/>
+          <a:chOff y="0" x="0"/>
+          <a:chExt cy="0" cx="0"/>
+        </a:xfrm>
+      </p:grpSpPr>
+      <p:sp>
+        <p:nvSpPr>
+          <p:cNvPr id="296" name="Shape 296"/>
+          <p:cNvSpPr txBox="1"/>
+          <p:nvPr/>
+        </p:nvSpPr>
+        <p:spPr>
+          <a:xfrm>
+            <a:off y="1436725" x="2624425"/>
+            <a:ext cy="881399" cx="3448199"/>
+          </a:xfrm>
+          <a:prstGeom prst="rect">
+            <a:avLst/>
+          </a:prstGeom>
+          <a:noFill/>
+          <a:ln>
+            <a:noFill/>
+          </a:ln>
+        </p:spPr>
+        <p:txBody>
+          <a:bodyPr bIns="91425" rIns="91425" lIns="91425" tIns="91425" anchor="t" anchorCtr="0">
+            <a:noAutofit/>
+          </a:bodyPr>
+          <a:lstStyle/>
+          <a:p>
+            <a:pPr algn="ctr">
+              <a:spcBef>
+                <a:spcPts val="0"/>
+              </a:spcBef>
+              <a:buNone/>
+            </a:pPr>
+            <a:r>
+              <a:rPr sz="2400" lang="en"/>
+              <a:t>Thank You!</a:t>
+            </a:r>
+          </a:p>
+        </p:txBody>
+      </p:sp>
+    </p:spTree>
+  </p:cSld>
+  <p:clrMapOvr>
+    <a:masterClrMapping/>
+  </p:clrMapOvr>
+  <p:transition spd="slow">
+    <p:cut/>
+  </p:transition>
+</p:sld>
+</file>
+
+<file path=ppt/slides/slide26.xml><?xml version="1.0" encoding="utf-8"?>
+<p:sld xmlns:a="http://schemas.openxmlformats.org/drawingml/2006/main" xmlns:r="http://schemas.openxmlformats.org/officeDocument/2006/relationships" xmlns:mc="http://schemas.openxmlformats.org/markup-compatibility/2006" xmlns:mv="urn:schemas-microsoft-com:mac:vml" xmlns:p="http://schemas.openxmlformats.org/presentationml/2006/main" xmlns:c="http://schemas.openxmlformats.org/drawingml/2006/chart" xmlns:dgm="http://schemas.openxmlformats.org/drawingml/2006/diagram" xmlns:o="urn:schemas-microsoft-com:office:office" xmlns:v="urn:schemas-microsoft-com:vml" xmlns:pvml="urn:schemas-microsoft-com:office:powerpoint" xmlns:com="http://schemas.openxmlformats.org/drawingml/2006/compatibility" xmlns:p14="http://schemas.microsoft.com/office/powerpoint/2010/main">
+  <p:cSld>
+    <p:spTree>
+      <p:nvGrpSpPr>
+        <p:cNvPr id="300" name="Shape 300"/>
+        <p:cNvGrpSpPr/>
+        <p:nvPr/>
+      </p:nvGrpSpPr>
+      <p:grpSpPr>
+        <a:xfrm>
+          <a:off y="0" x="0"/>
+          <a:ext cy="0" cx="0"/>
+          <a:chOff y="0" x="0"/>
+          <a:chExt cy="0" cx="0"/>
+        </a:xfrm>
+      </p:grpSpPr>
+      <p:sp>
+        <p:nvSpPr>
+          <p:cNvPr id="301" name="Shape 301"/>
           <p:cNvSpPr txBox="1"/>
           <p:nvPr>
             <p:ph type="title"/>
@@ -15391,7 +16887,7 @@
             </a:pPr>
             <a:r>
               <a:rPr sz="1800" lang="en"/>
-              <a:t>23.9 million specimen records</a:t>
+              <a:t>24 million specimen records</a:t>
             </a:r>
           </a:p>
           <a:p>
@@ -15669,19 +17165,28 @@
               <a:spcBef>
                 <a:spcPts val="0"/>
               </a:spcBef>
-              <a:buNone/>
-            </a:pPr>
-            <a:r>
-              <a:rPr sz="2800" lang="en">
-                <a:solidFill>
-                  <a:schemeClr val="dk1"/>
-                </a:solidFill>
-                <a:latin typeface="Calibri"/>
-                <a:ea typeface="Calibri"/>
-                <a:cs typeface="Calibri"/>
-                <a:sym typeface="Calibri"/>
-              </a:rPr>
-              <a:t>Three types of data publishing technologies currently being consumed by iDigBio:</a:t>
+              <a:buClr>
+                <a:schemeClr val="dk1"/>
+              </a:buClr>
+              <a:buSzPct val="45833"/>
+              <a:buFont typeface="Arial"/>
+              <a:buNone/>
+            </a:pPr>
+            <a:r>
+              <a:rPr sz="2400" lang="en"/>
+              <a:t>Darwin Core Archive / DwC-A</a:t>
+            </a:r>
+          </a:p>
+          <a:p>
+            <a:pPr lvl="0">
+              <a:spcBef>
+                <a:spcPts val="0"/>
+              </a:spcBef>
+              <a:buNone/>
+            </a:pPr>
+            <a:r>
+              <a:rPr sz="2400" lang="en"/>
+              <a:t>http://rs.tdwg.org/dwc/terms/guides/text/</a:t>
             </a:r>
           </a:p>
         </p:txBody>
@@ -15696,8 +17201,8 @@
         </p:nvSpPr>
         <p:spPr>
           <a:xfrm>
-            <a:off y="2109200" x="457200"/>
-            <a:ext cy="4300500" cx="8229600"/>
+            <a:off y="2054675" x="457200"/>
+            <a:ext cy="4355099" cx="8229600"/>
           </a:xfrm>
           <a:prstGeom prst="rect">
             <a:avLst/>
@@ -15709,171 +17214,56 @@
           </a:bodyPr>
           <a:lstStyle/>
           <a:p>
-            <a:pPr rtl="0" lvl="0">
-              <a:spcBef>
-                <a:spcPts val="0"/>
-              </a:spcBef>
-              <a:buNone/>
-            </a:pPr>
-            <a:r>
-              <a:rPr b="1" sz="2400" lang="en">
+            <a:pPr lvl="0">
+              <a:spcBef>
+                <a:spcPts val="0"/>
+              </a:spcBef>
+              <a:buClr>
+                <a:schemeClr val="dk1"/>
+              </a:buClr>
+              <a:buSzPct val="61111"/>
+              <a:buFont typeface="Arial"/>
+              <a:buNone/>
+            </a:pPr>
+            <a:r>
+              <a:rPr sz="1800" lang="en">
                 <a:solidFill>
                   <a:schemeClr val="dk1"/>
                 </a:solidFill>
               </a:rPr>
-              <a:t>GBIF Integrated Publishing Toolkit (IPT)</a:t>
-            </a:r>
-            <a:r>
-              <a:rPr sz="2400" lang="en">
-                <a:solidFill>
-                  <a:schemeClr val="dk1"/>
-                </a:solidFill>
-              </a:rPr>
-              <a:t> - a Java tool used to publish and share biodiversity datasets</a:t>
-            </a:r>
-          </a:p>
-          <a:p>
-            <a:pPr rtl="0" lvl="0" indent="0">
-              <a:spcBef>
-                <a:spcPts val="0"/>
-              </a:spcBef>
-              <a:buClr>
-                <a:schemeClr val="dk1"/>
-              </a:buClr>
-              <a:buSzPct val="25000"/>
-              <a:buFont typeface="Arial"/>
-              <a:buChar char="l"/>
-            </a:pPr>
-            <a:r>
-              <a:rPr sz="2400" lang="en">
-                <a:solidFill>
-                  <a:schemeClr val="dk1"/>
-                </a:solidFill>
-                <a:hlinkClick r:id="rId3"/>
-              </a:rPr>
-              <a:t>http://www.gbif.org/ipt</a:t>
-            </a:r>
-            <a:r>
-              <a:rPr sz="2400" lang="en">
-                <a:solidFill>
-                  <a:schemeClr val="dk1"/>
-                </a:solidFill>
-              </a:rPr>
-              <a:t>/</a:t>
-            </a:r>
-          </a:p>
-          <a:p>
-            <a:pPr rtl="0" lvl="0" indent="28575">
-              <a:spcBef>
-                <a:spcPts val="0"/>
-              </a:spcBef>
-              <a:buClr>
-                <a:schemeClr val="dk1"/>
-              </a:buClr>
-              <a:buFont typeface="Arial"/>
-              <a:buNone/>
-            </a:pPr>
-            <a:r>
-              <a:t/>
-            </a:r>
-            <a:endParaRPr sz="1800">
-              <a:solidFill>
-                <a:schemeClr val="dk1"/>
-              </a:solidFill>
-            </a:endParaRPr>
-          </a:p>
-          <a:p>
-            <a:pPr rtl="0" lvl="0">
-              <a:spcBef>
-                <a:spcPts val="0"/>
-              </a:spcBef>
-              <a:buNone/>
-            </a:pPr>
-            <a:r>
-              <a:rPr b="1" sz="2400" lang="en">
-                <a:solidFill>
-                  <a:schemeClr val="dk1"/>
-                </a:solidFill>
-              </a:rPr>
-              <a:t>Symbiota </a:t>
-            </a:r>
-            <a:r>
-              <a:rPr sz="2400" lang="en">
-                <a:solidFill>
-                  <a:schemeClr val="dk1"/>
-                </a:solidFill>
-              </a:rPr>
-              <a:t>– web-based collection management software</a:t>
-            </a:r>
-          </a:p>
-          <a:p>
-            <a:pPr rtl="0" lvl="0" indent="0">
-              <a:spcBef>
-                <a:spcPts val="0"/>
-              </a:spcBef>
-              <a:buClr>
-                <a:schemeClr val="dk1"/>
-              </a:buClr>
-              <a:buSzPct val="25000"/>
-              <a:buFont typeface="Arial"/>
-              <a:buChar char="l"/>
-            </a:pPr>
-            <a:r>
-              <a:rPr sz="2400" lang="en">
-                <a:solidFill>
-                  <a:schemeClr val="dk1"/>
-                </a:solidFill>
-                <a:hlinkClick r:id="rId4"/>
-              </a:rPr>
-              <a:t>http://symbiota.org/</a:t>
-            </a:r>
-          </a:p>
-          <a:p>
-            <a:pPr rtl="0" lvl="0" indent="0">
-              <a:spcBef>
-                <a:spcPts val="0"/>
-              </a:spcBef>
-              <a:buClr>
-                <a:schemeClr val="dk1"/>
-              </a:buClr>
-              <a:buFont typeface="Arial"/>
-              <a:buChar char="l"/>
-            </a:pPr>
-            <a:r>
-              <a:t/>
-            </a:r>
-            <a:endParaRPr sz="1800">
-              <a:solidFill>
-                <a:schemeClr val="dk1"/>
-              </a:solidFill>
-            </a:endParaRPr>
-          </a:p>
-          <a:p>
-            <a:pPr rtl="0" lvl="0">
-              <a:spcBef>
-                <a:spcPts val="0"/>
-              </a:spcBef>
-              <a:buNone/>
-            </a:pPr>
-            <a:r>
-              <a:rPr b="1" sz="2400" lang="en">
-                <a:solidFill>
-                  <a:schemeClr val="dk1"/>
-                </a:solidFill>
-              </a:rPr>
-              <a:t>iDigBio RSS Feeder</a:t>
-            </a:r>
-            <a:r>
-              <a:rPr sz="2400" lang="en">
-                <a:solidFill>
-                  <a:schemeClr val="dk1"/>
-                </a:solidFill>
-              </a:rPr>
-              <a:t> – data sharing service for providers who do not run infrastructure</a:t>
+              <a:t>A Darwin Core Archive is a zip file that includes metadata about the dataset, the data itself, and any optional extension data.</a:t>
             </a:r>
           </a:p>
         </p:txBody>
       </p:sp>
+      <p:pic>
+        <p:nvPicPr>
+          <p:cNvPr id="183" name="Shape 183"/>
+          <p:cNvPicPr preferRelativeResize="0"/>
+          <p:nvPr/>
+        </p:nvPicPr>
+        <p:blipFill>
+          <a:blip r:embed="rId3">
+            <a:alphaModFix/>
+          </a:blip>
+          <a:stretch>
+            <a:fillRect/>
+          </a:stretch>
+        </p:blipFill>
+        <p:spPr>
+          <a:xfrm>
+            <a:off y="3085650" x="986610"/>
+            <a:ext cy="2605299" cx="7170777"/>
+          </a:xfrm>
+          <a:prstGeom prst="rect">
+            <a:avLst/>
+          </a:prstGeom>
+          <a:noFill/>
+          <a:ln>
+            <a:noFill/>
+          </a:ln>
+        </p:spPr>
+      </p:pic>
     </p:spTree>
   </p:cSld>
   <p:clrMapOvr>
@@ -15890,7 +17280,7 @@
   <p:cSld>
     <p:spTree>
       <p:nvGrpSpPr>
-        <p:cNvPr id="186" name="Shape 186"/>
+        <p:cNvPr id="187" name="Shape 187"/>
         <p:cNvGrpSpPr/>
         <p:nvPr/>
       </p:nvGrpSpPr>
@@ -15904,7 +17294,7 @@
       </p:grpSpPr>
       <p:sp>
         <p:nvSpPr>
-          <p:cNvPr id="187" name="Shape 187"/>
+          <p:cNvPr id="188" name="Shape 188"/>
           <p:cNvSpPr txBox="1"/>
           <p:nvPr>
             <p:ph type="title"/>
@@ -15912,8 +17302,8 @@
         </p:nvSpPr>
         <p:spPr>
           <a:xfrm>
-            <a:off y="973137" x="457200"/>
-            <a:ext cy="571500" cx="8229600"/>
+            <a:off y="973116" x="457200"/>
+            <a:ext cy="972600" cx="8229600"/>
           </a:xfrm>
           <a:prstGeom prst="rect">
             <a:avLst/>
@@ -15925,94 +17315,41 @@
           </a:bodyPr>
           <a:lstStyle/>
           <a:p>
-            <a:pPr>
-              <a:spcBef>
-                <a:spcPts val="0"/>
-              </a:spcBef>
-              <a:buNone/>
-            </a:pPr>
-            <a:r>
-              <a:rPr sz="3000" lang="en"/>
-              <a:t>Dataset Formats Consumable by iDigBio</a:t>
-            </a:r>
-          </a:p>
-        </p:txBody>
-      </p:sp>
-      <p:sp>
-        <p:nvSpPr>
-          <p:cNvPr id="188" name="Shape 188"/>
-          <p:cNvSpPr txBox="1"/>
-          <p:nvPr>
-            <p:ph idx="1" type="body"/>
-          </p:nvPr>
-        </p:nvSpPr>
-        <p:spPr>
-          <a:xfrm>
-            <a:off y="1825500" x="457200"/>
-            <a:ext cy="4692300" cx="8229600"/>
-          </a:xfrm>
-          <a:prstGeom prst="rect">
-            <a:avLst/>
-          </a:prstGeom>
-        </p:spPr>
-        <p:txBody>
-          <a:bodyPr bIns="91425" rIns="91425" lIns="91425" tIns="91425" anchor="t" anchorCtr="0">
-            <a:noAutofit/>
-          </a:bodyPr>
-          <a:lstStyle/>
-          <a:p>
-            <a:pPr rtl="0" lvl="0" indent="-381000" marL="457200">
+            <a:pPr rtl="0" lvl="0">
               <a:spcBef>
                 <a:spcPts val="0"/>
               </a:spcBef>
               <a:buClr>
                 <a:schemeClr val="dk1"/>
               </a:buClr>
-              <a:buSzPct val="100000"/>
-              <a:buFont typeface="Helvetica Neue"/>
-              <a:buChar char="•"/>
+              <a:buSzPct val="45833"/>
+              <a:buFont typeface="Arial"/>
+              <a:buNone/>
             </a:pPr>
             <a:r>
               <a:rPr sz="2400" lang="en"/>
-              <a:t>IPT – DwC-A</a:t>
-            </a:r>
-          </a:p>
-          <a:p>
-            <a:pPr rtl="0" lvl="0" indent="-381000" marL="457200">
+              <a:t>Specimen Data – Darwin Core Standard</a:t>
+            </a:r>
+          </a:p>
+          <a:p>
+            <a:pPr rtl="0" lvl="0">
               <a:spcBef>
                 <a:spcPts val="0"/>
               </a:spcBef>
               <a:buClr>
                 <a:schemeClr val="dk1"/>
               </a:buClr>
-              <a:buSzPct val="100000"/>
-              <a:buFont typeface="Helvetica Neue"/>
-              <a:buChar char="•"/>
+              <a:buSzPct val="45833"/>
+              <a:buFont typeface="Arial"/>
+              <a:buNone/>
             </a:pPr>
             <a:r>
               <a:rPr sz="2400" lang="en"/>
-              <a:t>Symbiota portals – DwC-A</a:t>
-            </a:r>
-          </a:p>
-          <a:p>
-            <a:pPr rtl="0" lvl="0" indent="-381000" marL="457200">
-              <a:spcBef>
-                <a:spcPts val="0"/>
-              </a:spcBef>
-              <a:buClr>
-                <a:schemeClr val="dk1"/>
-              </a:buClr>
-              <a:buSzPct val="100000"/>
-              <a:buFont typeface="Helvetica Neue"/>
-              <a:buChar char="•"/>
-            </a:pPr>
-            <a:r>
-              <a:rPr sz="2400" lang="en"/>
-              <a:t>iDigBio Feeder – DwC-A, CSV, …</a:t>
-            </a:r>
-          </a:p>
-          <a:p>
-            <a:pPr rtl="0">
+              <a:t>http://rs.tdwg.org/dwc/terms/</a:t>
+            </a:r>
+          </a:p>
+          <a:p>
+            <a:pPr>
               <a:spcBef>
                 <a:spcPts val="0"/>
               </a:spcBef>
@@ -16021,54 +17358,38 @@
             <a:r>
               <a:t/>
             </a:r>
-            <a:endParaRPr sz="2400"/>
-          </a:p>
-          <a:p>
-            <a:pPr rtl="0">
-              <a:spcBef>
-                <a:spcPts val="0"/>
-              </a:spcBef>
-              <a:buNone/>
-            </a:pPr>
-            <a:r>
-              <a:rPr b="1" sz="2400" lang="en"/>
-              <a:t>If you can export specimen data from your system / database / spreadsheet into DwC-A (or even CSV), then you can share data with iDigBio.</a:t>
-            </a:r>
-          </a:p>
-          <a:p>
-            <a:pPr rtl="0">
-              <a:spcBef>
-                <a:spcPts val="0"/>
-              </a:spcBef>
-              <a:buNone/>
-            </a:pPr>
-            <a:r>
-              <a:t/>
-            </a:r>
-            <a:endParaRPr sz="2400"/>
-          </a:p>
-          <a:p>
-            <a:pPr rtl="0" lvl="0">
-              <a:spcBef>
-                <a:spcPts val="0"/>
-              </a:spcBef>
-              <a:buNone/>
-            </a:pPr>
-            <a:r>
-              <a:rPr sz="2400" lang="en">
-                <a:solidFill>
-                  <a:schemeClr val="dk1"/>
-                </a:solidFill>
-              </a:rPr>
-              <a:t>iDigBio RSS Feeder facilitates the sharing of over </a:t>
-            </a:r>
-            <a:r>
-              <a:rPr sz="2400" lang="en"/>
-              <a:t>1.5 million specimen records and 200 thousand media records from providers who do not need to run “servers”.</a:t>
-            </a:r>
+            <a:endParaRPr/>
           </a:p>
         </p:txBody>
       </p:sp>
+      <p:pic>
+        <p:nvPicPr>
+          <p:cNvPr id="189" name="Shape 189"/>
+          <p:cNvPicPr preferRelativeResize="0"/>
+          <p:nvPr/>
+        </p:nvPicPr>
+        <p:blipFill>
+          <a:blip r:embed="rId3">
+            <a:alphaModFix/>
+          </a:blip>
+          <a:stretch>
+            <a:fillRect/>
+          </a:stretch>
+        </p:blipFill>
+        <p:spPr>
+          <a:xfrm>
+            <a:off y="1882800" x="394137"/>
+            <a:ext cy="4243100" cx="8355724"/>
+          </a:xfrm>
+          <a:prstGeom prst="rect">
+            <a:avLst/>
+          </a:prstGeom>
+          <a:noFill/>
+          <a:ln>
+            <a:noFill/>
+          </a:ln>
+        </p:spPr>
+      </p:pic>
     </p:spTree>
   </p:cSld>
   <p:clrMapOvr>
@@ -16081,283 +17402,6 @@
 </file>
 
 <file path=ppt/theme/theme1.xml><?xml version="1.0" encoding="utf-8"?>
-<a:theme xmlns:a="http://schemas.openxmlformats.org/drawingml/2006/main" xmlns:r="http://schemas.openxmlformats.org/officeDocument/2006/relationships" name="simple-light">
-  <a:themeElements>
-    <a:clrScheme name="Custom 347">
-      <a:dk1>
-        <a:srgbClr val="000000"/>
-      </a:dk1>
-      <a:lt1>
-        <a:srgbClr val="FFFFFF"/>
-      </a:lt1>
-      <a:dk2>
-        <a:srgbClr val="666666"/>
-      </a:dk2>
-      <a:lt2>
-        <a:srgbClr val="CCCCCC"/>
-      </a:lt2>
-      <a:accent1>
-        <a:srgbClr val="3A81BA"/>
-      </a:accent1>
-      <a:accent2>
-        <a:srgbClr val="D89F39"/>
-      </a:accent2>
-      <a:accent3>
-        <a:srgbClr val="8BAB42"/>
-      </a:accent3>
-      <a:accent4>
-        <a:srgbClr val="57A7B5"/>
-      </a:accent4>
-      <a:accent5>
-        <a:srgbClr val="8B81D2"/>
-      </a:accent5>
-      <a:accent6>
-        <a:srgbClr val="963334"/>
-      </a:accent6>
-      <a:hlink>
-        <a:srgbClr val="1155CC"/>
-      </a:hlink>
-      <a:folHlink>
-        <a:srgbClr val="6611CC"/>
-      </a:folHlink>
-    </a:clrScheme>
-    <a:fontScheme name="Office">
-      <a:majorFont>
-        <a:latin typeface="Arial"/>
-        <a:ea typeface=""/>
-        <a:cs typeface=""/>
-        <a:font typeface="ＭＳ Ｐゴシック" script="Jpan"/>
-        <a:font typeface="맑은 고딕" script="Hang"/>
-        <a:font typeface="宋体" script="Hans"/>
-        <a:font typeface="新細明體" script="Hant"/>
-        <a:font typeface="Times New Roman" script="Arab"/>
-        <a:font typeface="Times New Roman" script="Hebr"/>
-        <a:font typeface="Angsana New" script="Thai"/>
-        <a:font typeface="Nyala" script="Ethi"/>
-        <a:font typeface="Vrinda" script="Beng"/>
-        <a:font typeface="Shruti" script="Gujr"/>
-        <a:font typeface="MoolBoran" script="Khmr"/>
-        <a:font typeface="Tunga" script="Knda"/>
-        <a:font typeface="Raavi" script="Guru"/>
-        <a:font typeface="Euphemia" script="Cans"/>
-        <a:font typeface="Plantagenet Cherokee" script="Cher"/>
-        <a:font typeface="Microsoft Yi Baiti" script="Yiii"/>
-        <a:font typeface="Microsoft Himalaya" script="Tibt"/>
-        <a:font typeface="MV Boli" script="Thaa"/>
-        <a:font typeface="Mangal" script="Deva"/>
-        <a:font typeface="Gautami" script="Telu"/>
-        <a:font typeface="Latha" script="Taml"/>
-        <a:font typeface="Estrangelo Edessa" script="Syrc"/>
-        <a:font typeface="Kalinga" script="Orya"/>
-        <a:font typeface="Kartika" script="Mlym"/>
-        <a:font typeface="DokChampa" script="Laoo"/>
-        <a:font typeface="Iskoola Pota" script="Sinh"/>
-        <a:font typeface="Mongolian Baiti" script="Mong"/>
-        <a:font typeface="Times New Roman" script="Viet"/>
-        <a:font typeface="Microsoft Uighur" script="Uigh"/>
-      </a:majorFont>
-      <a:minorFont>
-        <a:latin typeface="Arial"/>
-        <a:ea typeface=""/>
-        <a:cs typeface=""/>
-        <a:font typeface="ＭＳ Ｐゴシック" script="Jpan"/>
-        <a:font typeface="맑은 고딕" script="Hang"/>
-        <a:font typeface="宋体" script="Hans"/>
-        <a:font typeface="新細明體" script="Hant"/>
-        <a:font typeface="Times New Roman" script="Arab"/>
-        <a:font typeface="Times New Roman" script="Hebr"/>
-        <a:font typeface="Angsana New" script="Thai"/>
-        <a:font typeface="Nyala" script="Ethi"/>
-        <a:font typeface="Vrinda" script="Beng"/>
-        <a:font typeface="Shruti" script="Gujr"/>
-        <a:font typeface="MoolBoran" script="Khmr"/>
-        <a:font typeface="Tunga" script="Knda"/>
-        <a:font typeface="Raavi" script="Guru"/>
-        <a:font typeface="Euphemia" script="Cans"/>
-        <a:font typeface="Plantagenet Cherokee" script="Cher"/>
-        <a:font typeface="Microsoft Yi Baiti" script="Yiii"/>
-        <a:font typeface="Microsoft Himalaya" script="Tibt"/>
-        <a:font typeface="MV Boli" script="Thaa"/>
-        <a:font typeface="Mangal" script="Deva"/>
-        <a:font typeface="Gautami" script="Telu"/>
-        <a:font typeface="Latha" script="Taml"/>
-        <a:font typeface="Estrangelo Edessa" script="Syrc"/>
-        <a:font typeface="Kalinga" script="Orya"/>
-        <a:font typeface="Kartika" script="Mlym"/>
-        <a:font typeface="DokChampa" script="Laoo"/>
-        <a:font typeface="Iskoola Pota" script="Sinh"/>
-        <a:font typeface="Mongolian Baiti" script="Mong"/>
-        <a:font typeface="Times New Roman" script="Viet"/>
-        <a:font typeface="Microsoft Uighur" script="Uigh"/>
-      </a:minorFont>
-    </a:fontScheme>
-    <a:fmtScheme name="Office">
-      <a:fillStyleLst>
-        <a:solidFill>
-          <a:schemeClr val="phClr"/>
-        </a:solidFill>
-        <a:gradFill rotWithShape="1">
-          <a:gsLst>
-            <a:gs pos="0">
-              <a:schemeClr val="phClr">
-                <a:tint val="50000"/>
-                <a:satMod val="300000"/>
-              </a:schemeClr>
-            </a:gs>
-            <a:gs pos="35000">
-              <a:schemeClr val="phClr">
-                <a:tint val="37000"/>
-                <a:satMod val="300000"/>
-              </a:schemeClr>
-            </a:gs>
-            <a:gs pos="100000">
-              <a:schemeClr val="phClr">
-                <a:tint val="15000"/>
-                <a:satMod val="350000"/>
-              </a:schemeClr>
-            </a:gs>
-          </a:gsLst>
-          <a:lin ang="16200000" scaled="1"/>
-        </a:gradFill>
-        <a:gradFill rotWithShape="1">
-          <a:gsLst>
-            <a:gs pos="0">
-              <a:schemeClr val="phClr">
-                <a:tint val="100000"/>
-                <a:shade val="100000"/>
-                <a:satMod val="130000"/>
-              </a:schemeClr>
-            </a:gs>
-            <a:gs pos="100000">
-              <a:schemeClr val="phClr">
-                <a:tint val="50000"/>
-                <a:shade val="100000"/>
-                <a:satMod val="350000"/>
-              </a:schemeClr>
-            </a:gs>
-          </a:gsLst>
-          <a:lin ang="16200000" scaled="0"/>
-        </a:gradFill>
-      </a:fillStyleLst>
-      <a:lnStyleLst>
-        <a:ln w="9525" algn="ctr" cap="flat" cmpd="sng">
-          <a:solidFill>
-            <a:schemeClr val="phClr">
-              <a:shade val="95000"/>
-              <a:satMod val="105000"/>
-            </a:schemeClr>
-          </a:solidFill>
-          <a:prstDash val="solid"/>
-        </a:ln>
-        <a:ln w="25400" algn="ctr" cap="flat" cmpd="sng">
-          <a:solidFill>
-            <a:schemeClr val="phClr"/>
-          </a:solidFill>
-          <a:prstDash val="solid"/>
-        </a:ln>
-        <a:ln w="38100" algn="ctr" cap="flat" cmpd="sng">
-          <a:solidFill>
-            <a:schemeClr val="phClr"/>
-          </a:solidFill>
-          <a:prstDash val="solid"/>
-        </a:ln>
-      </a:lnStyleLst>
-      <a:effectStyleLst>
-        <a:effectStyle>
-          <a:effectLst>
-            <a:outerShdw rotWithShape="0" dir="5400000" blurRad="40000" dist="20000">
-              <a:srgbClr val="000000">
-                <a:alpha val="38000"/>
-              </a:srgbClr>
-            </a:outerShdw>
-          </a:effectLst>
-        </a:effectStyle>
-        <a:effectStyle>
-          <a:effectLst>
-            <a:outerShdw rotWithShape="0" dir="5400000" blurRad="40000" dist="23000">
-              <a:srgbClr val="000000">
-                <a:alpha val="35000"/>
-              </a:srgbClr>
-            </a:outerShdw>
-          </a:effectLst>
-        </a:effectStyle>
-        <a:effectStyle>
-          <a:effectLst>
-            <a:outerShdw rotWithShape="0" dir="5400000" blurRad="40000" dist="23000">
-              <a:srgbClr val="000000">
-                <a:alpha val="35000"/>
-              </a:srgbClr>
-            </a:outerShdw>
-          </a:effectLst>
-          <a:scene3d>
-            <a:camera prst="orthographicFront">
-              <a:rot rev="0" lon="0" lat="0"/>
-            </a:camera>
-            <a:lightRig dir="t" rig="threePt">
-              <a:rot rev="1200000" lon="0" lat="0"/>
-            </a:lightRig>
-          </a:scene3d>
-          <a:sp3d>
-            <a:bevelT w="63500" h="25400"/>
-          </a:sp3d>
-        </a:effectStyle>
-      </a:effectStyleLst>
-      <a:bgFillStyleLst>
-        <a:solidFill>
-          <a:schemeClr val="phClr"/>
-        </a:solidFill>
-        <a:gradFill rotWithShape="1">
-          <a:gsLst>
-            <a:gs pos="0">
-              <a:schemeClr val="phClr">
-                <a:tint val="40000"/>
-                <a:satMod val="350000"/>
-              </a:schemeClr>
-            </a:gs>
-            <a:gs pos="40000">
-              <a:schemeClr val="phClr">
-                <a:tint val="45000"/>
-                <a:shade val="99000"/>
-                <a:satMod val="350000"/>
-              </a:schemeClr>
-            </a:gs>
-            <a:gs pos="100000">
-              <a:schemeClr val="phClr">
-                <a:shade val="20000"/>
-                <a:satMod val="255000"/>
-              </a:schemeClr>
-            </a:gs>
-          </a:gsLst>
-          <a:path path="circle">
-            <a:fillToRect t="-80000" b="180000" r="50000" l="50000"/>
-          </a:path>
-        </a:gradFill>
-        <a:gradFill rotWithShape="1">
-          <a:gsLst>
-            <a:gs pos="0">
-              <a:schemeClr val="phClr">
-                <a:tint val="80000"/>
-                <a:satMod val="300000"/>
-              </a:schemeClr>
-            </a:gs>
-            <a:gs pos="100000">
-              <a:schemeClr val="phClr">
-                <a:shade val="30000"/>
-                <a:satMod val="200000"/>
-              </a:schemeClr>
-            </a:gs>
-          </a:gsLst>
-          <a:path path="circle">
-            <a:fillToRect t="50000" b="50000" r="50000" l="50000"/>
-          </a:path>
-        </a:gradFill>
-      </a:bgFillStyleLst>
-    </a:fmtScheme>
-  </a:themeElements>
-</a:theme>
-</file>
-
-<file path=ppt/theme/theme2.xml><?xml version="1.0" encoding="utf-8"?>
 <a:theme xmlns:a="http://schemas.openxmlformats.org/drawingml/2006/main" xmlns:r="http://schemas.openxmlformats.org/officeDocument/2006/relationships" name="Custom Theme">
   <a:themeElements>
     <a:clrScheme name="Default">
@@ -16634,7 +17678,7 @@
 </a:theme>
 </file>
 
-<file path=ppt/theme/theme3.xml><?xml version="1.0" encoding="utf-8"?>
+<file path=ppt/theme/theme2.xml><?xml version="1.0" encoding="utf-8"?>
 <a:theme xmlns:a="http://schemas.openxmlformats.org/drawingml/2006/main" xmlns:r="http://schemas.openxmlformats.org/officeDocument/2006/relationships" name="idigbio2014">
   <a:themeElements>
     <a:clrScheme name="Office">
@@ -16911,7 +17955,7 @@
 </a:theme>
 </file>
 
-<file path=ppt/theme/theme4.xml><?xml version="1.0" encoding="utf-8"?>
+<file path=ppt/theme/theme3.xml><?xml version="1.0" encoding="utf-8"?>
 <a:theme xmlns:a="http://schemas.openxmlformats.org/drawingml/2006/main" xmlns:r="http://schemas.openxmlformats.org/officeDocument/2006/relationships" name="Office Theme">
   <a:themeElements>
     <a:clrScheme name="Office">
@@ -17226,4 +18270,281 @@
     </a:lnDef>
   </a:objectDefaults>
 </a:theme>
+</file>
+
+<file path=ppt/theme/theme4.xml><?xml version="1.0" encoding="utf-8"?>
+<a:theme xmlns:a="http://schemas.openxmlformats.org/drawingml/2006/main" xmlns:r="http://schemas.openxmlformats.org/officeDocument/2006/relationships" name="simple-light">
+  <a:themeElements>
+    <a:clrScheme name="Custom 347">
+      <a:dk1>
+        <a:srgbClr val="000000"/>
+      </a:dk1>
+      <a:lt1>
+        <a:srgbClr val="FFFFFF"/>
+      </a:lt1>
+      <a:dk2>
+        <a:srgbClr val="666666"/>
+      </a:dk2>
+      <a:lt2>
+        <a:srgbClr val="CCCCCC"/>
+      </a:lt2>
+      <a:accent1>
+        <a:srgbClr val="3A81BA"/>
+      </a:accent1>
+      <a:accent2>
+        <a:srgbClr val="D89F39"/>
+      </a:accent2>
+      <a:accent3>
+        <a:srgbClr val="8BAB42"/>
+      </a:accent3>
+      <a:accent4>
+        <a:srgbClr val="57A7B5"/>
+      </a:accent4>
+      <a:accent5>
+        <a:srgbClr val="8B81D2"/>
+      </a:accent5>
+      <a:accent6>
+        <a:srgbClr val="963334"/>
+      </a:accent6>
+      <a:hlink>
+        <a:srgbClr val="1155CC"/>
+      </a:hlink>
+      <a:folHlink>
+        <a:srgbClr val="6611CC"/>
+      </a:folHlink>
+    </a:clrScheme>
+    <a:fontScheme name="Office">
+      <a:majorFont>
+        <a:latin typeface="Arial"/>
+        <a:ea typeface=""/>
+        <a:cs typeface=""/>
+        <a:font typeface="ＭＳ Ｐゴシック" script="Jpan"/>
+        <a:font typeface="맑은 고딕" script="Hang"/>
+        <a:font typeface="宋体" script="Hans"/>
+        <a:font typeface="新細明體" script="Hant"/>
+        <a:font typeface="Times New Roman" script="Arab"/>
+        <a:font typeface="Times New Roman" script="Hebr"/>
+        <a:font typeface="Angsana New" script="Thai"/>
+        <a:font typeface="Nyala" script="Ethi"/>
+        <a:font typeface="Vrinda" script="Beng"/>
+        <a:font typeface="Shruti" script="Gujr"/>
+        <a:font typeface="MoolBoran" script="Khmr"/>
+        <a:font typeface="Tunga" script="Knda"/>
+        <a:font typeface="Raavi" script="Guru"/>
+        <a:font typeface="Euphemia" script="Cans"/>
+        <a:font typeface="Plantagenet Cherokee" script="Cher"/>
+        <a:font typeface="Microsoft Yi Baiti" script="Yiii"/>
+        <a:font typeface="Microsoft Himalaya" script="Tibt"/>
+        <a:font typeface="MV Boli" script="Thaa"/>
+        <a:font typeface="Mangal" script="Deva"/>
+        <a:font typeface="Gautami" script="Telu"/>
+        <a:font typeface="Latha" script="Taml"/>
+        <a:font typeface="Estrangelo Edessa" script="Syrc"/>
+        <a:font typeface="Kalinga" script="Orya"/>
+        <a:font typeface="Kartika" script="Mlym"/>
+        <a:font typeface="DokChampa" script="Laoo"/>
+        <a:font typeface="Iskoola Pota" script="Sinh"/>
+        <a:font typeface="Mongolian Baiti" script="Mong"/>
+        <a:font typeface="Times New Roman" script="Viet"/>
+        <a:font typeface="Microsoft Uighur" script="Uigh"/>
+      </a:majorFont>
+      <a:minorFont>
+        <a:latin typeface="Arial"/>
+        <a:ea typeface=""/>
+        <a:cs typeface=""/>
+        <a:font typeface="ＭＳ Ｐゴシック" script="Jpan"/>
+        <a:font typeface="맑은 고딕" script="Hang"/>
+        <a:font typeface="宋体" script="Hans"/>
+        <a:font typeface="新細明體" script="Hant"/>
+        <a:font typeface="Times New Roman" script="Arab"/>
+        <a:font typeface="Times New Roman" script="Hebr"/>
+        <a:font typeface="Angsana New" script="Thai"/>
+        <a:font typeface="Nyala" script="Ethi"/>
+        <a:font typeface="Vrinda" script="Beng"/>
+        <a:font typeface="Shruti" script="Gujr"/>
+        <a:font typeface="MoolBoran" script="Khmr"/>
+        <a:font typeface="Tunga" script="Knda"/>
+        <a:font typeface="Raavi" script="Guru"/>
+        <a:font typeface="Euphemia" script="Cans"/>
+        <a:font typeface="Plantagenet Cherokee" script="Cher"/>
+        <a:font typeface="Microsoft Yi Baiti" script="Yiii"/>
+        <a:font typeface="Microsoft Himalaya" script="Tibt"/>
+        <a:font typeface="MV Boli" script="Thaa"/>
+        <a:font typeface="Mangal" script="Deva"/>
+        <a:font typeface="Gautami" script="Telu"/>
+        <a:font typeface="Latha" script="Taml"/>
+        <a:font typeface="Estrangelo Edessa" script="Syrc"/>
+        <a:font typeface="Kalinga" script="Orya"/>
+        <a:font typeface="Kartika" script="Mlym"/>
+        <a:font typeface="DokChampa" script="Laoo"/>
+        <a:font typeface="Iskoola Pota" script="Sinh"/>
+        <a:font typeface="Mongolian Baiti" script="Mong"/>
+        <a:font typeface="Times New Roman" script="Viet"/>
+        <a:font typeface="Microsoft Uighur" script="Uigh"/>
+      </a:minorFont>
+    </a:fontScheme>
+    <a:fmtScheme name="Office">
+      <a:fillStyleLst>
+        <a:solidFill>
+          <a:schemeClr val="phClr"/>
+        </a:solidFill>
+        <a:gradFill rotWithShape="1">
+          <a:gsLst>
+            <a:gs pos="0">
+              <a:schemeClr val="phClr">
+                <a:tint val="50000"/>
+                <a:satMod val="300000"/>
+              </a:schemeClr>
+            </a:gs>
+            <a:gs pos="35000">
+              <a:schemeClr val="phClr">
+                <a:tint val="37000"/>
+                <a:satMod val="300000"/>
+              </a:schemeClr>
+            </a:gs>
+            <a:gs pos="100000">
+              <a:schemeClr val="phClr">
+                <a:tint val="15000"/>
+                <a:satMod val="350000"/>
+              </a:schemeClr>
+            </a:gs>
+          </a:gsLst>
+          <a:lin ang="16200000" scaled="1"/>
+        </a:gradFill>
+        <a:gradFill rotWithShape="1">
+          <a:gsLst>
+            <a:gs pos="0">
+              <a:schemeClr val="phClr">
+                <a:tint val="100000"/>
+                <a:shade val="100000"/>
+                <a:satMod val="130000"/>
+              </a:schemeClr>
+            </a:gs>
+            <a:gs pos="100000">
+              <a:schemeClr val="phClr">
+                <a:tint val="50000"/>
+                <a:shade val="100000"/>
+                <a:satMod val="350000"/>
+              </a:schemeClr>
+            </a:gs>
+          </a:gsLst>
+          <a:lin ang="16200000" scaled="0"/>
+        </a:gradFill>
+      </a:fillStyleLst>
+      <a:lnStyleLst>
+        <a:ln w="9525" algn="ctr" cap="flat" cmpd="sng">
+          <a:solidFill>
+            <a:schemeClr val="phClr">
+              <a:shade val="95000"/>
+              <a:satMod val="105000"/>
+            </a:schemeClr>
+          </a:solidFill>
+          <a:prstDash val="solid"/>
+        </a:ln>
+        <a:ln w="25400" algn="ctr" cap="flat" cmpd="sng">
+          <a:solidFill>
+            <a:schemeClr val="phClr"/>
+          </a:solidFill>
+          <a:prstDash val="solid"/>
+        </a:ln>
+        <a:ln w="38100" algn="ctr" cap="flat" cmpd="sng">
+          <a:solidFill>
+            <a:schemeClr val="phClr"/>
+          </a:solidFill>
+          <a:prstDash val="solid"/>
+        </a:ln>
+      </a:lnStyleLst>
+      <a:effectStyleLst>
+        <a:effectStyle>
+          <a:effectLst>
+            <a:outerShdw rotWithShape="0" dir="5400000" blurRad="40000" dist="20000">
+              <a:srgbClr val="000000">
+                <a:alpha val="38000"/>
+              </a:srgbClr>
+            </a:outerShdw>
+          </a:effectLst>
+        </a:effectStyle>
+        <a:effectStyle>
+          <a:effectLst>
+            <a:outerShdw rotWithShape="0" dir="5400000" blurRad="40000" dist="23000">
+              <a:srgbClr val="000000">
+                <a:alpha val="35000"/>
+              </a:srgbClr>
+            </a:outerShdw>
+          </a:effectLst>
+        </a:effectStyle>
+        <a:effectStyle>
+          <a:effectLst>
+            <a:outerShdw rotWithShape="0" dir="5400000" blurRad="40000" dist="23000">
+              <a:srgbClr val="000000">
+                <a:alpha val="35000"/>
+              </a:srgbClr>
+            </a:outerShdw>
+          </a:effectLst>
+          <a:scene3d>
+            <a:camera prst="orthographicFront">
+              <a:rot rev="0" lon="0" lat="0"/>
+            </a:camera>
+            <a:lightRig dir="t" rig="threePt">
+              <a:rot rev="1200000" lon="0" lat="0"/>
+            </a:lightRig>
+          </a:scene3d>
+          <a:sp3d>
+            <a:bevelT w="63500" h="25400"/>
+          </a:sp3d>
+        </a:effectStyle>
+      </a:effectStyleLst>
+      <a:bgFillStyleLst>
+        <a:solidFill>
+          <a:schemeClr val="phClr"/>
+        </a:solidFill>
+        <a:gradFill rotWithShape="1">
+          <a:gsLst>
+            <a:gs pos="0">
+              <a:schemeClr val="phClr">
+                <a:tint val="40000"/>
+                <a:satMod val="350000"/>
+              </a:schemeClr>
+            </a:gs>
+            <a:gs pos="40000">
+              <a:schemeClr val="phClr">
+                <a:tint val="45000"/>
+                <a:shade val="99000"/>
+                <a:satMod val="350000"/>
+              </a:schemeClr>
+            </a:gs>
+            <a:gs pos="100000">
+              <a:schemeClr val="phClr">
+                <a:shade val="20000"/>
+                <a:satMod val="255000"/>
+              </a:schemeClr>
+            </a:gs>
+          </a:gsLst>
+          <a:path path="circle">
+            <a:fillToRect t="-80000" b="180000" r="50000" l="50000"/>
+          </a:path>
+        </a:gradFill>
+        <a:gradFill rotWithShape="1">
+          <a:gsLst>
+            <a:gs pos="0">
+              <a:schemeClr val="phClr">
+                <a:tint val="80000"/>
+                <a:satMod val="300000"/>
+              </a:schemeClr>
+            </a:gs>
+            <a:gs pos="100000">
+              <a:schemeClr val="phClr">
+                <a:shade val="30000"/>
+                <a:satMod val="200000"/>
+              </a:schemeClr>
+            </a:gs>
+          </a:gsLst>
+          <a:path path="circle">
+            <a:fillToRect t="50000" b="50000" r="50000" l="50000"/>
+          </a:path>
+        </a:gradFill>
+      </a:bgFillStyleLst>
+    </a:fmtScheme>
+  </a:themeElements>
+</a:theme>
 </file>